--- a/presentation/Architectural and Algorithmic Analysis.pptx
+++ b/presentation/Architectural and Algorithmic Analysis.pptx
@@ -1,26 +1,32 @@
 
 <file path=ppt/presentation.xml><?xml version="1.0" encoding="utf-8"?>
-<p:presentation xmlns:a="http://schemas.openxmlformats.org/drawingml/2006/main" xmlns:r="http://schemas.openxmlformats.org/officeDocument/2006/relationships" xmlns:p="http://schemas.openxmlformats.org/presentationml/2006/main" xmlns:m="http://schemas.openxmlformats.org/officeDocument/2006/math" xmlns:w="http://schemas.openxmlformats.org/wordprocessingml/2006/main" autoCompressPictures="0" saveSubsetFonts="1" strictFirstAndLastChars="0">
+<p:presentation xmlns:a="http://schemas.openxmlformats.org/drawingml/2006/main" xmlns:r="http://schemas.openxmlformats.org/officeDocument/2006/relationships" xmlns:p="http://schemas.openxmlformats.org/presentationml/2006/main" strictFirstAndLastChars="0" saveSubsetFonts="1" autoCompressPictures="0">
   <p:sldMasterIdLst>
     <p:sldMasterId id="2147483648" r:id="rId1"/>
   </p:sldMasterIdLst>
   <p:notesMasterIdLst>
-    <p:notesMasterId r:id="rId15"/>
+    <p:notesMasterId r:id="rId19"/>
   </p:notesMasterIdLst>
   <p:sldIdLst>
-    <p:sldId id="256" r:id="rId4"/>
-    <p:sldId id="257" r:id="rId5"/>
-    <p:sldId id="258" r:id="rId6"/>
-    <p:sldId id="259" r:id="rId7"/>
-    <p:sldId id="260" r:id="rId8"/>
-    <p:sldId id="261" r:id="rId9"/>
-    <p:sldId id="262" r:id="rId10"/>
-    <p:sldId id="263" r:id="rId11"/>
-    <p:sldId id="264" r:id="rId12"/>
-    <p:sldId id="265" r:id="rId13"/>
-    <p:sldId id="266" r:id="rId14"/>
+    <p:sldId id="256" r:id="rId2"/>
+    <p:sldId id="257" r:id="rId3"/>
+    <p:sldId id="258" r:id="rId4"/>
+    <p:sldId id="259" r:id="rId5"/>
+    <p:sldId id="260" r:id="rId6"/>
+    <p:sldId id="269" r:id="rId7"/>
+    <p:sldId id="267" r:id="rId8"/>
+    <p:sldId id="272" r:id="rId9"/>
+    <p:sldId id="270" r:id="rId10"/>
+    <p:sldId id="271" r:id="rId11"/>
+    <p:sldId id="273" r:id="rId12"/>
+    <p:sldId id="261" r:id="rId13"/>
+    <p:sldId id="262" r:id="rId14"/>
+    <p:sldId id="263" r:id="rId15"/>
+    <p:sldId id="264" r:id="rId16"/>
+    <p:sldId id="265" r:id="rId17"/>
+    <p:sldId id="266" r:id="rId18"/>
   </p:sldIdLst>
-  <p:sldSz cx="9144000" cy="5143500"/>
+  <p:sldSz cx="9144000" cy="5143500" type="screen16x9"/>
   <p:notesSz cx="6858000" cy="9144000"/>
   <p:defaultTextStyle>
     <a:defPPr marR="0" lvl="0" algn="l" rtl="0">
@@ -242,12 +248,33 @@
       </a:defRPr>
     </a:lvl9pPr>
   </p:defaultTextStyle>
+  <p:extLst>
+    <p:ext uri="{EFAFB233-063F-42B5-8137-9DF3F51BA10A}">
+      <p15:sldGuideLst xmlns:p15="http://schemas.microsoft.com/office/powerpoint/2012/main">
+        <p15:guide id="1" orient="horz" pos="1620">
+          <p15:clr>
+            <a:srgbClr val="A4A3A4"/>
+          </p15:clr>
+        </p15:guide>
+        <p15:guide id="2" pos="2880">
+          <p15:clr>
+            <a:srgbClr val="A4A3A4"/>
+          </p15:clr>
+        </p15:guide>
+      </p15:sldGuideLst>
+    </p:ext>
+  </p:extLst>
 </p:presentation>
 </file>
 
 <file path=ppt/notesMasters/notesMaster1.xml><?xml version="1.0" encoding="utf-8"?>
 <p:notesMaster xmlns:a="http://schemas.openxmlformats.org/drawingml/2006/main" xmlns:r="http://schemas.openxmlformats.org/officeDocument/2006/relationships" xmlns:p="http://schemas.openxmlformats.org/presentationml/2006/main">
-  <p:cSld name="">
+  <p:cSld>
+    <p:bg>
+      <p:bgRef idx="1001">
+        <a:schemeClr val="bg1"/>
+      </p:bgRef>
+    </p:bg>
     <p:spTree>
       <p:nvGrpSpPr>
         <p:cNvPr id="1" name=""/>
@@ -265,7 +292,9 @@
       <p:sp>
         <p:nvSpPr>
           <p:cNvPr id="502276425" name="Google Shape;3;n"/>
-          <p:cNvSpPr/>
+          <p:cNvSpPr>
+            <a:spLocks noGrp="1" noRot="1" noChangeAspect="1"/>
+          </p:cNvSpPr>
           <p:nvPr>
             <p:ph type="sldImg" idx="2"/>
           </p:nvPr>
@@ -282,7 +311,7 @@
             <a:cxnLst/>
             <a:rect l="l" t="t" r="r" b="b"/>
             <a:pathLst>
-              <a:path w="120000" h="120000" fill="norm" stroke="1" extrusionOk="0">
+              <a:path w="120000" h="120000" extrusionOk="0">
                 <a:moveTo>
                   <a:pt x="0" y="0"/>
                 </a:moveTo>
@@ -314,7 +343,9 @@
       <p:sp>
         <p:nvSpPr>
           <p:cNvPr id="284842999" name="Google Shape;4;n"/>
-          <p:cNvSpPr txBox="1"/>
+          <p:cNvSpPr txBox="1">
+            <a:spLocks noGrp="1"/>
+          </p:cNvSpPr>
           <p:nvPr>
             <p:ph type="body" idx="1"/>
           </p:nvPr>
@@ -672,8 +703,8 @@
 </file>
 
 <file path=ppt/notesSlides/notesSlide1.xml><?xml version="1.0" encoding="utf-8"?>
-<p:notes xmlns:a="http://schemas.openxmlformats.org/drawingml/2006/main" xmlns:r="http://schemas.openxmlformats.org/officeDocument/2006/relationships" xmlns:p="http://schemas.openxmlformats.org/presentationml/2006/main" xmlns:m="http://schemas.openxmlformats.org/officeDocument/2006/math" xmlns:w="http://schemas.openxmlformats.org/wordprocessingml/2006/main">
-  <p:cSld name="">
+<p:notes xmlns:a="http://schemas.openxmlformats.org/drawingml/2006/main" xmlns:r="http://schemas.openxmlformats.org/officeDocument/2006/relationships" xmlns:p="http://schemas.openxmlformats.org/presentationml/2006/main">
+  <p:cSld>
     <p:spTree>
       <p:nvGrpSpPr>
         <p:cNvPr id="1" name=""/>
@@ -692,7 +723,7 @@
         <p:nvSpPr>
           <p:cNvPr id="2" name="Slide Image Placeholder 1"/>
           <p:cNvSpPr>
-            <a:spLocks noChangeAspect="1" noGrp="1" noRot="1"/>
+            <a:spLocks noGrp="1" noRot="1" noChangeAspect="1"/>
           </p:cNvSpPr>
           <p:nvPr>
             <p:ph type="sldImg"/>
@@ -742,7 +773,7 @@
             </a:pPr>
             <a:fld id="{71700331-B9FA-1F1D-B923-207341F92713}" type="slidenum">
               <a:rPr/>
-              <a:t/>
+              <a:t>1</a:t>
             </a:fld>
             <a:endParaRPr/>
           </a:p>
@@ -757,8 +788,8 @@
 </file>
 
 <file path=ppt/notesSlides/notesSlide10.xml><?xml version="1.0" encoding="utf-8"?>
-<p:notes xmlns:a="http://schemas.openxmlformats.org/drawingml/2006/main" xmlns:r="http://schemas.openxmlformats.org/officeDocument/2006/relationships" xmlns:p="http://schemas.openxmlformats.org/presentationml/2006/main" xmlns:m="http://schemas.openxmlformats.org/officeDocument/2006/math" xmlns:w="http://schemas.openxmlformats.org/wordprocessingml/2006/main" showMasterPhAnim="0" showMasterSp="0">
-  <p:cSld name="">
+<p:notes xmlns:a="http://schemas.openxmlformats.org/drawingml/2006/main" xmlns:r="http://schemas.openxmlformats.org/officeDocument/2006/relationships" xmlns:p="http://schemas.openxmlformats.org/presentationml/2006/main" showMasterSp="0" showMasterPhAnim="0">
+  <p:cSld>
     <p:spTree>
       <p:nvGrpSpPr>
         <p:cNvPr id="1" name=""/>
@@ -776,7 +807,9 @@
       <p:sp>
         <p:nvSpPr>
           <p:cNvPr id="1017745399" name="Google Shape;79;g3ac732f5f08_0_41:notes"/>
-          <p:cNvSpPr/>
+          <p:cNvSpPr>
+            <a:spLocks noGrp="1" noRot="1" noChangeAspect="1"/>
+          </p:cNvSpPr>
           <p:nvPr>
             <p:ph type="sldImg" idx="2"/>
           </p:nvPr>
@@ -793,7 +826,7 @@
             <a:cxnLst/>
             <a:rect l="l" t="t" r="r" b="b"/>
             <a:pathLst>
-              <a:path w="120000" h="120000" fill="norm" stroke="1" extrusionOk="0">
+              <a:path w="120000" h="120000" extrusionOk="0">
                 <a:moveTo>
                   <a:pt x="0" y="0"/>
                 </a:moveTo>
@@ -815,7 +848,9 @@
       <p:sp>
         <p:nvSpPr>
           <p:cNvPr id="1694222984" name="Google Shape;80;g3ac732f5f08_0_41:notes"/>
-          <p:cNvSpPr txBox="1"/>
+          <p:cNvSpPr txBox="1">
+            <a:spLocks noGrp="1"/>
+          </p:cNvSpPr>
           <p:nvPr>
             <p:ph type="body" idx="1"/>
           </p:nvPr>
@@ -858,8 +893,8 @@
 </file>
 
 <file path=ppt/notesSlides/notesSlide11.xml><?xml version="1.0" encoding="utf-8"?>
-<p:notes xmlns:a="http://schemas.openxmlformats.org/drawingml/2006/main" xmlns:r="http://schemas.openxmlformats.org/officeDocument/2006/relationships" xmlns:p="http://schemas.openxmlformats.org/presentationml/2006/main" xmlns:m="http://schemas.openxmlformats.org/officeDocument/2006/math" xmlns:w="http://schemas.openxmlformats.org/wordprocessingml/2006/main">
-  <p:cSld name="">
+<p:notes xmlns:a="http://schemas.openxmlformats.org/drawingml/2006/main" xmlns:r="http://schemas.openxmlformats.org/officeDocument/2006/relationships" xmlns:p="http://schemas.openxmlformats.org/presentationml/2006/main">
+  <p:cSld>
     <p:spTree>
       <p:nvGrpSpPr>
         <p:cNvPr id="1" name=""/>
@@ -878,7 +913,7 @@
         <p:nvSpPr>
           <p:cNvPr id="2" name="Slide Image Placeholder 1"/>
           <p:cNvSpPr>
-            <a:spLocks noChangeAspect="1" noGrp="1" noRot="1"/>
+            <a:spLocks noGrp="1" noRot="1" noChangeAspect="1"/>
           </p:cNvSpPr>
           <p:nvPr>
             <p:ph type="sldImg"/>
@@ -928,7 +963,7 @@
             </a:pPr>
             <a:fld id="{9165CEC4-7EC8-524E-BE55-9274D1C43E19}" type="slidenum">
               <a:rPr/>
-              <a:t/>
+              <a:t>17</a:t>
             </a:fld>
             <a:endParaRPr/>
           </a:p>
@@ -943,8 +978,8 @@
 </file>
 
 <file path=ppt/notesSlides/notesSlide2.xml><?xml version="1.0" encoding="utf-8"?>
-<p:notes xmlns:a="http://schemas.openxmlformats.org/drawingml/2006/main" xmlns:r="http://schemas.openxmlformats.org/officeDocument/2006/relationships" xmlns:p="http://schemas.openxmlformats.org/presentationml/2006/main" xmlns:m="http://schemas.openxmlformats.org/officeDocument/2006/math" xmlns:w="http://schemas.openxmlformats.org/wordprocessingml/2006/main">
-  <p:cSld name="">
+<p:notes xmlns:a="http://schemas.openxmlformats.org/drawingml/2006/main" xmlns:r="http://schemas.openxmlformats.org/officeDocument/2006/relationships" xmlns:p="http://schemas.openxmlformats.org/presentationml/2006/main">
+  <p:cSld>
     <p:spTree>
       <p:nvGrpSpPr>
         <p:cNvPr id="1" name=""/>
@@ -963,7 +998,7 @@
         <p:nvSpPr>
           <p:cNvPr id="2" name="Slide Image Placeholder 1"/>
           <p:cNvSpPr>
-            <a:spLocks noChangeAspect="1" noGrp="1" noRot="1"/>
+            <a:spLocks noGrp="1" noRot="1" noChangeAspect="1"/>
           </p:cNvSpPr>
           <p:nvPr>
             <p:ph type="sldImg"/>
@@ -1013,7 +1048,7 @@
             </a:pPr>
             <a:fld id="{5BE710D4-BB11-8F55-2E48-EA2EDE0F7950}" type="slidenum">
               <a:rPr/>
-              <a:t/>
+              <a:t>2</a:t>
             </a:fld>
             <a:endParaRPr/>
           </a:p>
@@ -1028,8 +1063,8 @@
 </file>
 
 <file path=ppt/notesSlides/notesSlide3.xml><?xml version="1.0" encoding="utf-8"?>
-<p:notes xmlns:a="http://schemas.openxmlformats.org/drawingml/2006/main" xmlns:r="http://schemas.openxmlformats.org/officeDocument/2006/relationships" xmlns:p="http://schemas.openxmlformats.org/presentationml/2006/main" xmlns:m="http://schemas.openxmlformats.org/officeDocument/2006/math" xmlns:w="http://schemas.openxmlformats.org/wordprocessingml/2006/main">
-  <p:cSld name="">
+<p:notes xmlns:a="http://schemas.openxmlformats.org/drawingml/2006/main" xmlns:r="http://schemas.openxmlformats.org/officeDocument/2006/relationships" xmlns:p="http://schemas.openxmlformats.org/presentationml/2006/main">
+  <p:cSld>
     <p:spTree>
       <p:nvGrpSpPr>
         <p:cNvPr id="1" name=""/>
@@ -1048,7 +1083,7 @@
         <p:nvSpPr>
           <p:cNvPr id="2" name="Slide Image Placeholder 1"/>
           <p:cNvSpPr>
-            <a:spLocks noChangeAspect="1" noGrp="1" noRot="1"/>
+            <a:spLocks noGrp="1" noRot="1" noChangeAspect="1"/>
           </p:cNvSpPr>
           <p:nvPr>
             <p:ph type="sldImg"/>
@@ -1098,7 +1133,7 @@
             </a:pPr>
             <a:fld id="{3439B9C2-68A7-53B9-25EA-0CA8518BB1D8}" type="slidenum">
               <a:rPr/>
-              <a:t/>
+              <a:t>3</a:t>
             </a:fld>
             <a:endParaRPr/>
           </a:p>
@@ -1113,8 +1148,8 @@
 </file>
 
 <file path=ppt/notesSlides/notesSlide4.xml><?xml version="1.0" encoding="utf-8"?>
-<p:notes xmlns:a="http://schemas.openxmlformats.org/drawingml/2006/main" xmlns:r="http://schemas.openxmlformats.org/officeDocument/2006/relationships" xmlns:p="http://schemas.openxmlformats.org/presentationml/2006/main" xmlns:m="http://schemas.openxmlformats.org/officeDocument/2006/math" xmlns:w="http://schemas.openxmlformats.org/wordprocessingml/2006/main">
-  <p:cSld name="">
+<p:notes xmlns:a="http://schemas.openxmlformats.org/drawingml/2006/main" xmlns:r="http://schemas.openxmlformats.org/officeDocument/2006/relationships" xmlns:p="http://schemas.openxmlformats.org/presentationml/2006/main">
+  <p:cSld>
     <p:spTree>
       <p:nvGrpSpPr>
         <p:cNvPr id="1" name=""/>
@@ -1133,7 +1168,7 @@
         <p:nvSpPr>
           <p:cNvPr id="2" name="Slide Image Placeholder 1"/>
           <p:cNvSpPr>
-            <a:spLocks noChangeAspect="1" noGrp="1" noRot="1"/>
+            <a:spLocks noGrp="1" noRot="1" noChangeAspect="1"/>
           </p:cNvSpPr>
           <p:nvPr>
             <p:ph type="sldImg"/>
@@ -1183,7 +1218,7 @@
             </a:pPr>
             <a:fld id="{61A79E61-4447-9349-CA6D-2FBCA80D2E46}" type="slidenum">
               <a:rPr/>
-              <a:t/>
+              <a:t>4</a:t>
             </a:fld>
             <a:endParaRPr/>
           </a:p>
@@ -1198,8 +1233,8 @@
 </file>
 
 <file path=ppt/notesSlides/notesSlide5.xml><?xml version="1.0" encoding="utf-8"?>
-<p:notes xmlns:a="http://schemas.openxmlformats.org/drawingml/2006/main" xmlns:r="http://schemas.openxmlformats.org/officeDocument/2006/relationships" xmlns:p="http://schemas.openxmlformats.org/presentationml/2006/main" xmlns:m="http://schemas.openxmlformats.org/officeDocument/2006/math" xmlns:w="http://schemas.openxmlformats.org/wordprocessingml/2006/main">
-  <p:cSld name="">
+<p:notes xmlns:a="http://schemas.openxmlformats.org/drawingml/2006/main" xmlns:r="http://schemas.openxmlformats.org/officeDocument/2006/relationships" xmlns:p="http://schemas.openxmlformats.org/presentationml/2006/main">
+  <p:cSld>
     <p:spTree>
       <p:nvGrpSpPr>
         <p:cNvPr id="1" name=""/>
@@ -1218,7 +1253,7 @@
         <p:nvSpPr>
           <p:cNvPr id="2" name="Slide Image Placeholder 1"/>
           <p:cNvSpPr>
-            <a:spLocks noChangeAspect="1" noGrp="1" noRot="1"/>
+            <a:spLocks noGrp="1" noRot="1" noChangeAspect="1"/>
           </p:cNvSpPr>
           <p:nvPr>
             <p:ph type="sldImg"/>
@@ -1268,7 +1303,7 @@
             </a:pPr>
             <a:fld id="{99FCFF79-045E-2ADA-10FC-552ABE6A6014}" type="slidenum">
               <a:rPr/>
-              <a:t/>
+              <a:t>5</a:t>
             </a:fld>
             <a:endParaRPr/>
           </a:p>
@@ -1283,8 +1318,8 @@
 </file>
 
 <file path=ppt/notesSlides/notesSlide6.xml><?xml version="1.0" encoding="utf-8"?>
-<p:notes xmlns:a="http://schemas.openxmlformats.org/drawingml/2006/main" xmlns:r="http://schemas.openxmlformats.org/officeDocument/2006/relationships" xmlns:p="http://schemas.openxmlformats.org/presentationml/2006/main" xmlns:m="http://schemas.openxmlformats.org/officeDocument/2006/math" xmlns:w="http://schemas.openxmlformats.org/wordprocessingml/2006/main" showMasterPhAnim="0" showMasterSp="0">
-  <p:cSld name="">
+<p:notes xmlns:a="http://schemas.openxmlformats.org/drawingml/2006/main" xmlns:r="http://schemas.openxmlformats.org/officeDocument/2006/relationships" xmlns:p="http://schemas.openxmlformats.org/presentationml/2006/main" showMasterSp="0" showMasterPhAnim="0">
+  <p:cSld>
     <p:spTree>
       <p:nvGrpSpPr>
         <p:cNvPr id="1" name=""/>
@@ -1302,15 +1337,17 @@
       <p:sp>
         <p:nvSpPr>
           <p:cNvPr id="1433637753" name="Google Shape;51;p:notes"/>
-          <p:cNvSpPr/>
+          <p:cNvSpPr>
+            <a:spLocks noGrp="1" noRot="1" noChangeAspect="1"/>
+          </p:cNvSpPr>
           <p:nvPr>
             <p:ph type="sldImg" idx="2"/>
           </p:nvPr>
         </p:nvSpPr>
         <p:spPr bwMode="auto">
           <a:xfrm>
-            <a:off x="381300" y="685800"/>
-            <a:ext cx="6096075" cy="3429000"/>
+            <a:off x="381000" y="685800"/>
+            <a:ext cx="6096000" cy="3429000"/>
           </a:xfrm>
           <a:custGeom>
             <a:avLst/>
@@ -1319,7 +1356,7 @@
             <a:cxnLst/>
             <a:rect l="l" t="t" r="r" b="b"/>
             <a:pathLst>
-              <a:path w="120000" h="120000" fill="norm" stroke="1" extrusionOk="0">
+              <a:path w="120000" h="120000" extrusionOk="0">
                 <a:moveTo>
                   <a:pt x="0" y="0"/>
                 </a:moveTo>
@@ -1341,7 +1378,9 @@
       <p:sp>
         <p:nvSpPr>
           <p:cNvPr id="1050748407" name="Google Shape;52;p:notes"/>
-          <p:cNvSpPr txBox="1"/>
+          <p:cNvSpPr txBox="1">
+            <a:spLocks noGrp="1"/>
+          </p:cNvSpPr>
           <p:nvPr>
             <p:ph type="body" idx="1"/>
           </p:nvPr>
@@ -1384,8 +1423,8 @@
 </file>
 
 <file path=ppt/notesSlides/notesSlide7.xml><?xml version="1.0" encoding="utf-8"?>
-<p:notes xmlns:a="http://schemas.openxmlformats.org/drawingml/2006/main" xmlns:r="http://schemas.openxmlformats.org/officeDocument/2006/relationships" xmlns:p="http://schemas.openxmlformats.org/presentationml/2006/main" xmlns:m="http://schemas.openxmlformats.org/officeDocument/2006/math" xmlns:w="http://schemas.openxmlformats.org/wordprocessingml/2006/main" showMasterPhAnim="0" showMasterSp="0">
-  <p:cSld name="">
+<p:notes xmlns:a="http://schemas.openxmlformats.org/drawingml/2006/main" xmlns:r="http://schemas.openxmlformats.org/officeDocument/2006/relationships" xmlns:p="http://schemas.openxmlformats.org/presentationml/2006/main" showMasterSp="0" showMasterPhAnim="0">
+  <p:cSld>
     <p:spTree>
       <p:nvGrpSpPr>
         <p:cNvPr id="1" name=""/>
@@ -1403,7 +1442,9 @@
       <p:sp>
         <p:nvSpPr>
           <p:cNvPr id="1180961" name="Google Shape;58;g3ac732f5f08_0_7:notes"/>
-          <p:cNvSpPr/>
+          <p:cNvSpPr>
+            <a:spLocks noGrp="1" noRot="1" noChangeAspect="1"/>
+          </p:cNvSpPr>
           <p:nvPr>
             <p:ph type="sldImg" idx="2"/>
           </p:nvPr>
@@ -1420,7 +1461,7 @@
             <a:cxnLst/>
             <a:rect l="l" t="t" r="r" b="b"/>
             <a:pathLst>
-              <a:path w="120000" h="120000" fill="norm" stroke="1" extrusionOk="0">
+              <a:path w="120000" h="120000" extrusionOk="0">
                 <a:moveTo>
                   <a:pt x="0" y="0"/>
                 </a:moveTo>
@@ -1442,7 +1483,9 @@
       <p:sp>
         <p:nvSpPr>
           <p:cNvPr id="1959805728" name="Google Shape;59;g3ac732f5f08_0_7:notes"/>
-          <p:cNvSpPr txBox="1"/>
+          <p:cNvSpPr txBox="1">
+            <a:spLocks noGrp="1"/>
+          </p:cNvSpPr>
           <p:nvPr>
             <p:ph type="body" idx="1"/>
           </p:nvPr>
@@ -1485,8 +1528,8 @@
 </file>
 
 <file path=ppt/notesSlides/notesSlide8.xml><?xml version="1.0" encoding="utf-8"?>
-<p:notes xmlns:a="http://schemas.openxmlformats.org/drawingml/2006/main" xmlns:r="http://schemas.openxmlformats.org/officeDocument/2006/relationships" xmlns:p="http://schemas.openxmlformats.org/presentationml/2006/main" xmlns:m="http://schemas.openxmlformats.org/officeDocument/2006/math" xmlns:w="http://schemas.openxmlformats.org/wordprocessingml/2006/main" showMasterPhAnim="0" showMasterSp="0">
-  <p:cSld name="">
+<p:notes xmlns:a="http://schemas.openxmlformats.org/drawingml/2006/main" xmlns:r="http://schemas.openxmlformats.org/officeDocument/2006/relationships" xmlns:p="http://schemas.openxmlformats.org/presentationml/2006/main" showMasterSp="0" showMasterPhAnim="0">
+  <p:cSld>
     <p:spTree>
       <p:nvGrpSpPr>
         <p:cNvPr id="1" name=""/>
@@ -1504,7 +1547,9 @@
       <p:sp>
         <p:nvSpPr>
           <p:cNvPr id="1038430359" name="Google Shape;65;g3ac732f5f08_0_22:notes"/>
-          <p:cNvSpPr/>
+          <p:cNvSpPr>
+            <a:spLocks noGrp="1" noRot="1" noChangeAspect="1"/>
+          </p:cNvSpPr>
           <p:nvPr>
             <p:ph type="sldImg" idx="2"/>
           </p:nvPr>
@@ -1521,7 +1566,7 @@
             <a:cxnLst/>
             <a:rect l="l" t="t" r="r" b="b"/>
             <a:pathLst>
-              <a:path w="120000" h="120000" fill="norm" stroke="1" extrusionOk="0">
+              <a:path w="120000" h="120000" extrusionOk="0">
                 <a:moveTo>
                   <a:pt x="0" y="0"/>
                 </a:moveTo>
@@ -1543,7 +1588,9 @@
       <p:sp>
         <p:nvSpPr>
           <p:cNvPr id="1502600199" name="Google Shape;66;g3ac732f5f08_0_22:notes"/>
-          <p:cNvSpPr txBox="1"/>
+          <p:cNvSpPr txBox="1">
+            <a:spLocks noGrp="1"/>
+          </p:cNvSpPr>
           <p:nvPr>
             <p:ph type="body" idx="1"/>
           </p:nvPr>
@@ -1586,8 +1633,8 @@
 </file>
 
 <file path=ppt/notesSlides/notesSlide9.xml><?xml version="1.0" encoding="utf-8"?>
-<p:notes xmlns:a="http://schemas.openxmlformats.org/drawingml/2006/main" xmlns:r="http://schemas.openxmlformats.org/officeDocument/2006/relationships" xmlns:p="http://schemas.openxmlformats.org/presentationml/2006/main" xmlns:m="http://schemas.openxmlformats.org/officeDocument/2006/math" xmlns:w="http://schemas.openxmlformats.org/wordprocessingml/2006/main" showMasterPhAnim="0" showMasterSp="0">
-  <p:cSld name="">
+<p:notes xmlns:a="http://schemas.openxmlformats.org/drawingml/2006/main" xmlns:r="http://schemas.openxmlformats.org/officeDocument/2006/relationships" xmlns:p="http://schemas.openxmlformats.org/presentationml/2006/main" showMasterSp="0" showMasterPhAnim="0">
+  <p:cSld>
     <p:spTree>
       <p:nvGrpSpPr>
         <p:cNvPr id="1" name=""/>
@@ -1605,7 +1652,9 @@
       <p:sp>
         <p:nvSpPr>
           <p:cNvPr id="150480524" name="Google Shape;72;g3ac732f5f08_0_34:notes"/>
-          <p:cNvSpPr/>
+          <p:cNvSpPr>
+            <a:spLocks noGrp="1" noRot="1" noChangeAspect="1"/>
+          </p:cNvSpPr>
           <p:nvPr>
             <p:ph type="sldImg" idx="2"/>
           </p:nvPr>
@@ -1622,7 +1671,7 @@
             <a:cxnLst/>
             <a:rect l="l" t="t" r="r" b="b"/>
             <a:pathLst>
-              <a:path w="120000" h="120000" fill="norm" stroke="1" extrusionOk="0">
+              <a:path w="120000" h="120000" extrusionOk="0">
                 <a:moveTo>
                   <a:pt x="0" y="0"/>
                 </a:moveTo>
@@ -1644,7 +1693,9 @@
       <p:sp>
         <p:nvSpPr>
           <p:cNvPr id="1735723738" name="Google Shape;73;g3ac732f5f08_0_34:notes"/>
-          <p:cNvSpPr txBox="1"/>
+          <p:cNvSpPr txBox="1">
+            <a:spLocks noGrp="1"/>
+          </p:cNvSpPr>
           <p:nvPr>
             <p:ph type="body" idx="1"/>
           </p:nvPr>
@@ -1687,7 +1738,7 @@
 </file>
 
 <file path=ppt/slideLayouts/slideLayout1.xml><?xml version="1.0" encoding="utf-8"?>
-<p:sldLayout xmlns:a="http://schemas.openxmlformats.org/drawingml/2006/main" xmlns:r="http://schemas.openxmlformats.org/officeDocument/2006/relationships" xmlns:p="http://schemas.openxmlformats.org/presentationml/2006/main" xmlns:m="http://schemas.openxmlformats.org/officeDocument/2006/math" xmlns:w="http://schemas.openxmlformats.org/wordprocessingml/2006/main" matchingName="Title slide" preserve="0" showMasterPhAnim="0" showMasterSp="1" type="title" userDrawn="1">
+<p:sldLayout xmlns:a="http://schemas.openxmlformats.org/drawingml/2006/main" xmlns:r="http://schemas.openxmlformats.org/officeDocument/2006/relationships" xmlns:p="http://schemas.openxmlformats.org/presentationml/2006/main" showMasterPhAnim="0" matchingName="Title slide" type="title" userDrawn="1">
   <p:cSld name="TITLE">
     <p:spTree>
       <p:nvGrpSpPr>
@@ -1706,7 +1757,9 @@
       <p:sp>
         <p:nvSpPr>
           <p:cNvPr id="2138501156" name="Google Shape;10;p2"/>
-          <p:cNvSpPr txBox="1"/>
+          <p:cNvSpPr txBox="1">
+            <a:spLocks noGrp="1"/>
+          </p:cNvSpPr>
           <p:nvPr>
             <p:ph type="ctrTitle"/>
           </p:nvPr>
@@ -1836,7 +1889,9 @@
       <p:sp>
         <p:nvSpPr>
           <p:cNvPr id="515148904" name="Google Shape;11;p2"/>
-          <p:cNvSpPr txBox="1"/>
+          <p:cNvSpPr txBox="1">
+            <a:spLocks noGrp="1"/>
+          </p:cNvSpPr>
           <p:nvPr>
             <p:ph type="subTitle" idx="1"/>
           </p:nvPr>
@@ -1993,7 +2048,9 @@
       <p:sp>
         <p:nvSpPr>
           <p:cNvPr id="1582721725" name="Google Shape;12;p2"/>
-          <p:cNvSpPr txBox="1"/>
+          <p:cNvSpPr txBox="1">
+            <a:spLocks noGrp="1"/>
+          </p:cNvSpPr>
           <p:nvPr>
             <p:ph type="sldNum" idx="12"/>
           </p:nvPr>
@@ -2077,7 +2134,7 @@
 </file>
 
 <file path=ppt/slideLayouts/slideLayout10.xml><?xml version="1.0" encoding="utf-8"?>
-<p:sldLayout xmlns:a="http://schemas.openxmlformats.org/drawingml/2006/main" xmlns:r="http://schemas.openxmlformats.org/officeDocument/2006/relationships" xmlns:p="http://schemas.openxmlformats.org/presentationml/2006/main" xmlns:m="http://schemas.openxmlformats.org/officeDocument/2006/math" xmlns:w="http://schemas.openxmlformats.org/wordprocessingml/2006/main" matchingName="Blank" preserve="0" showMasterPhAnim="0" showMasterSp="1" type="blank" userDrawn="1">
+<p:sldLayout xmlns:a="http://schemas.openxmlformats.org/drawingml/2006/main" xmlns:r="http://schemas.openxmlformats.org/officeDocument/2006/relationships" xmlns:p="http://schemas.openxmlformats.org/presentationml/2006/main" showMasterPhAnim="0" matchingName="Blank" type="blank" userDrawn="1">
   <p:cSld name="BLANK">
     <p:spTree>
       <p:nvGrpSpPr>
@@ -2096,7 +2153,9 @@
       <p:sp>
         <p:nvSpPr>
           <p:cNvPr id="1744747366" name="Google Shape;49;p12"/>
-          <p:cNvSpPr txBox="1"/>
+          <p:cNvSpPr txBox="1">
+            <a:spLocks noGrp="1"/>
+          </p:cNvSpPr>
           <p:nvPr>
             <p:ph type="sldNum" idx="12"/>
           </p:nvPr>
@@ -2180,7 +2239,7 @@
 </file>
 
 <file path=ppt/slideLayouts/slideLayout2.xml><?xml version="1.0" encoding="utf-8"?>
-<p:sldLayout xmlns:a="http://schemas.openxmlformats.org/drawingml/2006/main" xmlns:r="http://schemas.openxmlformats.org/officeDocument/2006/relationships" xmlns:p="http://schemas.openxmlformats.org/presentationml/2006/main" xmlns:m="http://schemas.openxmlformats.org/officeDocument/2006/math" xmlns:w="http://schemas.openxmlformats.org/wordprocessingml/2006/main" matchingName="Title and body" preserve="0" showMasterPhAnim="0" showMasterSp="1" type="tx" userDrawn="1">
+<p:sldLayout xmlns:a="http://schemas.openxmlformats.org/drawingml/2006/main" xmlns:r="http://schemas.openxmlformats.org/officeDocument/2006/relationships" xmlns:p="http://schemas.openxmlformats.org/presentationml/2006/main" showMasterPhAnim="0" matchingName="Title and body" type="tx" userDrawn="1">
   <p:cSld name="TITLE_AND_BODY">
     <p:spTree>
       <p:nvGrpSpPr>
@@ -2199,7 +2258,9 @@
       <p:sp>
         <p:nvSpPr>
           <p:cNvPr id="1924041365" name="Google Shape;17;p4"/>
-          <p:cNvSpPr txBox="1"/>
+          <p:cNvSpPr txBox="1">
+            <a:spLocks noGrp="1"/>
+          </p:cNvSpPr>
           <p:nvPr>
             <p:ph type="title"/>
           </p:nvPr>
@@ -2329,7 +2390,9 @@
       <p:sp>
         <p:nvSpPr>
           <p:cNvPr id="117292554" name="Google Shape;18;p4"/>
-          <p:cNvSpPr txBox="1"/>
+          <p:cNvSpPr txBox="1">
+            <a:spLocks noGrp="1"/>
+          </p:cNvSpPr>
           <p:nvPr>
             <p:ph type="body" idx="1"/>
           </p:nvPr>
@@ -2459,7 +2522,9 @@
       <p:sp>
         <p:nvSpPr>
           <p:cNvPr id="101527911" name="Google Shape;19;p4"/>
-          <p:cNvSpPr txBox="1"/>
+          <p:cNvSpPr txBox="1">
+            <a:spLocks noGrp="1"/>
+          </p:cNvSpPr>
           <p:nvPr>
             <p:ph type="sldNum" idx="12"/>
           </p:nvPr>
@@ -2543,7 +2608,7 @@
 </file>
 
 <file path=ppt/slideLayouts/slideLayout3.xml><?xml version="1.0" encoding="utf-8"?>
-<p:sldLayout xmlns:a="http://schemas.openxmlformats.org/drawingml/2006/main" xmlns:r="http://schemas.openxmlformats.org/officeDocument/2006/relationships" xmlns:p="http://schemas.openxmlformats.org/presentationml/2006/main" xmlns:m="http://schemas.openxmlformats.org/officeDocument/2006/math" xmlns:w="http://schemas.openxmlformats.org/wordprocessingml/2006/main" matchingName="Title and two columns" preserve="0" showMasterPhAnim="0" showMasterSp="1" type="twoColTx" userDrawn="1">
+<p:sldLayout xmlns:a="http://schemas.openxmlformats.org/drawingml/2006/main" xmlns:r="http://schemas.openxmlformats.org/officeDocument/2006/relationships" xmlns:p="http://schemas.openxmlformats.org/presentationml/2006/main" showMasterPhAnim="0" matchingName="Title and two columns" type="twoColTx" userDrawn="1">
   <p:cSld name="TITLE_AND_TWO_COLUMNS">
     <p:spTree>
       <p:nvGrpSpPr>
@@ -2562,7 +2627,9 @@
       <p:sp>
         <p:nvSpPr>
           <p:cNvPr id="418233686" name="Google Shape;21;p5"/>
-          <p:cNvSpPr txBox="1"/>
+          <p:cNvSpPr txBox="1">
+            <a:spLocks noGrp="1"/>
+          </p:cNvSpPr>
           <p:nvPr>
             <p:ph type="title"/>
           </p:nvPr>
@@ -2692,7 +2759,9 @@
       <p:sp>
         <p:nvSpPr>
           <p:cNvPr id="2024522722" name="Google Shape;22;p5"/>
-          <p:cNvSpPr txBox="1"/>
+          <p:cNvSpPr txBox="1">
+            <a:spLocks noGrp="1"/>
+          </p:cNvSpPr>
           <p:nvPr>
             <p:ph type="body" idx="1"/>
           </p:nvPr>
@@ -2822,7 +2891,9 @@
       <p:sp>
         <p:nvSpPr>
           <p:cNvPr id="1880186545" name="Google Shape;23;p5"/>
-          <p:cNvSpPr txBox="1"/>
+          <p:cNvSpPr txBox="1">
+            <a:spLocks noGrp="1"/>
+          </p:cNvSpPr>
           <p:nvPr>
             <p:ph type="body" idx="2"/>
           </p:nvPr>
@@ -2952,7 +3023,9 @@
       <p:sp>
         <p:nvSpPr>
           <p:cNvPr id="1191513144" name="Google Shape;24;p5"/>
-          <p:cNvSpPr txBox="1"/>
+          <p:cNvSpPr txBox="1">
+            <a:spLocks noGrp="1"/>
+          </p:cNvSpPr>
           <p:nvPr>
             <p:ph type="sldNum" idx="12"/>
           </p:nvPr>
@@ -3036,7 +3109,7 @@
 </file>
 
 <file path=ppt/slideLayouts/slideLayout4.xml><?xml version="1.0" encoding="utf-8"?>
-<p:sldLayout xmlns:a="http://schemas.openxmlformats.org/drawingml/2006/main" xmlns:r="http://schemas.openxmlformats.org/officeDocument/2006/relationships" xmlns:p="http://schemas.openxmlformats.org/presentationml/2006/main" xmlns:m="http://schemas.openxmlformats.org/officeDocument/2006/math" xmlns:w="http://schemas.openxmlformats.org/wordprocessingml/2006/main" matchingName="Title only" preserve="0" showMasterPhAnim="0" showMasterSp="1" type="titleOnly" userDrawn="1">
+<p:sldLayout xmlns:a="http://schemas.openxmlformats.org/drawingml/2006/main" xmlns:r="http://schemas.openxmlformats.org/officeDocument/2006/relationships" xmlns:p="http://schemas.openxmlformats.org/presentationml/2006/main" showMasterPhAnim="0" matchingName="Title only" type="titleOnly" userDrawn="1">
   <p:cSld name="TITLE_ONLY">
     <p:spTree>
       <p:nvGrpSpPr>
@@ -3055,7 +3128,9 @@
       <p:sp>
         <p:nvSpPr>
           <p:cNvPr id="352126395" name="Google Shape;26;p6"/>
-          <p:cNvSpPr txBox="1"/>
+          <p:cNvSpPr txBox="1">
+            <a:spLocks noGrp="1"/>
+          </p:cNvSpPr>
           <p:nvPr>
             <p:ph type="title"/>
           </p:nvPr>
@@ -3185,7 +3260,9 @@
       <p:sp>
         <p:nvSpPr>
           <p:cNvPr id="1058963561" name="Google Shape;27;p6"/>
-          <p:cNvSpPr txBox="1"/>
+          <p:cNvSpPr txBox="1">
+            <a:spLocks noGrp="1"/>
+          </p:cNvSpPr>
           <p:nvPr>
             <p:ph type="sldNum" idx="12"/>
           </p:nvPr>
@@ -3269,7 +3346,7 @@
 </file>
 
 <file path=ppt/slideLayouts/slideLayout5.xml><?xml version="1.0" encoding="utf-8"?>
-<p:sldLayout xmlns:a="http://schemas.openxmlformats.org/drawingml/2006/main" xmlns:r="http://schemas.openxmlformats.org/officeDocument/2006/relationships" xmlns:p="http://schemas.openxmlformats.org/presentationml/2006/main" xmlns:m="http://schemas.openxmlformats.org/officeDocument/2006/math" xmlns:w="http://schemas.openxmlformats.org/wordprocessingml/2006/main" matchingName="One column text" preserve="0" showMasterPhAnim="0" showMasterSp="1" userDrawn="1">
+<p:sldLayout xmlns:a="http://schemas.openxmlformats.org/drawingml/2006/main" xmlns:r="http://schemas.openxmlformats.org/officeDocument/2006/relationships" xmlns:p="http://schemas.openxmlformats.org/presentationml/2006/main" showMasterPhAnim="0" matchingName="One column text" userDrawn="1">
   <p:cSld name="ONE_COLUMN_TEXT">
     <p:spTree>
       <p:nvGrpSpPr>
@@ -3288,7 +3365,9 @@
       <p:sp>
         <p:nvSpPr>
           <p:cNvPr id="1316888824" name="Google Shape;29;p7"/>
-          <p:cNvSpPr txBox="1"/>
+          <p:cNvSpPr txBox="1">
+            <a:spLocks noGrp="1"/>
+          </p:cNvSpPr>
           <p:nvPr>
             <p:ph type="title"/>
           </p:nvPr>
@@ -3418,7 +3497,9 @@
       <p:sp>
         <p:nvSpPr>
           <p:cNvPr id="1876592216" name="Google Shape;30;p7"/>
-          <p:cNvSpPr txBox="1"/>
+          <p:cNvSpPr txBox="1">
+            <a:spLocks noGrp="1"/>
+          </p:cNvSpPr>
           <p:nvPr>
             <p:ph type="body" idx="1"/>
           </p:nvPr>
@@ -3548,7 +3629,9 @@
       <p:sp>
         <p:nvSpPr>
           <p:cNvPr id="605771174" name="Google Shape;31;p7"/>
-          <p:cNvSpPr txBox="1"/>
+          <p:cNvSpPr txBox="1">
+            <a:spLocks noGrp="1"/>
+          </p:cNvSpPr>
           <p:nvPr>
             <p:ph type="sldNum" idx="12"/>
           </p:nvPr>
@@ -3632,7 +3715,7 @@
 </file>
 
 <file path=ppt/slideLayouts/slideLayout6.xml><?xml version="1.0" encoding="utf-8"?>
-<p:sldLayout xmlns:a="http://schemas.openxmlformats.org/drawingml/2006/main" xmlns:r="http://schemas.openxmlformats.org/officeDocument/2006/relationships" xmlns:p="http://schemas.openxmlformats.org/presentationml/2006/main" xmlns:m="http://schemas.openxmlformats.org/officeDocument/2006/math" xmlns:w="http://schemas.openxmlformats.org/wordprocessingml/2006/main" matchingName="Main point" preserve="0" showMasterPhAnim="0" showMasterSp="1" userDrawn="1">
+<p:sldLayout xmlns:a="http://schemas.openxmlformats.org/drawingml/2006/main" xmlns:r="http://schemas.openxmlformats.org/officeDocument/2006/relationships" xmlns:p="http://schemas.openxmlformats.org/presentationml/2006/main" showMasterPhAnim="0" matchingName="Main point" userDrawn="1">
   <p:cSld name="MAIN_POINT">
     <p:spTree>
       <p:nvGrpSpPr>
@@ -3651,7 +3734,9 @@
       <p:sp>
         <p:nvSpPr>
           <p:cNvPr id="1984888844" name="Google Shape;33;p8"/>
-          <p:cNvSpPr txBox="1"/>
+          <p:cNvSpPr txBox="1">
+            <a:spLocks noGrp="1"/>
+          </p:cNvSpPr>
           <p:nvPr>
             <p:ph type="title"/>
           </p:nvPr>
@@ -3781,7 +3866,9 @@
       <p:sp>
         <p:nvSpPr>
           <p:cNvPr id="1116012633" name="Google Shape;34;p8"/>
-          <p:cNvSpPr txBox="1"/>
+          <p:cNvSpPr txBox="1">
+            <a:spLocks noGrp="1"/>
+          </p:cNvSpPr>
           <p:nvPr>
             <p:ph type="sldNum" idx="12"/>
           </p:nvPr>
@@ -3865,7 +3952,7 @@
 </file>
 
 <file path=ppt/slideLayouts/slideLayout7.xml><?xml version="1.0" encoding="utf-8"?>
-<p:sldLayout xmlns:a="http://schemas.openxmlformats.org/drawingml/2006/main" xmlns:r="http://schemas.openxmlformats.org/officeDocument/2006/relationships" xmlns:p="http://schemas.openxmlformats.org/presentationml/2006/main" xmlns:m="http://schemas.openxmlformats.org/officeDocument/2006/math" xmlns:w="http://schemas.openxmlformats.org/wordprocessingml/2006/main" matchingName="Section title and description" preserve="0" showMasterPhAnim="0" showMasterSp="1" userDrawn="1">
+<p:sldLayout xmlns:a="http://schemas.openxmlformats.org/drawingml/2006/main" xmlns:r="http://schemas.openxmlformats.org/officeDocument/2006/relationships" xmlns:p="http://schemas.openxmlformats.org/presentationml/2006/main" showMasterPhAnim="0" matchingName="Section title and description" userDrawn="1">
   <p:cSld name="SECTION_TITLE_AND_DESCRIPTION">
     <p:spTree>
       <p:nvGrpSpPr>
@@ -3925,7 +4012,9 @@
       <p:sp>
         <p:nvSpPr>
           <p:cNvPr id="1411763919" name="Google Shape;37;p9"/>
-          <p:cNvSpPr txBox="1"/>
+          <p:cNvSpPr txBox="1">
+            <a:spLocks noGrp="1"/>
+          </p:cNvSpPr>
           <p:nvPr>
             <p:ph type="title"/>
           </p:nvPr>
@@ -4055,7 +4144,9 @@
       <p:sp>
         <p:nvSpPr>
           <p:cNvPr id="81080026" name="Google Shape;38;p9"/>
-          <p:cNvSpPr txBox="1"/>
+          <p:cNvSpPr txBox="1">
+            <a:spLocks noGrp="1"/>
+          </p:cNvSpPr>
           <p:nvPr>
             <p:ph type="subTitle" idx="1"/>
           </p:nvPr>
@@ -4212,7 +4303,9 @@
       <p:sp>
         <p:nvSpPr>
           <p:cNvPr id="628534453" name="Google Shape;39;p9"/>
-          <p:cNvSpPr txBox="1"/>
+          <p:cNvSpPr txBox="1">
+            <a:spLocks noGrp="1"/>
+          </p:cNvSpPr>
           <p:nvPr>
             <p:ph type="body" idx="2"/>
           </p:nvPr>
@@ -4342,7 +4435,9 @@
       <p:sp>
         <p:nvSpPr>
           <p:cNvPr id="1642405029" name="Google Shape;40;p9"/>
-          <p:cNvSpPr txBox="1"/>
+          <p:cNvSpPr txBox="1">
+            <a:spLocks noGrp="1"/>
+          </p:cNvSpPr>
           <p:nvPr>
             <p:ph type="sldNum" idx="12"/>
           </p:nvPr>
@@ -4426,7 +4521,7 @@
 </file>
 
 <file path=ppt/slideLayouts/slideLayout8.xml><?xml version="1.0" encoding="utf-8"?>
-<p:sldLayout xmlns:a="http://schemas.openxmlformats.org/drawingml/2006/main" xmlns:r="http://schemas.openxmlformats.org/officeDocument/2006/relationships" xmlns:p="http://schemas.openxmlformats.org/presentationml/2006/main" xmlns:m="http://schemas.openxmlformats.org/officeDocument/2006/math" xmlns:w="http://schemas.openxmlformats.org/wordprocessingml/2006/main" matchingName="Caption" preserve="0" showMasterPhAnim="0" showMasterSp="1" userDrawn="1">
+<p:sldLayout xmlns:a="http://schemas.openxmlformats.org/drawingml/2006/main" xmlns:r="http://schemas.openxmlformats.org/officeDocument/2006/relationships" xmlns:p="http://schemas.openxmlformats.org/presentationml/2006/main" showMasterPhAnim="0" matchingName="Caption" userDrawn="1">
   <p:cSld name="CAPTION_ONLY">
     <p:spTree>
       <p:nvGrpSpPr>
@@ -4445,7 +4540,9 @@
       <p:sp>
         <p:nvSpPr>
           <p:cNvPr id="120215795" name="Google Shape;42;p10"/>
-          <p:cNvSpPr txBox="1"/>
+          <p:cNvSpPr txBox="1">
+            <a:spLocks noGrp="1"/>
+          </p:cNvSpPr>
           <p:nvPr>
             <p:ph type="body" idx="1"/>
           </p:nvPr>
@@ -4490,7 +4587,9 @@
       <p:sp>
         <p:nvSpPr>
           <p:cNvPr id="1341708449" name="Google Shape;43;p10"/>
-          <p:cNvSpPr txBox="1"/>
+          <p:cNvSpPr txBox="1">
+            <a:spLocks noGrp="1"/>
+          </p:cNvSpPr>
           <p:nvPr>
             <p:ph type="sldNum" idx="12"/>
           </p:nvPr>
@@ -4574,7 +4673,7 @@
 </file>
 
 <file path=ppt/slideLayouts/slideLayout9.xml><?xml version="1.0" encoding="utf-8"?>
-<p:sldLayout xmlns:a="http://schemas.openxmlformats.org/drawingml/2006/main" xmlns:r="http://schemas.openxmlformats.org/officeDocument/2006/relationships" xmlns:p="http://schemas.openxmlformats.org/presentationml/2006/main" xmlns:m="http://schemas.openxmlformats.org/officeDocument/2006/math" xmlns:w="http://schemas.openxmlformats.org/wordprocessingml/2006/main" matchingName="Big number" preserve="0" showMasterPhAnim="0" showMasterSp="1" userDrawn="1">
+<p:sldLayout xmlns:a="http://schemas.openxmlformats.org/drawingml/2006/main" xmlns:r="http://schemas.openxmlformats.org/officeDocument/2006/relationships" xmlns:p="http://schemas.openxmlformats.org/presentationml/2006/main" showMasterPhAnim="0" matchingName="Big number" userDrawn="1">
   <p:cSld name="BIG_NUMBER">
     <p:spTree>
       <p:nvGrpSpPr>
@@ -4593,7 +4692,9 @@
       <p:sp>
         <p:nvSpPr>
           <p:cNvPr id="770065509" name="Google Shape;45;p11"/>
-          <p:cNvSpPr txBox="1"/>
+          <p:cNvSpPr txBox="1">
+            <a:spLocks noGrp="1"/>
+          </p:cNvSpPr>
           <p:nvPr>
             <p:ph type="title" hasCustomPrompt="1"/>
           </p:nvPr>
@@ -4720,14 +4821,15 @@
               <a:rPr/>
               <a:t>xx%</a:t>
             </a:r>
-            <a:endParaRPr/>
           </a:p>
         </p:txBody>
       </p:sp>
       <p:sp>
         <p:nvSpPr>
           <p:cNvPr id="2058967520" name="Google Shape;46;p11"/>
-          <p:cNvSpPr txBox="1"/>
+          <p:cNvSpPr txBox="1">
+            <a:spLocks noGrp="1"/>
+          </p:cNvSpPr>
           <p:nvPr>
             <p:ph type="body" idx="1"/>
           </p:nvPr>
@@ -4857,7 +4959,9 @@
       <p:sp>
         <p:nvSpPr>
           <p:cNvPr id="1034191571" name="Google Shape;47;p11"/>
-          <p:cNvSpPr txBox="1"/>
+          <p:cNvSpPr txBox="1">
+            <a:spLocks noGrp="1"/>
+          </p:cNvSpPr>
           <p:nvPr>
             <p:ph type="sldNum" idx="12"/>
           </p:nvPr>
@@ -4941,13 +5045,14 @@
 </file>
 
 <file path=ppt/slideMasters/slideMaster1.xml><?xml version="1.0" encoding="utf-8"?>
-<p:sldMaster xmlns:a="http://schemas.openxmlformats.org/drawingml/2006/main" xmlns:r="http://schemas.openxmlformats.org/officeDocument/2006/relationships" xmlns:p="http://schemas.openxmlformats.org/presentationml/2006/main" xmlns:m="http://schemas.openxmlformats.org/officeDocument/2006/math" xmlns:w="http://schemas.openxmlformats.org/wordprocessingml/2006/main" preserve="0">
+<p:sldMaster xmlns:a="http://schemas.openxmlformats.org/drawingml/2006/main" xmlns:r="http://schemas.openxmlformats.org/officeDocument/2006/relationships" xmlns:p="http://schemas.openxmlformats.org/presentationml/2006/main">
   <p:cSld name="simple-light-2">
     <p:bg>
-      <p:bgPr shadeToTitle="0">
+      <p:bgPr>
         <a:solidFill>
           <a:schemeClr val="lt1"/>
         </a:solidFill>
+        <a:effectLst/>
       </p:bgPr>
     </p:bg>
     <p:spTree>
@@ -4967,7 +5072,9 @@
       <p:sp>
         <p:nvSpPr>
           <p:cNvPr id="350698696" name="Google Shape;6;p1"/>
-          <p:cNvSpPr txBox="1"/>
+          <p:cNvSpPr txBox="1">
+            <a:spLocks noGrp="1"/>
+          </p:cNvSpPr>
           <p:nvPr>
             <p:ph type="title"/>
           </p:nvPr>
@@ -5164,7 +5271,9 @@
       <p:sp>
         <p:nvSpPr>
           <p:cNvPr id="1165260959" name="Google Shape;7;p1"/>
-          <p:cNvSpPr txBox="1"/>
+          <p:cNvSpPr txBox="1">
+            <a:spLocks noGrp="1"/>
+          </p:cNvSpPr>
           <p:nvPr>
             <p:ph type="body" idx="1"/>
           </p:nvPr>
@@ -5388,7 +5497,9 @@
       <p:sp>
         <p:nvSpPr>
           <p:cNvPr id="1569954672" name="Google Shape;8;p1"/>
-          <p:cNvSpPr txBox="1"/>
+          <p:cNvSpPr txBox="1">
+            <a:spLocks noGrp="1"/>
+          </p:cNvSpPr>
           <p:nvPr>
             <p:ph type="sldNum" idx="12"/>
           </p:nvPr>
@@ -5518,7 +5629,7 @@
     <p:sldLayoutId id="2147483657" r:id="rId9"/>
     <p:sldLayoutId id="2147483658" r:id="rId10"/>
   </p:sldLayoutIdLst>
-  <p:hf dt="0" ftr="0" hdr="0" sldNum="0"/>
+  <p:hf sldNum="0" hdr="0" ftr="0" dt="0"/>
   <p:txStyles>
     <p:titleStyle>
       <a:defPPr marR="0" lvl="0" algn="l" rtl="0">
@@ -6185,8 +6296,8 @@
 </file>
 
 <file path=ppt/slides/slide1.xml><?xml version="1.0" encoding="utf-8"?>
-<p:sld xmlns:a="http://schemas.openxmlformats.org/drawingml/2006/main" xmlns:r="http://schemas.openxmlformats.org/officeDocument/2006/relationships" xmlns:p="http://schemas.openxmlformats.org/presentationml/2006/main" xmlns:m="http://schemas.openxmlformats.org/officeDocument/2006/math" xmlns:w="http://schemas.openxmlformats.org/wordprocessingml/2006/main" xmlns:mc="http://schemas.openxmlformats.org/markup-compatibility/2006" showMasterPhAnim="0" showMasterSp="1" show="1">
-  <p:cSld name="">
+<p:sld xmlns:a="http://schemas.openxmlformats.org/drawingml/2006/main" xmlns:r="http://schemas.openxmlformats.org/officeDocument/2006/relationships" xmlns:p="http://schemas.openxmlformats.org/presentationml/2006/main" showMasterPhAnim="0">
+  <p:cSld>
     <p:spTree>
       <p:nvGrpSpPr>
         <p:cNvPr id="1" name=""/>
@@ -6204,7 +6315,9 @@
       <p:sp>
         <p:nvSpPr>
           <p:cNvPr id="238698172" name="Google Shape;10;p2"/>
-          <p:cNvSpPr txBox="1"/>
+          <p:cNvSpPr txBox="1">
+            <a:spLocks noGrp="1"/>
+          </p:cNvSpPr>
           <p:nvPr>
             <p:ph type="ctrTitle"/>
           </p:nvPr>
@@ -6219,7 +6332,7 @@
           </a:prstGeom>
         </p:spPr>
         <p:txBody>
-          <a:bodyPr spcFirstLastPara="1" vertOverflow="overflow" horzOverflow="overflow" vert="horz" wrap="square" lIns="91424" tIns="91424" rIns="91424" bIns="91424" numCol="1" spcCol="0" rtlCol="0" fromWordArt="0" anchor="b" anchorCtr="0" forceAA="0" upright="0" compatLnSpc="0">
+          <a:bodyPr spcFirstLastPara="1" vertOverflow="overflow" horzOverflow="overflow" vert="horz" wrap="square" lIns="91424" tIns="91424" rIns="91424" bIns="91424" numCol="1" spcCol="0" rtlCol="0" fromWordArt="0" anchor="b" anchorCtr="0" forceAA="0" compatLnSpc="0">
             <a:normAutofit/>
           </a:bodyPr>
           <a:lstStyle>
@@ -6345,7 +6458,9 @@
       <p:sp>
         <p:nvSpPr>
           <p:cNvPr id="650386026" name="Google Shape;11;p2"/>
-          <p:cNvSpPr txBox="1"/>
+          <p:cNvSpPr txBox="1">
+            <a:spLocks noGrp="1"/>
+          </p:cNvSpPr>
           <p:nvPr>
             <p:ph type="subTitle" idx="1"/>
           </p:nvPr>
@@ -6503,26 +6618,26 @@
     <a:masterClrMapping/>
   </p:clrMapOvr>
   <mc:AlternateContent xmlns:mc="http://schemas.openxmlformats.org/markup-compatibility/2006">
-    <mc:Choice xmlns:p159="http://schemas.microsoft.com/office/powerpoint/2015/09/main" xmlns:p14="http://schemas.microsoft.com/office/powerpoint/2010/main" Requires="p159">
+    <mc:Choice xmlns:p14="http://schemas.microsoft.com/office/powerpoint/2010/main" xmlns:p159="http://schemas.microsoft.com/office/powerpoint/2015/09/main" xmlns:w="http://schemas.openxmlformats.org/wordprocessingml/2006/main" xmlns:m="http://schemas.openxmlformats.org/officeDocument/2006/math" xmlns="" Requires="p159">
       <p:transition p14:dur="2000" advClick="1"/>
     </mc:Choice>
     <mc:Fallback>
-      <p:transition advClick="1"/>
+      <p:transition/>
     </mc:Fallback>
   </mc:AlternateContent>
 </p:sld>
 </file>
 
 <file path=ppt/slides/slide10.xml><?xml version="1.0" encoding="utf-8"?>
-<p:sld xmlns:a="http://schemas.openxmlformats.org/drawingml/2006/main" xmlns:r="http://schemas.openxmlformats.org/officeDocument/2006/relationships" xmlns:p="http://schemas.openxmlformats.org/presentationml/2006/main" xmlns:m="http://schemas.openxmlformats.org/officeDocument/2006/math" xmlns:w="http://schemas.openxmlformats.org/wordprocessingml/2006/main" xmlns:mc="http://schemas.openxmlformats.org/markup-compatibility/2006" showMasterPhAnim="0" showMasterSp="1" show="1">
-  <p:cSld name="">
+<p:sld xmlns:a="http://schemas.openxmlformats.org/drawingml/2006/main" xmlns:r="http://schemas.openxmlformats.org/officeDocument/2006/relationships" xmlns:p="http://schemas.openxmlformats.org/presentationml/2006/main">
+  <p:cSld>
     <p:spTree>
       <p:nvGrpSpPr>
         <p:cNvPr id="1" name=""/>
         <p:cNvGrpSpPr/>
         <p:nvPr/>
       </p:nvGrpSpPr>
-      <p:grpSpPr bwMode="auto">
+      <p:grpSpPr>
         <a:xfrm>
           <a:off x="0" y="0"/>
           <a:ext cx="0" cy="0"/>
@@ -6532,387 +6647,146 @@
       </p:grpSpPr>
       <p:sp>
         <p:nvSpPr>
-          <p:cNvPr id="316089224" name="Google Shape;82;p17"/>
-          <p:cNvSpPr txBox="1"/>
+          <p:cNvPr id="3" name="Označba mesta besedila 2"/>
+          <p:cNvSpPr>
+            <a:spLocks noGrp="1"/>
+          </p:cNvSpPr>
           <p:nvPr>
-            <p:ph type="body" idx="1"/>
+            <p:ph type="body" idx="4294967295"/>
           </p:nvPr>
         </p:nvSpPr>
-        <p:spPr bwMode="auto">
+        <p:spPr>
           <a:xfrm>
-            <a:off x="311700" y="699275"/>
-            <a:ext cx="8520600" cy="4312200"/>
+            <a:off x="0" y="1152525"/>
+            <a:ext cx="8521700" cy="3416300"/>
           </a:xfrm>
-          <a:prstGeom prst="rect">
-            <a:avLst/>
-          </a:prstGeom>
         </p:spPr>
         <p:txBody>
-          <a:bodyPr spcFirstLastPara="1" wrap="square" lIns="91425" tIns="91425" rIns="91425" bIns="91425" anchor="t" anchorCtr="0">
-            <a:normAutofit/>
-          </a:bodyPr>
+          <a:bodyPr/>
           <a:lstStyle/>
           <a:p>
-            <a:pPr marL="0" lvl="0" indent="0" algn="l" rtl="0">
-              <a:spcBef>
-                <a:spcPts val="1400"/>
-              </a:spcBef>
-              <a:spcAft>
-                <a:spcPts val="0"/>
-              </a:spcAft>
-              <a:buClr>
-                <a:schemeClr val="dk1"/>
-              </a:buClr>
-              <a:buSzPts val="1100"/>
-              <a:buFont typeface="Arial"/>
-              <a:buNone/>
-              <a:defRPr/>
-            </a:pPr>
-            <a:r>
-              <a:rPr lang="sr" sz="1300" b="1">
-                <a:solidFill>
-                  <a:schemeClr val="dk1"/>
-                </a:solidFill>
-              </a:rPr>
-              <a:t>Impact on memory usage</a:t>
-            </a:r>
-            <a:endParaRPr sz="1300" b="1">
-              <a:solidFill>
-                <a:schemeClr val="dk1"/>
-              </a:solidFill>
-            </a:endParaRPr>
-          </a:p>
-          <a:p>
-            <a:pPr marL="457200" lvl="0" indent="-298450" algn="l" rtl="0">
-              <a:spcBef>
-                <a:spcPts val="1200"/>
-              </a:spcBef>
-              <a:spcAft>
-                <a:spcPts val="0"/>
-              </a:spcAft>
-              <a:buClr>
-                <a:schemeClr val="dk1"/>
-              </a:buClr>
-              <a:buSzPts val="1100"/>
-              <a:buChar char="➢"/>
-              <a:defRPr/>
-            </a:pPr>
-            <a:r>
-              <a:rPr lang="sr" sz="1100">
-                <a:solidFill>
-                  <a:schemeClr val="dk1"/>
-                </a:solidFill>
-              </a:rPr>
-              <a:t>ZFS requires large RAM for the DDT</a:t>
-            </a:r>
-            <a:br>
-              <a:rPr lang="sr" sz="1100">
-                <a:solidFill>
-                  <a:schemeClr val="dk1"/>
-                </a:solidFill>
-              </a:rPr>
-            </a:br>
-            <a:endParaRPr sz="1100">
-              <a:solidFill>
-                <a:schemeClr val="dk1"/>
-              </a:solidFill>
-            </a:endParaRPr>
-          </a:p>
-          <a:p>
-            <a:pPr marL="457200" lvl="0" indent="-298450" algn="l" rtl="0">
-              <a:spcBef>
-                <a:spcPts val="0"/>
-              </a:spcBef>
-              <a:spcAft>
-                <a:spcPts val="0"/>
-              </a:spcAft>
-              <a:buClr>
-                <a:schemeClr val="dk1"/>
-              </a:buClr>
-              <a:buSzPts val="1100"/>
-              <a:buChar char="➢"/>
-              <a:defRPr/>
-            </a:pPr>
-            <a:r>
-              <a:rPr lang="sr" sz="1100">
-                <a:solidFill>
-                  <a:schemeClr val="dk1"/>
-                </a:solidFill>
-              </a:rPr>
-              <a:t>Other systems reduce memory footprint using caching and partitioning</a:t>
-            </a:r>
-            <a:br>
-              <a:rPr lang="sr" sz="1100">
-                <a:solidFill>
-                  <a:schemeClr val="dk1"/>
-                </a:solidFill>
-              </a:rPr>
-            </a:br>
-            <a:endParaRPr sz="1100">
-              <a:solidFill>
-                <a:schemeClr val="dk1"/>
-              </a:solidFill>
-            </a:endParaRPr>
-          </a:p>
-          <a:p>
-            <a:pPr marL="0" lvl="0" indent="0" algn="l" rtl="0">
-              <a:spcBef>
-                <a:spcPts val="1400"/>
-              </a:spcBef>
-              <a:spcAft>
-                <a:spcPts val="0"/>
-              </a:spcAft>
-              <a:buNone/>
-              <a:defRPr/>
-            </a:pPr>
-            <a:r>
-              <a:rPr lang="sr" sz="1300" b="1">
-                <a:solidFill>
-                  <a:schemeClr val="dk1"/>
-                </a:solidFill>
-              </a:rPr>
-              <a:t>Impact on storage efficiency</a:t>
-            </a:r>
-            <a:endParaRPr sz="1300" b="1">
-              <a:solidFill>
-                <a:schemeClr val="dk1"/>
-              </a:solidFill>
-            </a:endParaRPr>
-          </a:p>
-          <a:p>
-            <a:pPr marL="457200" lvl="0" indent="-298450" algn="l" rtl="0">
-              <a:spcBef>
-                <a:spcPts val="1200"/>
-              </a:spcBef>
-              <a:spcAft>
-                <a:spcPts val="0"/>
-              </a:spcAft>
-              <a:buClr>
-                <a:schemeClr val="dk1"/>
-              </a:buClr>
-              <a:buSzPts val="1100"/>
-              <a:buChar char="➢"/>
-              <a:defRPr/>
-            </a:pPr>
-            <a:r>
-              <a:rPr lang="sr" sz="1100">
-                <a:solidFill>
-                  <a:schemeClr val="dk1"/>
-                </a:solidFill>
-              </a:rPr>
-              <a:t>Deduplication + compression maximize space savings</a:t>
-            </a:r>
-            <a:br>
-              <a:rPr lang="sr" sz="1100">
-                <a:solidFill>
-                  <a:schemeClr val="dk1"/>
-                </a:solidFill>
-              </a:rPr>
-            </a:br>
-            <a:endParaRPr sz="1100">
-              <a:solidFill>
-                <a:schemeClr val="dk1"/>
-              </a:solidFill>
-            </a:endParaRPr>
-          </a:p>
-          <a:p>
-            <a:pPr marL="457200" lvl="0" indent="-298450" algn="l" rtl="0">
-              <a:spcBef>
-                <a:spcPts val="0"/>
-              </a:spcBef>
-              <a:spcAft>
-                <a:spcPts val="0"/>
-              </a:spcAft>
-              <a:buClr>
-                <a:schemeClr val="dk1"/>
-              </a:buClr>
-              <a:buSzPts val="1100"/>
-              <a:buChar char="➢"/>
-              <a:defRPr/>
-            </a:pPr>
-            <a:r>
-              <a:rPr lang="sr" sz="1100">
-                <a:solidFill>
-                  <a:schemeClr val="dk1"/>
-                </a:solidFill>
-              </a:rPr>
-              <a:t>Incorrect operation order reduces efficiency</a:t>
-            </a:r>
-            <a:endParaRPr sz="1100">
-              <a:solidFill>
-                <a:schemeClr val="dk1"/>
-              </a:solidFill>
-            </a:endParaRPr>
-          </a:p>
-          <a:p>
-            <a:pPr marL="457200" lvl="0" indent="0" algn="l" rtl="0">
-              <a:spcBef>
-                <a:spcPts val="1200"/>
-              </a:spcBef>
-              <a:spcAft>
-                <a:spcPts val="0"/>
-              </a:spcAft>
-              <a:buNone/>
-              <a:defRPr/>
-            </a:pPr>
-            <a:endParaRPr sz="1300" b="1">
-              <a:solidFill>
-                <a:schemeClr val="dk1"/>
-              </a:solidFill>
-            </a:endParaRPr>
-          </a:p>
-          <a:p>
-            <a:pPr marL="457200" lvl="0" indent="0" algn="l" rtl="0">
-              <a:spcBef>
-                <a:spcPts val="1200"/>
-              </a:spcBef>
-              <a:spcAft>
-                <a:spcPts val="0"/>
-              </a:spcAft>
-              <a:buNone/>
-              <a:defRPr/>
-            </a:pPr>
-            <a:endParaRPr sz="1300" b="1">
-              <a:solidFill>
-                <a:schemeClr val="dk1"/>
-              </a:solidFill>
-            </a:endParaRPr>
-          </a:p>
-          <a:p>
-            <a:pPr marL="0" lvl="0" indent="0" algn="l" rtl="0">
-              <a:spcBef>
-                <a:spcPts val="1200"/>
-              </a:spcBef>
-              <a:spcAft>
-                <a:spcPts val="0"/>
-              </a:spcAft>
-              <a:buNone/>
-              <a:defRPr/>
-            </a:pPr>
-            <a:endParaRPr sz="1300" b="1">
-              <a:solidFill>
-                <a:schemeClr val="dk1"/>
-              </a:solidFill>
-            </a:endParaRPr>
-          </a:p>
-          <a:p>
-            <a:pPr marL="0" lvl="0" indent="0" algn="l" rtl="0">
-              <a:spcBef>
-                <a:spcPts val="1200"/>
-              </a:spcBef>
-              <a:spcAft>
-                <a:spcPts val="1200"/>
-              </a:spcAft>
-              <a:buNone/>
-              <a:defRPr/>
-            </a:pPr>
-            <a:endParaRPr/>
+            <a:r>
+              <a:rPr lang="sl-SI" dirty="0" err="1"/>
+              <a:t>Metric,Value</a:t>
+            </a:r>
+            <a:endParaRPr lang="sl-SI" dirty="0"/>
+          </a:p>
+          <a:p>
+            <a:r>
+              <a:rPr lang="sl-SI" dirty="0" err="1"/>
+              <a:t>Dedup</a:t>
+            </a:r>
+            <a:r>
+              <a:rPr lang="sl-SI" dirty="0"/>
+              <a:t> Ratio,1.5886047552009983</a:t>
+            </a:r>
+          </a:p>
+          <a:p>
+            <a:r>
+              <a:rPr lang="sl-SI" dirty="0" err="1"/>
+              <a:t>Metadata</a:t>
+            </a:r>
+            <a:r>
+              <a:rPr lang="sl-SI" dirty="0"/>
+              <a:t> Overhead,9.251842051009498e-05</a:t>
+            </a:r>
+          </a:p>
+          <a:p>
+            <a:r>
+              <a:rPr lang="sl-SI" dirty="0"/>
+              <a:t>I/O </a:t>
+            </a:r>
+            <a:r>
+              <a:rPr lang="sl-SI" dirty="0" err="1"/>
+              <a:t>Throughput</a:t>
+            </a:r>
+            <a:r>
+              <a:rPr lang="sl-SI" dirty="0"/>
+              <a:t> (MB/s),242.2879983563504</a:t>
+            </a:r>
+          </a:p>
+          <a:p>
+            <a:r>
+              <a:rPr lang="sl-SI" dirty="0" err="1"/>
+              <a:t>Column</a:t>
+            </a:r>
+            <a:r>
+              <a:rPr lang="sl-SI" dirty="0"/>
+              <a:t> Scan </a:t>
+            </a:r>
+            <a:r>
+              <a:rPr lang="sl-SI" dirty="0" err="1"/>
+              <a:t>Latency</a:t>
+            </a:r>
+            <a:r>
+              <a:rPr lang="sl-SI" dirty="0"/>
+              <a:t> (s),68.78568863868713</a:t>
+            </a:r>
+          </a:p>
+          <a:p>
+            <a:r>
+              <a:rPr lang="sl-SI" dirty="0" err="1"/>
+              <a:t>Row-Group</a:t>
+            </a:r>
+            <a:r>
+              <a:rPr lang="sl-SI" dirty="0"/>
+              <a:t> Avg </a:t>
+            </a:r>
+            <a:r>
+              <a:rPr lang="sl-SI" dirty="0" err="1"/>
+              <a:t>Latency</a:t>
+            </a:r>
+            <a:r>
+              <a:rPr lang="sl-SI" dirty="0"/>
+              <a:t> (s),0.040458078480851936</a:t>
+            </a:r>
+          </a:p>
+          <a:p>
+            <a:r>
+              <a:rPr lang="sl-SI" dirty="0" err="1"/>
+              <a:t>DuckDB</a:t>
+            </a:r>
+            <a:r>
+              <a:rPr lang="sl-SI" dirty="0"/>
+              <a:t> </a:t>
+            </a:r>
+            <a:r>
+              <a:rPr lang="sl-SI" dirty="0" err="1"/>
+              <a:t>Parallel</a:t>
+            </a:r>
+            <a:r>
+              <a:rPr lang="sl-SI" dirty="0"/>
+              <a:t> Scan (s),1.914980411529541</a:t>
+            </a:r>
+          </a:p>
+          <a:p>
+            <a:endParaRPr lang="sl-SI" dirty="0"/>
           </a:p>
         </p:txBody>
       </p:sp>
-      <p:sp>
-        <p:nvSpPr>
-          <p:cNvPr id="967347564" name="Google Shape;83;p17"/>
-          <p:cNvSpPr txBox="1"/>
-          <p:nvPr/>
-        </p:nvSpPr>
-        <p:spPr bwMode="auto">
-          <a:xfrm>
-            <a:off x="96599" y="51100"/>
-            <a:ext cx="4475400" cy="461700"/>
-          </a:xfrm>
-          <a:prstGeom prst="rect">
-            <a:avLst/>
-          </a:prstGeom>
-          <a:noFill/>
-          <a:ln>
-            <a:noFill/>
-          </a:ln>
-        </p:spPr>
-        <p:txBody>
-          <a:bodyPr spcFirstLastPara="1" wrap="square" lIns="91425" tIns="91425" rIns="91425" bIns="91425" anchor="t" anchorCtr="0">
-            <a:spAutoFit/>
-          </a:bodyPr>
-          <a:lstStyle/>
-          <a:p>
-            <a:pPr marL="0" lvl="0" indent="0" algn="l" rtl="0">
-              <a:spcBef>
-                <a:spcPts val="0"/>
-              </a:spcBef>
-              <a:spcAft>
-                <a:spcPts val="0"/>
-              </a:spcAft>
-              <a:buNone/>
-              <a:defRPr/>
-            </a:pPr>
-            <a:r>
-              <a:rPr lang="sr" sz="1800" b="1">
-                <a:solidFill>
-                  <a:srgbClr val="0000FF"/>
-                </a:solidFill>
-              </a:rPr>
-              <a:t>Implications for Performance</a:t>
-            </a:r>
-            <a:endParaRPr sz="1800" b="1">
-              <a:solidFill>
-                <a:srgbClr val="0000FF"/>
-              </a:solidFill>
-            </a:endParaRPr>
-          </a:p>
-        </p:txBody>
-      </p:sp>
-      <p:cxnSp>
-        <p:nvCxnSpPr>
-          <p:cNvPr id="1261197278" name="Google Shape;84;p17"/>
-          <p:cNvCxnSpPr/>
-          <p:nvPr/>
-        </p:nvCxnSpPr>
-        <p:spPr bwMode="auto">
-          <a:xfrm>
-            <a:off x="23300" y="512799"/>
-            <a:ext cx="4211100" cy="0"/>
-          </a:xfrm>
-          <a:prstGeom prst="straightConnector1">
-            <a:avLst/>
-          </a:prstGeom>
-          <a:noFill/>
-          <a:ln w="19050" cap="flat" cmpd="sng">
-            <a:solidFill>
-              <a:schemeClr val="dk1"/>
-            </a:solidFill>
-            <a:prstDash val="solid"/>
-            <a:round/>
-            <a:headEnd type="none" w="med" len="med"/>
-            <a:tailEnd type="none" w="med" len="med"/>
-          </a:ln>
-        </p:spPr>
-      </p:cxnSp>
     </p:spTree>
+    <p:extLst>
+      <p:ext uri="{BB962C8B-B14F-4D97-AF65-F5344CB8AC3E}">
+        <p14:creationId xmlns:p14="http://schemas.microsoft.com/office/powerpoint/2010/main" val="1949586175"/>
+      </p:ext>
+    </p:extLst>
   </p:cSld>
   <p:clrMapOvr>
     <a:masterClrMapping/>
   </p:clrMapOvr>
-  <mc:AlternateContent xmlns:mc="http://schemas.openxmlformats.org/markup-compatibility/2006">
-    <mc:Choice xmlns:p159="http://schemas.microsoft.com/office/powerpoint/2015/09/main" xmlns:p14="http://schemas.microsoft.com/office/powerpoint/2010/main" Requires="p159">
-      <p:transition p14:dur="2000" advClick="1"/>
-    </mc:Choice>
-    <mc:Fallback>
-      <p:transition advClick="1"/>
-    </mc:Fallback>
-  </mc:AlternateContent>
 </p:sld>
 </file>
 
 <file path=ppt/slides/slide11.xml><?xml version="1.0" encoding="utf-8"?>
-<p:sld xmlns:a="http://schemas.openxmlformats.org/drawingml/2006/main" xmlns:r="http://schemas.openxmlformats.org/officeDocument/2006/relationships" xmlns:p="http://schemas.openxmlformats.org/presentationml/2006/main" xmlns:m="http://schemas.openxmlformats.org/officeDocument/2006/math" xmlns:w="http://schemas.openxmlformats.org/wordprocessingml/2006/main" xmlns:mc="http://schemas.openxmlformats.org/markup-compatibility/2006" showMasterPhAnim="0" showMasterSp="1" show="1">
-  <p:cSld name="">
+<p:sld xmlns:a="http://schemas.openxmlformats.org/drawingml/2006/main" xmlns:r="http://schemas.openxmlformats.org/officeDocument/2006/relationships" xmlns:p="http://schemas.openxmlformats.org/presentationml/2006/main">
+  <p:cSld>
     <p:spTree>
       <p:nvGrpSpPr>
         <p:cNvPr id="1" name=""/>
         <p:cNvGrpSpPr/>
         <p:nvPr/>
       </p:nvGrpSpPr>
-      <p:grpSpPr bwMode="auto">
+      <p:grpSpPr>
         <a:xfrm>
           <a:off x="0" y="0"/>
           <a:ext cx="0" cy="0"/>
@@ -6922,139 +6796,36 @@
       </p:grpSpPr>
       <p:sp>
         <p:nvSpPr>
-          <p:cNvPr id="1981261335" name="Google Shape;17;p4"/>
-          <p:cNvSpPr txBox="1"/>
+          <p:cNvPr id="2" name="Naslov 1"/>
+          <p:cNvSpPr>
+            <a:spLocks noGrp="1"/>
+          </p:cNvSpPr>
           <p:nvPr>
             <p:ph type="title"/>
           </p:nvPr>
         </p:nvSpPr>
-        <p:spPr bwMode="auto">
-          <a:xfrm>
-            <a:off x="311699" y="445024"/>
-            <a:ext cx="8520599" cy="572699"/>
-          </a:xfrm>
-          <a:prstGeom prst="rect">
-            <a:avLst/>
-          </a:prstGeom>
-        </p:spPr>
+        <p:spPr/>
         <p:txBody>
-          <a:bodyPr/>
-          <a:lstStyle>
-            <a:lvl1pPr lvl="0">
-              <a:spcBef>
-                <a:spcPts val="0"/>
-              </a:spcBef>
-              <a:spcAft>
-                <a:spcPts val="0"/>
-              </a:spcAft>
-              <a:buSzPts val="2800"/>
-              <a:buNone/>
-              <a:defRPr/>
-            </a:lvl1pPr>
-            <a:lvl2pPr lvl="1">
-              <a:spcBef>
-                <a:spcPts val="0"/>
-              </a:spcBef>
-              <a:spcAft>
-                <a:spcPts val="0"/>
-              </a:spcAft>
-              <a:buSzPts val="2800"/>
-              <a:buNone/>
-              <a:defRPr/>
-            </a:lvl2pPr>
-            <a:lvl3pPr lvl="2">
-              <a:spcBef>
-                <a:spcPts val="0"/>
-              </a:spcBef>
-              <a:spcAft>
-                <a:spcPts val="0"/>
-              </a:spcAft>
-              <a:buSzPts val="2800"/>
-              <a:buNone/>
-              <a:defRPr/>
-            </a:lvl3pPr>
-            <a:lvl4pPr lvl="3">
-              <a:spcBef>
-                <a:spcPts val="0"/>
-              </a:spcBef>
-              <a:spcAft>
-                <a:spcPts val="0"/>
-              </a:spcAft>
-              <a:buSzPts val="2800"/>
-              <a:buNone/>
-              <a:defRPr/>
-            </a:lvl4pPr>
-            <a:lvl5pPr lvl="4">
-              <a:spcBef>
-                <a:spcPts val="0"/>
-              </a:spcBef>
-              <a:spcAft>
-                <a:spcPts val="0"/>
-              </a:spcAft>
-              <a:buSzPts val="2800"/>
-              <a:buNone/>
-              <a:defRPr/>
-            </a:lvl5pPr>
-            <a:lvl6pPr lvl="5">
-              <a:spcBef>
-                <a:spcPts val="0"/>
-              </a:spcBef>
-              <a:spcAft>
-                <a:spcPts val="0"/>
-              </a:spcAft>
-              <a:buSzPts val="2800"/>
-              <a:buNone/>
-              <a:defRPr/>
-            </a:lvl6pPr>
-            <a:lvl7pPr lvl="6">
-              <a:spcBef>
-                <a:spcPts val="0"/>
-              </a:spcBef>
-              <a:spcAft>
-                <a:spcPts val="0"/>
-              </a:spcAft>
-              <a:buSzPts val="2800"/>
-              <a:buNone/>
-              <a:defRPr/>
-            </a:lvl7pPr>
-            <a:lvl8pPr lvl="7">
-              <a:spcBef>
-                <a:spcPts val="0"/>
-              </a:spcBef>
-              <a:spcAft>
-                <a:spcPts val="0"/>
-              </a:spcAft>
-              <a:buSzPts val="2800"/>
-              <a:buNone/>
-              <a:defRPr/>
-            </a:lvl8pPr>
-            <a:lvl9pPr lvl="8">
-              <a:spcBef>
-                <a:spcPts val="0"/>
-              </a:spcBef>
-              <a:spcAft>
-                <a:spcPts val="0"/>
-              </a:spcAft>
-              <a:buSzPts val="2800"/>
-              <a:buNone/>
-              <a:defRPr/>
-            </a:lvl9pPr>
-          </a:lstStyle>
-          <a:p>
-            <a:pPr>
-              <a:defRPr/>
-            </a:pPr>
-            <a:r>
-              <a:rPr sz="1800" b="1">
+          <a:bodyPr>
+            <a:normAutofit/>
+          </a:bodyPr>
+          <a:lstStyle/>
+          <a:p>
+            <a:r>
+              <a:rPr lang="sl-SI" sz="1800" b="1" dirty="0" err="1" smtClean="0">
                 <a:solidFill>
-                  <a:srgbClr val="0000FF"/>
+                  <a:schemeClr val="accent1">
+                    <a:lumMod val="75000"/>
+                  </a:schemeClr>
                 </a:solidFill>
               </a:rPr>
-              <a:t>Resources</a:t>
-            </a:r>
-            <a:endParaRPr sz="1800" b="1">
+              <a:t>Comparison</a:t>
+            </a:r>
+            <a:endParaRPr lang="sl-SI" sz="1800" b="1" dirty="0">
               <a:solidFill>
-                <a:srgbClr val="0000FF"/>
+                <a:schemeClr val="accent1">
+                  <a:lumMod val="75000"/>
+                </a:schemeClr>
               </a:solidFill>
             </a:endParaRPr>
           </a:p>
@@ -7062,2199 +6833,86 @@
       </p:sp>
       <p:sp>
         <p:nvSpPr>
-          <p:cNvPr id="1394032093" name="Google Shape;18;p4"/>
-          <p:cNvSpPr txBox="1"/>
+          <p:cNvPr id="3" name="Označba mesta besedila 2"/>
+          <p:cNvSpPr>
+            <a:spLocks noGrp="1"/>
+          </p:cNvSpPr>
           <p:nvPr>
             <p:ph type="body" idx="1"/>
           </p:nvPr>
         </p:nvSpPr>
-        <p:spPr bwMode="auto">
-          <a:xfrm>
-            <a:off x="311699" y="1152474"/>
-            <a:ext cx="8520599" cy="3416400"/>
-          </a:xfrm>
-          <a:prstGeom prst="rect">
-            <a:avLst/>
-          </a:prstGeom>
-        </p:spPr>
+        <p:spPr/>
         <p:txBody>
           <a:bodyPr/>
-          <a:lstStyle>
-            <a:lvl1pPr marL="457200" lvl="0" indent="-342900">
-              <a:spcBef>
-                <a:spcPts val="0"/>
-              </a:spcBef>
-              <a:spcAft>
-                <a:spcPts val="0"/>
-              </a:spcAft>
-              <a:buSzPts val="1800"/>
-              <a:buChar char="●"/>
-              <a:defRPr/>
-            </a:lvl1pPr>
-            <a:lvl2pPr marL="914400" lvl="1" indent="-317499">
-              <a:spcBef>
-                <a:spcPts val="0"/>
-              </a:spcBef>
-              <a:spcAft>
-                <a:spcPts val="0"/>
-              </a:spcAft>
-              <a:buSzPts val="1400"/>
-              <a:buChar char="○"/>
-              <a:defRPr/>
-            </a:lvl2pPr>
-            <a:lvl3pPr marL="1371600" lvl="2" indent="-317499">
-              <a:spcBef>
-                <a:spcPts val="0"/>
-              </a:spcBef>
-              <a:spcAft>
-                <a:spcPts val="0"/>
-              </a:spcAft>
-              <a:buSzPts val="1400"/>
-              <a:buChar char="■"/>
-              <a:defRPr/>
-            </a:lvl3pPr>
-            <a:lvl4pPr marL="1828800" lvl="3" indent="-317499">
-              <a:spcBef>
-                <a:spcPts val="0"/>
-              </a:spcBef>
-              <a:spcAft>
-                <a:spcPts val="0"/>
-              </a:spcAft>
-              <a:buSzPts val="1400"/>
-              <a:buChar char="●"/>
-              <a:defRPr/>
-            </a:lvl4pPr>
-            <a:lvl5pPr marL="2286000" lvl="4" indent="-317499">
-              <a:spcBef>
-                <a:spcPts val="0"/>
-              </a:spcBef>
-              <a:spcAft>
-                <a:spcPts val="0"/>
-              </a:spcAft>
-              <a:buSzPts val="1400"/>
-              <a:buChar char="○"/>
-              <a:defRPr/>
-            </a:lvl5pPr>
-            <a:lvl6pPr marL="2743200" lvl="5" indent="-317499">
-              <a:spcBef>
-                <a:spcPts val="0"/>
-              </a:spcBef>
-              <a:spcAft>
-                <a:spcPts val="0"/>
-              </a:spcAft>
-              <a:buSzPts val="1400"/>
-              <a:buChar char="■"/>
-              <a:defRPr/>
-            </a:lvl6pPr>
-            <a:lvl7pPr marL="3200400" lvl="6" indent="-317499">
-              <a:spcBef>
-                <a:spcPts val="0"/>
-              </a:spcBef>
-              <a:spcAft>
-                <a:spcPts val="0"/>
-              </a:spcAft>
-              <a:buSzPts val="1400"/>
-              <a:buChar char="●"/>
-              <a:defRPr/>
-            </a:lvl7pPr>
-            <a:lvl8pPr marL="3657600" lvl="7" indent="-317499">
-              <a:spcBef>
-                <a:spcPts val="0"/>
-              </a:spcBef>
-              <a:spcAft>
-                <a:spcPts val="0"/>
-              </a:spcAft>
-              <a:buSzPts val="1400"/>
-              <a:buChar char="○"/>
-              <a:defRPr/>
-            </a:lvl8pPr>
-            <a:lvl9pPr marL="4114800" lvl="8" indent="-317499">
-              <a:spcBef>
-                <a:spcPts val="0"/>
-              </a:spcBef>
-              <a:spcAft>
-                <a:spcPts val="0"/>
-              </a:spcAft>
-              <a:buSzPts val="1400"/>
-              <a:buChar char="■"/>
-              <a:defRPr/>
-            </a:lvl9pPr>
-          </a:lstStyle>
-          <a:p>
-            <a:pPr>
-              <a:defRPr/>
-            </a:pPr>
-            <a:r>
-              <a:rPr lang="en-US" sz="1100" b="0" i="0" u="none" strike="noStrike" cap="none" spc="0">
-                <a:solidFill>
-                  <a:schemeClr val="dk2"/>
-                </a:solidFill>
-                <a:latin typeface="Arial"/>
-                <a:ea typeface="Arial"/>
-                <a:cs typeface="Arial"/>
-              </a:rPr>
-              <a:t>https://github.com/joke2k/faker</a:t>
-            </a:r>
-            <a:endParaRPr sz="1100"/>
-          </a:p>
-          <a:p>
-            <a:pPr>
-              <a:defRPr/>
-            </a:pPr>
-            <a:r>
-              <a:rPr lang="en-US" sz="1100" b="0" i="0" u="none" strike="noStrike" cap="none" spc="0">
-                <a:solidFill>
-                  <a:schemeClr val="dk2"/>
-                </a:solidFill>
-                <a:latin typeface="Arial"/>
-                <a:ea typeface="Arial"/>
-                <a:cs typeface="Arial"/>
-              </a:rPr>
-              <a:t>https://docs.redhat.com/en/documentation/red_hat_enterprise_linux/8/html/deduplicating_and_compressing_storage/deploying-vdo_deduplicating-and-compressing-storage</a:t>
-            </a:r>
-            <a:endParaRPr sz="1100"/>
-          </a:p>
-          <a:p>
-            <a:pPr>
-              <a:defRPr/>
-            </a:pPr>
-            <a:r>
-              <a:rPr lang="en-US" sz="1100" b="0" i="0" u="none" strike="noStrike" cap="none" spc="0">
-                <a:solidFill>
-                  <a:schemeClr val="dk2"/>
-                </a:solidFill>
-                <a:latin typeface="Arial"/>
-                <a:ea typeface="Arial"/>
-                <a:cs typeface="Arial"/>
-              </a:rPr>
-              <a:t>https://tecadmin.net/iostat-command-in-linux/</a:t>
-            </a:r>
-            <a:endParaRPr sz="1100"/>
-          </a:p>
-          <a:p>
-            <a:pPr>
-              <a:defRPr/>
-            </a:pPr>
-            <a:endParaRPr/>
+          <a:lstStyle/>
+          <a:p>
+            <a:r>
+              <a:rPr lang="sl-SI" dirty="0" err="1" smtClean="0"/>
+              <a:t>Column</a:t>
+            </a:r>
+            <a:r>
+              <a:rPr lang="sl-SI" dirty="0" smtClean="0"/>
+              <a:t> scan </a:t>
+            </a:r>
+            <a:r>
+              <a:rPr lang="sl-SI" dirty="0" err="1" smtClean="0"/>
+              <a:t>latency</a:t>
+            </a:r>
+            <a:endParaRPr lang="sl-SI" dirty="0" smtClean="0"/>
+          </a:p>
+          <a:p>
+            <a:r>
+              <a:rPr lang="sl-SI" dirty="0" err="1" smtClean="0"/>
+              <a:t>Parallel</a:t>
+            </a:r>
+            <a:r>
+              <a:rPr lang="sl-SI" dirty="0" smtClean="0"/>
+              <a:t> </a:t>
+            </a:r>
+            <a:r>
+              <a:rPr lang="sl-SI" dirty="0" err="1" smtClean="0"/>
+              <a:t>throughput</a:t>
+            </a:r>
+            <a:r>
+              <a:rPr lang="sl-SI" dirty="0" smtClean="0"/>
+              <a:t> (</a:t>
+            </a:r>
+            <a:r>
+              <a:rPr lang="sl-SI" dirty="0" err="1" smtClean="0"/>
+              <a:t>DuckDB</a:t>
+            </a:r>
+            <a:r>
+              <a:rPr lang="sl-SI" dirty="0" smtClean="0"/>
+              <a:t> </a:t>
+            </a:r>
+            <a:r>
+              <a:rPr lang="sl-SI" dirty="0" err="1" smtClean="0"/>
+              <a:t>Parallel</a:t>
+            </a:r>
+            <a:r>
+              <a:rPr lang="sl-SI" dirty="0" smtClean="0"/>
+              <a:t> Scan)</a:t>
+            </a:r>
+            <a:endParaRPr lang="sl-SI" dirty="0"/>
           </a:p>
         </p:txBody>
       </p:sp>
     </p:spTree>
+    <p:extLst>
+      <p:ext uri="{BB962C8B-B14F-4D97-AF65-F5344CB8AC3E}">
+        <p14:creationId xmlns:p14="http://schemas.microsoft.com/office/powerpoint/2010/main" val="1576429070"/>
+      </p:ext>
+    </p:extLst>
   </p:cSld>
   <p:clrMapOvr>
     <a:masterClrMapping/>
   </p:clrMapOvr>
-  <mc:AlternateContent xmlns:mc="http://schemas.openxmlformats.org/markup-compatibility/2006">
-    <mc:Choice xmlns:p159="http://schemas.microsoft.com/office/powerpoint/2015/09/main" xmlns:p14="http://schemas.microsoft.com/office/powerpoint/2010/main" Requires="p159">
-      <p:transition p14:dur="2000" advClick="1"/>
-    </mc:Choice>
-    <mc:Fallback>
-      <p:transition advClick="1"/>
-    </mc:Fallback>
-  </mc:AlternateContent>
 </p:sld>
 </file>
 
-<file path=ppt/slides/slide2.xml><?xml version="1.0" encoding="utf-8"?>
-<p:sld xmlns:a="http://schemas.openxmlformats.org/drawingml/2006/main" xmlns:r="http://schemas.openxmlformats.org/officeDocument/2006/relationships" xmlns:p="http://schemas.openxmlformats.org/presentationml/2006/main" xmlns:m="http://schemas.openxmlformats.org/officeDocument/2006/math" xmlns:w="http://schemas.openxmlformats.org/wordprocessingml/2006/main" xmlns:mc="http://schemas.openxmlformats.org/markup-compatibility/2006" showMasterPhAnim="0" showMasterSp="1" show="1">
-  <p:cSld name="">
-    <p:spTree>
-      <p:nvGrpSpPr>
-        <p:cNvPr id="1" name=""/>
-        <p:cNvGrpSpPr/>
-        <p:nvPr/>
-      </p:nvGrpSpPr>
-      <p:grpSpPr bwMode="auto">
-        <a:xfrm>
-          <a:off x="0" y="0"/>
-          <a:ext cx="0" cy="0"/>
-          <a:chOff x="0" y="0"/>
-          <a:chExt cx="0" cy="0"/>
-        </a:xfrm>
-      </p:grpSpPr>
-      <p:sp>
-        <p:nvSpPr>
-          <p:cNvPr id="977767398" name="Google Shape;17;p4"/>
-          <p:cNvSpPr txBox="1"/>
-          <p:nvPr>
-            <p:ph type="title"/>
-          </p:nvPr>
-        </p:nvSpPr>
-        <p:spPr bwMode="auto">
-          <a:xfrm>
-            <a:off x="311699" y="445024"/>
-            <a:ext cx="8520599" cy="572699"/>
-          </a:xfrm>
-          <a:prstGeom prst="rect">
-            <a:avLst/>
-          </a:prstGeom>
-        </p:spPr>
-        <p:txBody>
-          <a:bodyPr/>
-          <a:lstStyle>
-            <a:lvl1pPr lvl="0">
-              <a:spcBef>
-                <a:spcPts val="0"/>
-              </a:spcBef>
-              <a:spcAft>
-                <a:spcPts val="0"/>
-              </a:spcAft>
-              <a:buSzPts val="2800"/>
-              <a:buNone/>
-              <a:defRPr/>
-            </a:lvl1pPr>
-            <a:lvl2pPr lvl="1">
-              <a:spcBef>
-                <a:spcPts val="0"/>
-              </a:spcBef>
-              <a:spcAft>
-                <a:spcPts val="0"/>
-              </a:spcAft>
-              <a:buSzPts val="2800"/>
-              <a:buNone/>
-              <a:defRPr/>
-            </a:lvl2pPr>
-            <a:lvl3pPr lvl="2">
-              <a:spcBef>
-                <a:spcPts val="0"/>
-              </a:spcBef>
-              <a:spcAft>
-                <a:spcPts val="0"/>
-              </a:spcAft>
-              <a:buSzPts val="2800"/>
-              <a:buNone/>
-              <a:defRPr/>
-            </a:lvl3pPr>
-            <a:lvl4pPr lvl="3">
-              <a:spcBef>
-                <a:spcPts val="0"/>
-              </a:spcBef>
-              <a:spcAft>
-                <a:spcPts val="0"/>
-              </a:spcAft>
-              <a:buSzPts val="2800"/>
-              <a:buNone/>
-              <a:defRPr/>
-            </a:lvl4pPr>
-            <a:lvl5pPr lvl="4">
-              <a:spcBef>
-                <a:spcPts val="0"/>
-              </a:spcBef>
-              <a:spcAft>
-                <a:spcPts val="0"/>
-              </a:spcAft>
-              <a:buSzPts val="2800"/>
-              <a:buNone/>
-              <a:defRPr/>
-            </a:lvl5pPr>
-            <a:lvl6pPr lvl="5">
-              <a:spcBef>
-                <a:spcPts val="0"/>
-              </a:spcBef>
-              <a:spcAft>
-                <a:spcPts val="0"/>
-              </a:spcAft>
-              <a:buSzPts val="2800"/>
-              <a:buNone/>
-              <a:defRPr/>
-            </a:lvl6pPr>
-            <a:lvl7pPr lvl="6">
-              <a:spcBef>
-                <a:spcPts val="0"/>
-              </a:spcBef>
-              <a:spcAft>
-                <a:spcPts val="0"/>
-              </a:spcAft>
-              <a:buSzPts val="2800"/>
-              <a:buNone/>
-              <a:defRPr/>
-            </a:lvl7pPr>
-            <a:lvl8pPr lvl="7">
-              <a:spcBef>
-                <a:spcPts val="0"/>
-              </a:spcBef>
-              <a:spcAft>
-                <a:spcPts val="0"/>
-              </a:spcAft>
-              <a:buSzPts val="2800"/>
-              <a:buNone/>
-              <a:defRPr/>
-            </a:lvl8pPr>
-            <a:lvl9pPr lvl="8">
-              <a:spcBef>
-                <a:spcPts val="0"/>
-              </a:spcBef>
-              <a:spcAft>
-                <a:spcPts val="0"/>
-              </a:spcAft>
-              <a:buSzPts val="2800"/>
-              <a:buNone/>
-              <a:defRPr/>
-            </a:lvl9pPr>
-          </a:lstStyle>
-          <a:p>
-            <a:pPr>
-              <a:defRPr/>
-            </a:pPr>
-            <a:r>
-              <a:rPr sz="1800" b="1">
-                <a:solidFill>
-                  <a:srgbClr val="0000FF"/>
-                </a:solidFill>
-              </a:rPr>
-              <a:t>The beginning</a:t>
-            </a:r>
-            <a:endParaRPr/>
-          </a:p>
-        </p:txBody>
-      </p:sp>
-      <p:sp>
-        <p:nvSpPr>
-          <p:cNvPr id="155219487" name="Google Shape;18;p4"/>
-          <p:cNvSpPr txBox="1"/>
-          <p:nvPr>
-            <p:ph type="body" idx="1"/>
-          </p:nvPr>
-        </p:nvSpPr>
-        <p:spPr bwMode="auto">
-          <a:xfrm>
-            <a:off x="311699" y="1152474"/>
-            <a:ext cx="8520599" cy="3416400"/>
-          </a:xfrm>
-          <a:prstGeom prst="rect">
-            <a:avLst/>
-          </a:prstGeom>
-        </p:spPr>
-        <p:txBody>
-          <a:bodyPr/>
-          <a:lstStyle>
-            <a:lvl1pPr marL="457200" lvl="0" indent="-342900">
-              <a:spcBef>
-                <a:spcPts val="0"/>
-              </a:spcBef>
-              <a:spcAft>
-                <a:spcPts val="0"/>
-              </a:spcAft>
-              <a:buSzPts val="1800"/>
-              <a:buChar char="●"/>
-              <a:defRPr/>
-            </a:lvl1pPr>
-            <a:lvl2pPr marL="914400" lvl="1" indent="-317499">
-              <a:spcBef>
-                <a:spcPts val="0"/>
-              </a:spcBef>
-              <a:spcAft>
-                <a:spcPts val="0"/>
-              </a:spcAft>
-              <a:buSzPts val="1400"/>
-              <a:buChar char="○"/>
-              <a:defRPr/>
-            </a:lvl2pPr>
-            <a:lvl3pPr marL="1371600" lvl="2" indent="-317499">
-              <a:spcBef>
-                <a:spcPts val="0"/>
-              </a:spcBef>
-              <a:spcAft>
-                <a:spcPts val="0"/>
-              </a:spcAft>
-              <a:buSzPts val="1400"/>
-              <a:buChar char="■"/>
-              <a:defRPr/>
-            </a:lvl3pPr>
-            <a:lvl4pPr marL="1828800" lvl="3" indent="-317499">
-              <a:spcBef>
-                <a:spcPts val="0"/>
-              </a:spcBef>
-              <a:spcAft>
-                <a:spcPts val="0"/>
-              </a:spcAft>
-              <a:buSzPts val="1400"/>
-              <a:buChar char="●"/>
-              <a:defRPr/>
-            </a:lvl4pPr>
-            <a:lvl5pPr marL="2286000" lvl="4" indent="-317499">
-              <a:spcBef>
-                <a:spcPts val="0"/>
-              </a:spcBef>
-              <a:spcAft>
-                <a:spcPts val="0"/>
-              </a:spcAft>
-              <a:buSzPts val="1400"/>
-              <a:buChar char="○"/>
-              <a:defRPr/>
-            </a:lvl5pPr>
-            <a:lvl6pPr marL="2743200" lvl="5" indent="-317499">
-              <a:spcBef>
-                <a:spcPts val="0"/>
-              </a:spcBef>
-              <a:spcAft>
-                <a:spcPts val="0"/>
-              </a:spcAft>
-              <a:buSzPts val="1400"/>
-              <a:buChar char="■"/>
-              <a:defRPr/>
-            </a:lvl6pPr>
-            <a:lvl7pPr marL="3200400" lvl="6" indent="-317499">
-              <a:spcBef>
-                <a:spcPts val="0"/>
-              </a:spcBef>
-              <a:spcAft>
-                <a:spcPts val="0"/>
-              </a:spcAft>
-              <a:buSzPts val="1400"/>
-              <a:buChar char="●"/>
-              <a:defRPr/>
-            </a:lvl7pPr>
-            <a:lvl8pPr marL="3657600" lvl="7" indent="-317499">
-              <a:spcBef>
-                <a:spcPts val="0"/>
-              </a:spcBef>
-              <a:spcAft>
-                <a:spcPts val="0"/>
-              </a:spcAft>
-              <a:buSzPts val="1400"/>
-              <a:buChar char="○"/>
-              <a:defRPr/>
-            </a:lvl8pPr>
-            <a:lvl9pPr marL="4114800" lvl="8" indent="-317499">
-              <a:spcBef>
-                <a:spcPts val="0"/>
-              </a:spcBef>
-              <a:spcAft>
-                <a:spcPts val="0"/>
-              </a:spcAft>
-              <a:buSzPts val="1400"/>
-              <a:buChar char="■"/>
-              <a:defRPr/>
-            </a:lvl9pPr>
-          </a:lstStyle>
-          <a:p>
-            <a:pPr algn="ctr">
-              <a:defRPr/>
-            </a:pPr>
-            <a:r>
-              <a:rPr sz="1600"/>
-              <a:t>How it started?</a:t>
-            </a:r>
-            <a:endParaRPr sz="1400"/>
-          </a:p>
-          <a:p>
-            <a:pPr>
-              <a:defRPr/>
-            </a:pPr>
-            <a:endParaRPr sz="1400"/>
-          </a:p>
-          <a:p>
-            <a:pPr>
-              <a:defRPr/>
-            </a:pPr>
-            <a:endParaRPr sz="1400"/>
-          </a:p>
-          <a:p>
-            <a:pPr algn="ctr">
-              <a:defRPr/>
-            </a:pPr>
-            <a:r>
-              <a:rPr sz="1600"/>
-              <a:t>Why it went this way?</a:t>
-            </a:r>
-            <a:endParaRPr sz="1400"/>
-          </a:p>
-          <a:p>
-            <a:pPr>
-              <a:defRPr/>
-            </a:pPr>
-            <a:endParaRPr sz="1400"/>
-          </a:p>
-          <a:p>
-            <a:pPr>
-              <a:defRPr/>
-            </a:pPr>
-            <a:endParaRPr sz="1400"/>
-          </a:p>
-          <a:p>
-            <a:pPr algn="ctr">
-              <a:defRPr/>
-            </a:pPr>
-            <a:r>
-              <a:rPr sz="1600"/>
-              <a:t>How it’s going?</a:t>
-            </a:r>
-            <a:endParaRPr sz="1400"/>
-          </a:p>
-          <a:p>
-            <a:pPr>
-              <a:defRPr/>
-            </a:pPr>
-            <a:endParaRPr sz="1400"/>
-          </a:p>
-          <a:p>
-            <a:pPr>
-              <a:defRPr/>
-            </a:pPr>
-            <a:endParaRPr sz="1400"/>
-          </a:p>
-          <a:p>
-            <a:pPr algn="ctr">
-              <a:defRPr/>
-            </a:pPr>
-            <a:r>
-              <a:rPr sz="1600"/>
-              <a:t>When to stop?</a:t>
-            </a:r>
-            <a:endParaRPr sz="1400"/>
-          </a:p>
-        </p:txBody>
-      </p:sp>
-    </p:spTree>
-  </p:cSld>
-  <p:clrMapOvr>
-    <a:masterClrMapping/>
-  </p:clrMapOvr>
-  <mc:AlternateContent xmlns:mc="http://schemas.openxmlformats.org/markup-compatibility/2006">
-    <mc:Choice xmlns:p159="http://schemas.microsoft.com/office/powerpoint/2015/09/main" xmlns:p14="http://schemas.microsoft.com/office/powerpoint/2010/main" Requires="p159">
-      <p:transition p14:dur="2000" advClick="1"/>
-    </mc:Choice>
-    <mc:Fallback>
-      <p:transition advClick="1"/>
-    </mc:Fallback>
-  </mc:AlternateContent>
-</p:sld>
-</file>
-
-<file path=ppt/slides/slide3.xml><?xml version="1.0" encoding="utf-8"?>
-<p:sld xmlns:a="http://schemas.openxmlformats.org/drawingml/2006/main" xmlns:r="http://schemas.openxmlformats.org/officeDocument/2006/relationships" xmlns:p="http://schemas.openxmlformats.org/presentationml/2006/main" xmlns:m="http://schemas.openxmlformats.org/officeDocument/2006/math" xmlns:w="http://schemas.openxmlformats.org/wordprocessingml/2006/main" xmlns:mc="http://schemas.openxmlformats.org/markup-compatibility/2006" showMasterPhAnim="0" showMasterSp="1" show="1">
-  <p:cSld name="">
-    <p:spTree>
-      <p:nvGrpSpPr>
-        <p:cNvPr id="1" name=""/>
-        <p:cNvGrpSpPr/>
-        <p:nvPr/>
-      </p:nvGrpSpPr>
-      <p:grpSpPr bwMode="auto">
-        <a:xfrm>
-          <a:off x="0" y="0"/>
-          <a:ext cx="0" cy="0"/>
-          <a:chOff x="0" y="0"/>
-          <a:chExt cx="0" cy="0"/>
-        </a:xfrm>
-      </p:grpSpPr>
-      <p:sp>
-        <p:nvSpPr>
-          <p:cNvPr id="2047084280" name="Google Shape;17;p4"/>
-          <p:cNvSpPr txBox="1"/>
-          <p:nvPr>
-            <p:ph type="title"/>
-          </p:nvPr>
-        </p:nvSpPr>
-        <p:spPr bwMode="auto">
-          <a:xfrm>
-            <a:off x="311699" y="445024"/>
-            <a:ext cx="8520599" cy="572699"/>
-          </a:xfrm>
-          <a:prstGeom prst="rect">
-            <a:avLst/>
-          </a:prstGeom>
-        </p:spPr>
-        <p:txBody>
-          <a:bodyPr/>
-          <a:lstStyle>
-            <a:lvl1pPr lvl="0">
-              <a:spcBef>
-                <a:spcPts val="0"/>
-              </a:spcBef>
-              <a:spcAft>
-                <a:spcPts val="0"/>
-              </a:spcAft>
-              <a:buSzPts val="2800"/>
-              <a:buNone/>
-              <a:defRPr/>
-            </a:lvl1pPr>
-            <a:lvl2pPr lvl="1">
-              <a:spcBef>
-                <a:spcPts val="0"/>
-              </a:spcBef>
-              <a:spcAft>
-                <a:spcPts val="0"/>
-              </a:spcAft>
-              <a:buSzPts val="2800"/>
-              <a:buNone/>
-              <a:defRPr/>
-            </a:lvl2pPr>
-            <a:lvl3pPr lvl="2">
-              <a:spcBef>
-                <a:spcPts val="0"/>
-              </a:spcBef>
-              <a:spcAft>
-                <a:spcPts val="0"/>
-              </a:spcAft>
-              <a:buSzPts val="2800"/>
-              <a:buNone/>
-              <a:defRPr/>
-            </a:lvl3pPr>
-            <a:lvl4pPr lvl="3">
-              <a:spcBef>
-                <a:spcPts val="0"/>
-              </a:spcBef>
-              <a:spcAft>
-                <a:spcPts val="0"/>
-              </a:spcAft>
-              <a:buSzPts val="2800"/>
-              <a:buNone/>
-              <a:defRPr/>
-            </a:lvl4pPr>
-            <a:lvl5pPr lvl="4">
-              <a:spcBef>
-                <a:spcPts val="0"/>
-              </a:spcBef>
-              <a:spcAft>
-                <a:spcPts val="0"/>
-              </a:spcAft>
-              <a:buSzPts val="2800"/>
-              <a:buNone/>
-              <a:defRPr/>
-            </a:lvl5pPr>
-            <a:lvl6pPr lvl="5">
-              <a:spcBef>
-                <a:spcPts val="0"/>
-              </a:spcBef>
-              <a:spcAft>
-                <a:spcPts val="0"/>
-              </a:spcAft>
-              <a:buSzPts val="2800"/>
-              <a:buNone/>
-              <a:defRPr/>
-            </a:lvl6pPr>
-            <a:lvl7pPr lvl="6">
-              <a:spcBef>
-                <a:spcPts val="0"/>
-              </a:spcBef>
-              <a:spcAft>
-                <a:spcPts val="0"/>
-              </a:spcAft>
-              <a:buSzPts val="2800"/>
-              <a:buNone/>
-              <a:defRPr/>
-            </a:lvl7pPr>
-            <a:lvl8pPr lvl="7">
-              <a:spcBef>
-                <a:spcPts val="0"/>
-              </a:spcBef>
-              <a:spcAft>
-                <a:spcPts val="0"/>
-              </a:spcAft>
-              <a:buSzPts val="2800"/>
-              <a:buNone/>
-              <a:defRPr/>
-            </a:lvl8pPr>
-            <a:lvl9pPr lvl="8">
-              <a:spcBef>
-                <a:spcPts val="0"/>
-              </a:spcBef>
-              <a:spcAft>
-                <a:spcPts val="0"/>
-              </a:spcAft>
-              <a:buSzPts val="2800"/>
-              <a:buNone/>
-              <a:defRPr/>
-            </a:lvl9pPr>
-          </a:lstStyle>
-          <a:p>
-            <a:pPr>
-              <a:defRPr/>
-            </a:pPr>
-            <a:r>
-              <a:rPr sz="1800" b="1">
-                <a:solidFill>
-                  <a:srgbClr val="0000FF"/>
-                </a:solidFill>
-              </a:rPr>
-              <a:t>Database design(s)</a:t>
-            </a:r>
-            <a:endParaRPr sz="1800" b="1">
-              <a:solidFill>
-                <a:srgbClr val="0000FF"/>
-              </a:solidFill>
-            </a:endParaRPr>
-          </a:p>
-        </p:txBody>
-      </p:sp>
-      <p:sp>
-        <p:nvSpPr>
-          <p:cNvPr id="1983166034" name="Google Shape;18;p4"/>
-          <p:cNvSpPr txBox="1"/>
-          <p:nvPr>
-            <p:ph type="body" idx="1"/>
-          </p:nvPr>
-        </p:nvSpPr>
-        <p:spPr bwMode="auto">
-          <a:xfrm>
-            <a:off x="311699" y="1152474"/>
-            <a:ext cx="8520599" cy="3416400"/>
-          </a:xfrm>
-          <a:prstGeom prst="rect">
-            <a:avLst/>
-          </a:prstGeom>
-        </p:spPr>
-        <p:txBody>
-          <a:bodyPr/>
-          <a:lstStyle>
-            <a:lvl1pPr marL="457200" lvl="0" indent="-342900">
-              <a:spcBef>
-                <a:spcPts val="0"/>
-              </a:spcBef>
-              <a:spcAft>
-                <a:spcPts val="0"/>
-              </a:spcAft>
-              <a:buSzPts val="1800"/>
-              <a:buChar char="●"/>
-              <a:defRPr/>
-            </a:lvl1pPr>
-            <a:lvl2pPr marL="914400" lvl="1" indent="-317499">
-              <a:spcBef>
-                <a:spcPts val="0"/>
-              </a:spcBef>
-              <a:spcAft>
-                <a:spcPts val="0"/>
-              </a:spcAft>
-              <a:buSzPts val="1400"/>
-              <a:buChar char="○"/>
-              <a:defRPr/>
-            </a:lvl2pPr>
-            <a:lvl3pPr marL="1371600" lvl="2" indent="-317499">
-              <a:spcBef>
-                <a:spcPts val="0"/>
-              </a:spcBef>
-              <a:spcAft>
-                <a:spcPts val="0"/>
-              </a:spcAft>
-              <a:buSzPts val="1400"/>
-              <a:buChar char="■"/>
-              <a:defRPr/>
-            </a:lvl3pPr>
-            <a:lvl4pPr marL="1828800" lvl="3" indent="-317499">
-              <a:spcBef>
-                <a:spcPts val="0"/>
-              </a:spcBef>
-              <a:spcAft>
-                <a:spcPts val="0"/>
-              </a:spcAft>
-              <a:buSzPts val="1400"/>
-              <a:buChar char="●"/>
-              <a:defRPr/>
-            </a:lvl4pPr>
-            <a:lvl5pPr marL="2286000" lvl="4" indent="-317499">
-              <a:spcBef>
-                <a:spcPts val="0"/>
-              </a:spcBef>
-              <a:spcAft>
-                <a:spcPts val="0"/>
-              </a:spcAft>
-              <a:buSzPts val="1400"/>
-              <a:buChar char="○"/>
-              <a:defRPr/>
-            </a:lvl5pPr>
-            <a:lvl6pPr marL="2743200" lvl="5" indent="-317499">
-              <a:spcBef>
-                <a:spcPts val="0"/>
-              </a:spcBef>
-              <a:spcAft>
-                <a:spcPts val="0"/>
-              </a:spcAft>
-              <a:buSzPts val="1400"/>
-              <a:buChar char="■"/>
-              <a:defRPr/>
-            </a:lvl6pPr>
-            <a:lvl7pPr marL="3200400" lvl="6" indent="-317499">
-              <a:spcBef>
-                <a:spcPts val="0"/>
-              </a:spcBef>
-              <a:spcAft>
-                <a:spcPts val="0"/>
-              </a:spcAft>
-              <a:buSzPts val="1400"/>
-              <a:buChar char="●"/>
-              <a:defRPr/>
-            </a:lvl7pPr>
-            <a:lvl8pPr marL="3657600" lvl="7" indent="-317499">
-              <a:spcBef>
-                <a:spcPts val="0"/>
-              </a:spcBef>
-              <a:spcAft>
-                <a:spcPts val="0"/>
-              </a:spcAft>
-              <a:buSzPts val="1400"/>
-              <a:buChar char="○"/>
-              <a:defRPr/>
-            </a:lvl8pPr>
-            <a:lvl9pPr marL="4114800" lvl="8" indent="-317499">
-              <a:spcBef>
-                <a:spcPts val="0"/>
-              </a:spcBef>
-              <a:spcAft>
-                <a:spcPts val="0"/>
-              </a:spcAft>
-              <a:buSzPts val="1400"/>
-              <a:buChar char="■"/>
-              <a:defRPr/>
-            </a:lvl9pPr>
-          </a:lstStyle>
-          <a:p>
-            <a:pPr>
-              <a:defRPr/>
-            </a:pPr>
-            <a:r>
-              <a:rPr lang="en-US" sz="1400" b="0" i="0" u="none" strike="noStrike" cap="none" spc="0">
-                <a:solidFill>
-                  <a:schemeClr val="dk2"/>
-                </a:solidFill>
-                <a:latin typeface="Arial"/>
-                <a:ea typeface="Arial"/>
-                <a:cs typeface="Arial"/>
-              </a:rPr>
-              <a:t>DB 1 ~ 100 GB</a:t>
-            </a:r>
-            <a:endParaRPr sz="1400" b="0" i="0" u="none" strike="noStrike" cap="none" spc="0">
-              <a:solidFill>
-                <a:schemeClr val="dk2"/>
-              </a:solidFill>
-              <a:latin typeface="Arial"/>
-              <a:cs typeface="Arial"/>
-            </a:endParaRPr>
-          </a:p>
-          <a:p>
-            <a:pPr>
-              <a:defRPr/>
-            </a:pPr>
-            <a:endParaRPr sz="1400" b="0" i="0" u="none" strike="noStrike" cap="none" spc="0">
-              <a:solidFill>
-                <a:schemeClr val="dk2"/>
-              </a:solidFill>
-              <a:latin typeface="Arial"/>
-              <a:cs typeface="Arial"/>
-            </a:endParaRPr>
-          </a:p>
-          <a:p>
-            <a:pPr marL="114299" indent="0">
-              <a:buClr>
-                <a:schemeClr val="dk2"/>
-              </a:buClr>
-              <a:buSzPts val="1800"/>
-              <a:buNone/>
-              <a:defRPr/>
-            </a:pPr>
-            <a:r>
-              <a:rPr lang="en-US" sz="1400" b="0" i="0" u="none" strike="noStrike" cap="none" spc="0">
-                <a:solidFill>
-                  <a:schemeClr val="dk2"/>
-                </a:solidFill>
-                <a:latin typeface="Arial"/>
-                <a:ea typeface="Arial"/>
-                <a:cs typeface="Arial"/>
-              </a:rPr>
-              <a:t>~ 30 GB iso files</a:t>
-            </a:r>
-            <a:endParaRPr sz="1400" b="0" i="0" u="none" strike="noStrike" cap="none" spc="0">
-              <a:solidFill>
-                <a:schemeClr val="dk2"/>
-              </a:solidFill>
-              <a:latin typeface="Arial"/>
-              <a:cs typeface="Arial"/>
-            </a:endParaRPr>
-          </a:p>
-          <a:p>
-            <a:pPr marL="114299" indent="0">
-              <a:buClr>
-                <a:schemeClr val="dk2"/>
-              </a:buClr>
-              <a:buSzPts val="1800"/>
-              <a:buNone/>
-              <a:defRPr/>
-            </a:pPr>
-            <a:r>
-              <a:rPr lang="en-US" sz="1400" b="0" i="0" u="none" strike="noStrike" cap="none" spc="0">
-                <a:solidFill>
-                  <a:schemeClr val="dk2"/>
-                </a:solidFill>
-                <a:latin typeface="Arial"/>
-                <a:ea typeface="Arial"/>
-                <a:cs typeface="Arial"/>
-              </a:rPr>
-              <a:t>~ 50+ GB data/text/audio</a:t>
-            </a:r>
-            <a:endParaRPr sz="1400" b="0" i="0" u="none" strike="noStrike" cap="none" spc="0">
-              <a:solidFill>
-                <a:schemeClr val="dk2"/>
-              </a:solidFill>
-              <a:latin typeface="Arial"/>
-              <a:cs typeface="Arial"/>
-            </a:endParaRPr>
-          </a:p>
-          <a:p>
-            <a:pPr marL="114299" indent="0">
-              <a:buClr>
-                <a:schemeClr val="dk2"/>
-              </a:buClr>
-              <a:buSzPts val="1800"/>
-              <a:buNone/>
-              <a:defRPr/>
-            </a:pPr>
-            <a:r>
-              <a:rPr lang="en-US" sz="1400" b="0" i="0" u="none" strike="noStrike" cap="none" spc="0">
-                <a:solidFill>
-                  <a:schemeClr val="dk2"/>
-                </a:solidFill>
-                <a:latin typeface="Arial"/>
-                <a:ea typeface="Arial"/>
-                <a:cs typeface="Arial"/>
-              </a:rPr>
-              <a:t>~ 20 GB image/video</a:t>
-            </a:r>
-            <a:endParaRPr sz="1400" b="0" i="0" u="none" strike="noStrike" cap="none" spc="0">
-              <a:solidFill>
-                <a:schemeClr val="dk2"/>
-              </a:solidFill>
-              <a:latin typeface="Arial"/>
-              <a:cs typeface="Arial"/>
-            </a:endParaRPr>
-          </a:p>
-          <a:p>
-            <a:pPr marL="114299" indent="0">
-              <a:buClr>
-                <a:schemeClr val="dk2"/>
-              </a:buClr>
-              <a:buSzPts val="1800"/>
-              <a:buNone/>
-              <a:defRPr/>
-            </a:pPr>
-            <a:r>
-              <a:rPr lang="en-US" sz="1400" b="0" i="0" u="none" strike="noStrike" cap="none" spc="0">
-                <a:solidFill>
-                  <a:schemeClr val="dk2"/>
-                </a:solidFill>
-                <a:latin typeface="Arial"/>
-                <a:ea typeface="Arial"/>
-                <a:cs typeface="Arial"/>
-              </a:rPr>
-              <a:t>NOTE: mostly non-synthetic data, synthetic was created using Faker</a:t>
-            </a:r>
-            <a:endParaRPr sz="1400" b="0" i="0" u="none" strike="noStrike" cap="none" spc="0">
-              <a:solidFill>
-                <a:schemeClr val="dk2"/>
-              </a:solidFill>
-              <a:latin typeface="Arial"/>
-              <a:ea typeface="Arial"/>
-              <a:cs typeface="Arial"/>
-            </a:endParaRPr>
-          </a:p>
-        </p:txBody>
-      </p:sp>
-    </p:spTree>
-  </p:cSld>
-  <p:clrMapOvr>
-    <a:masterClrMapping/>
-  </p:clrMapOvr>
-  <mc:AlternateContent xmlns:mc="http://schemas.openxmlformats.org/markup-compatibility/2006">
-    <mc:Choice xmlns:p159="http://schemas.microsoft.com/office/powerpoint/2015/09/main" xmlns:p14="http://schemas.microsoft.com/office/powerpoint/2010/main" Requires="p159">
-      <p:transition p14:dur="2000" advClick="1"/>
-    </mc:Choice>
-    <mc:Fallback>
-      <p:transition advClick="1"/>
-    </mc:Fallback>
-  </mc:AlternateContent>
-</p:sld>
-</file>
-
-<file path=ppt/slides/slide4.xml><?xml version="1.0" encoding="utf-8"?>
-<p:sld xmlns:a="http://schemas.openxmlformats.org/drawingml/2006/main" xmlns:r="http://schemas.openxmlformats.org/officeDocument/2006/relationships" xmlns:p="http://schemas.openxmlformats.org/presentationml/2006/main" xmlns:m="http://schemas.openxmlformats.org/officeDocument/2006/math" xmlns:w="http://schemas.openxmlformats.org/wordprocessingml/2006/main" xmlns:mc="http://schemas.openxmlformats.org/markup-compatibility/2006" showMasterPhAnim="0" showMasterSp="1" show="1">
-  <p:cSld name="">
-    <p:spTree>
-      <p:nvGrpSpPr>
-        <p:cNvPr id="1" name=""/>
-        <p:cNvGrpSpPr/>
-        <p:nvPr/>
-      </p:nvGrpSpPr>
-      <p:grpSpPr bwMode="auto">
-        <a:xfrm>
-          <a:off x="0" y="0"/>
-          <a:ext cx="0" cy="0"/>
-          <a:chOff x="0" y="0"/>
-          <a:chExt cx="0" cy="0"/>
-        </a:xfrm>
-      </p:grpSpPr>
-      <p:sp>
-        <p:nvSpPr>
-          <p:cNvPr id="1866367265" name="Google Shape;17;p4"/>
-          <p:cNvSpPr txBox="1"/>
-          <p:nvPr>
-            <p:ph type="title"/>
-          </p:nvPr>
-        </p:nvSpPr>
-        <p:spPr bwMode="auto">
-          <a:xfrm>
-            <a:off x="311699" y="445024"/>
-            <a:ext cx="8520599" cy="572699"/>
-          </a:xfrm>
-          <a:prstGeom prst="rect">
-            <a:avLst/>
-          </a:prstGeom>
-        </p:spPr>
-        <p:txBody>
-          <a:bodyPr/>
-          <a:lstStyle>
-            <a:lvl1pPr lvl="0">
-              <a:spcBef>
-                <a:spcPts val="0"/>
-              </a:spcBef>
-              <a:spcAft>
-                <a:spcPts val="0"/>
-              </a:spcAft>
-              <a:buSzPts val="2800"/>
-              <a:buNone/>
-              <a:defRPr/>
-            </a:lvl1pPr>
-            <a:lvl2pPr lvl="1">
-              <a:spcBef>
-                <a:spcPts val="0"/>
-              </a:spcBef>
-              <a:spcAft>
-                <a:spcPts val="0"/>
-              </a:spcAft>
-              <a:buSzPts val="2800"/>
-              <a:buNone/>
-              <a:defRPr/>
-            </a:lvl2pPr>
-            <a:lvl3pPr lvl="2">
-              <a:spcBef>
-                <a:spcPts val="0"/>
-              </a:spcBef>
-              <a:spcAft>
-                <a:spcPts val="0"/>
-              </a:spcAft>
-              <a:buSzPts val="2800"/>
-              <a:buNone/>
-              <a:defRPr/>
-            </a:lvl3pPr>
-            <a:lvl4pPr lvl="3">
-              <a:spcBef>
-                <a:spcPts val="0"/>
-              </a:spcBef>
-              <a:spcAft>
-                <a:spcPts val="0"/>
-              </a:spcAft>
-              <a:buSzPts val="2800"/>
-              <a:buNone/>
-              <a:defRPr/>
-            </a:lvl4pPr>
-            <a:lvl5pPr lvl="4">
-              <a:spcBef>
-                <a:spcPts val="0"/>
-              </a:spcBef>
-              <a:spcAft>
-                <a:spcPts val="0"/>
-              </a:spcAft>
-              <a:buSzPts val="2800"/>
-              <a:buNone/>
-              <a:defRPr/>
-            </a:lvl5pPr>
-            <a:lvl6pPr lvl="5">
-              <a:spcBef>
-                <a:spcPts val="0"/>
-              </a:spcBef>
-              <a:spcAft>
-                <a:spcPts val="0"/>
-              </a:spcAft>
-              <a:buSzPts val="2800"/>
-              <a:buNone/>
-              <a:defRPr/>
-            </a:lvl6pPr>
-            <a:lvl7pPr lvl="6">
-              <a:spcBef>
-                <a:spcPts val="0"/>
-              </a:spcBef>
-              <a:spcAft>
-                <a:spcPts val="0"/>
-              </a:spcAft>
-              <a:buSzPts val="2800"/>
-              <a:buNone/>
-              <a:defRPr/>
-            </a:lvl7pPr>
-            <a:lvl8pPr lvl="7">
-              <a:spcBef>
-                <a:spcPts val="0"/>
-              </a:spcBef>
-              <a:spcAft>
-                <a:spcPts val="0"/>
-              </a:spcAft>
-              <a:buSzPts val="2800"/>
-              <a:buNone/>
-              <a:defRPr/>
-            </a:lvl8pPr>
-            <a:lvl9pPr lvl="8">
-              <a:spcBef>
-                <a:spcPts val="0"/>
-              </a:spcBef>
-              <a:spcAft>
-                <a:spcPts val="0"/>
-              </a:spcAft>
-              <a:buSzPts val="2800"/>
-              <a:buNone/>
-              <a:defRPr/>
-            </a:lvl9pPr>
-          </a:lstStyle>
-          <a:p>
-            <a:pPr>
-              <a:defRPr/>
-            </a:pPr>
-            <a:r>
-              <a:rPr sz="1800" b="1">
-                <a:solidFill>
-                  <a:srgbClr val="0000FF"/>
-                </a:solidFill>
-              </a:rPr>
-              <a:t>iostat</a:t>
-            </a:r>
-            <a:endParaRPr/>
-          </a:p>
-        </p:txBody>
-      </p:sp>
-      <p:sp>
-        <p:nvSpPr>
-          <p:cNvPr id="1697380923" name="Google Shape;18;p4"/>
-          <p:cNvSpPr txBox="1"/>
-          <p:nvPr>
-            <p:ph type="body" idx="1"/>
-          </p:nvPr>
-        </p:nvSpPr>
-        <p:spPr bwMode="auto">
-          <a:xfrm flipH="0" flipV="0">
-            <a:off x="311699" y="1152474"/>
-            <a:ext cx="8520599" cy="3623829"/>
-          </a:xfrm>
-          <a:prstGeom prst="rect">
-            <a:avLst/>
-          </a:prstGeom>
-        </p:spPr>
-        <p:txBody>
-          <a:bodyPr spcFirstLastPara="1" vertOverflow="overflow" horzOverflow="overflow" vert="horz" wrap="square" lIns="91424" tIns="91424" rIns="91424" bIns="91424" numCol="1" spcCol="0" rtlCol="0" fromWordArt="0" anchor="t" anchorCtr="0" forceAA="0" upright="0" compatLnSpc="0">
-            <a:normAutofit/>
-          </a:bodyPr>
-          <a:lstStyle>
-            <a:lvl1pPr marL="457200" lvl="0" indent="-342900">
-              <a:spcBef>
-                <a:spcPts val="0"/>
-              </a:spcBef>
-              <a:spcAft>
-                <a:spcPts val="0"/>
-              </a:spcAft>
-              <a:buSzPts val="1800"/>
-              <a:buChar char="●"/>
-              <a:defRPr/>
-            </a:lvl1pPr>
-            <a:lvl2pPr marL="914400" lvl="1" indent="-317499">
-              <a:spcBef>
-                <a:spcPts val="0"/>
-              </a:spcBef>
-              <a:spcAft>
-                <a:spcPts val="0"/>
-              </a:spcAft>
-              <a:buSzPts val="1400"/>
-              <a:buChar char="○"/>
-              <a:defRPr/>
-            </a:lvl2pPr>
-            <a:lvl3pPr marL="1371600" lvl="2" indent="-317499">
-              <a:spcBef>
-                <a:spcPts val="0"/>
-              </a:spcBef>
-              <a:spcAft>
-                <a:spcPts val="0"/>
-              </a:spcAft>
-              <a:buSzPts val="1400"/>
-              <a:buChar char="■"/>
-              <a:defRPr/>
-            </a:lvl3pPr>
-            <a:lvl4pPr marL="1828800" lvl="3" indent="-317499">
-              <a:spcBef>
-                <a:spcPts val="0"/>
-              </a:spcBef>
-              <a:spcAft>
-                <a:spcPts val="0"/>
-              </a:spcAft>
-              <a:buSzPts val="1400"/>
-              <a:buChar char="●"/>
-              <a:defRPr/>
-            </a:lvl4pPr>
-            <a:lvl5pPr marL="2286000" lvl="4" indent="-317499">
-              <a:spcBef>
-                <a:spcPts val="0"/>
-              </a:spcBef>
-              <a:spcAft>
-                <a:spcPts val="0"/>
-              </a:spcAft>
-              <a:buSzPts val="1400"/>
-              <a:buChar char="○"/>
-              <a:defRPr/>
-            </a:lvl5pPr>
-            <a:lvl6pPr marL="2743200" lvl="5" indent="-317499">
-              <a:spcBef>
-                <a:spcPts val="0"/>
-              </a:spcBef>
-              <a:spcAft>
-                <a:spcPts val="0"/>
-              </a:spcAft>
-              <a:buSzPts val="1400"/>
-              <a:buChar char="■"/>
-              <a:defRPr/>
-            </a:lvl6pPr>
-            <a:lvl7pPr marL="3200400" lvl="6" indent="-317499">
-              <a:spcBef>
-                <a:spcPts val="0"/>
-              </a:spcBef>
-              <a:spcAft>
-                <a:spcPts val="0"/>
-              </a:spcAft>
-              <a:buSzPts val="1400"/>
-              <a:buChar char="●"/>
-              <a:defRPr/>
-            </a:lvl7pPr>
-            <a:lvl8pPr marL="3657600" lvl="7" indent="-317499">
-              <a:spcBef>
-                <a:spcPts val="0"/>
-              </a:spcBef>
-              <a:spcAft>
-                <a:spcPts val="0"/>
-              </a:spcAft>
-              <a:buSzPts val="1400"/>
-              <a:buChar char="○"/>
-              <a:defRPr/>
-            </a:lvl8pPr>
-            <a:lvl9pPr marL="4114800" lvl="8" indent="-317499">
-              <a:spcBef>
-                <a:spcPts val="0"/>
-              </a:spcBef>
-              <a:spcAft>
-                <a:spcPts val="0"/>
-              </a:spcAft>
-              <a:buSzPts val="1400"/>
-              <a:buChar char="■"/>
-              <a:defRPr/>
-            </a:lvl9pPr>
-          </a:lstStyle>
-          <a:p>
-            <a:pPr marL="114299" indent="0">
-              <a:buClr>
-                <a:schemeClr val="dk2"/>
-              </a:buClr>
-              <a:buSzPts val="1800"/>
-              <a:buNone/>
-              <a:defRPr/>
-            </a:pPr>
-            <a:r>
-              <a:rPr lang="en-US" sz="1400" b="0" i="0" u="none" strike="noStrike" cap="none" spc="0">
-                <a:solidFill>
-                  <a:schemeClr val="dk2"/>
-                </a:solidFill>
-                <a:latin typeface="Arial"/>
-                <a:ea typeface="Arial"/>
-                <a:cs typeface="Arial"/>
-              </a:rPr>
-              <a:t>COMMAND:</a:t>
-            </a:r>
-            <a:endParaRPr lang="en-US" sz="1400" b="0" i="0" u="none" strike="noStrike" cap="none" spc="0">
-              <a:solidFill>
-                <a:schemeClr val="dk2"/>
-              </a:solidFill>
-              <a:latin typeface="Arial"/>
-              <a:ea typeface="Arial"/>
-              <a:cs typeface="Arial"/>
-            </a:endParaRPr>
-          </a:p>
-          <a:p>
-            <a:pPr marL="114299" indent="0">
-              <a:buClr>
-                <a:schemeClr val="dk2"/>
-              </a:buClr>
-              <a:buSzPts val="1800"/>
-              <a:buNone/>
-              <a:defRPr/>
-            </a:pPr>
-            <a:endParaRPr lang="en-US" sz="1400" b="0" i="0" u="none" strike="noStrike" cap="none" spc="0">
-              <a:solidFill>
-                <a:schemeClr val="dk2"/>
-              </a:solidFill>
-              <a:latin typeface="Arial"/>
-              <a:cs typeface="Arial"/>
-            </a:endParaRPr>
-          </a:p>
-          <a:p>
-            <a:pPr marL="114299" indent="0">
-              <a:buClr>
-                <a:schemeClr val="dk2"/>
-              </a:buClr>
-              <a:buSzPts val="1800"/>
-              <a:buNone/>
-              <a:defRPr/>
-            </a:pPr>
-            <a:r>
-              <a:rPr lang="en-US" sz="1400" b="0" i="0" u="none" strike="noStrike" cap="none" spc="0">
-                <a:solidFill>
-                  <a:schemeClr val="dk2"/>
-                </a:solidFill>
-                <a:latin typeface="Arial"/>
-                <a:ea typeface="Arial"/>
-                <a:cs typeface="Arial"/>
-              </a:rPr>
-              <a:t>iostat -cdh sda 2 &gt; sample.txt</a:t>
-            </a:r>
-            <a:endParaRPr lang="en-US" sz="1400" b="0" i="0" u="none" strike="noStrike" cap="none" spc="0">
-              <a:solidFill>
-                <a:schemeClr val="dk2"/>
-              </a:solidFill>
-              <a:latin typeface="Arial"/>
-              <a:ea typeface="Arial"/>
-              <a:cs typeface="Arial"/>
-            </a:endParaRPr>
-          </a:p>
-          <a:p>
-            <a:pPr marL="114299" indent="0">
-              <a:buClr>
-                <a:schemeClr val="dk2"/>
-              </a:buClr>
-              <a:buSzPts val="1800"/>
-              <a:buNone/>
-              <a:defRPr/>
-            </a:pPr>
-            <a:endParaRPr lang="en-US" sz="1400" b="0" i="0" u="none" strike="noStrike" cap="none" spc="0">
-              <a:solidFill>
-                <a:schemeClr val="dk2"/>
-              </a:solidFill>
-              <a:latin typeface="Arial"/>
-              <a:ea typeface="Arial"/>
-              <a:cs typeface="Arial"/>
-            </a:endParaRPr>
-          </a:p>
-          <a:p>
-            <a:pPr marL="114299" indent="0">
-              <a:buClr>
-                <a:schemeClr val="dk2"/>
-              </a:buClr>
-              <a:buSzPts val="1800"/>
-              <a:buNone/>
-              <a:defRPr/>
-            </a:pPr>
-            <a:r>
-              <a:rPr lang="en-US" sz="1400" b="0" i="0" u="none" strike="noStrike" cap="none" spc="0">
-                <a:solidFill>
-                  <a:schemeClr val="dk2"/>
-                </a:solidFill>
-                <a:latin typeface="Arial"/>
-                <a:ea typeface="Arial"/>
-                <a:cs typeface="Arial"/>
-              </a:rPr>
-              <a:t>—————————————————————————————————————————————</a:t>
-            </a:r>
-            <a:endParaRPr lang="en-US" sz="1400" b="0" i="0" u="none" strike="noStrike" cap="none" spc="0">
-              <a:solidFill>
-                <a:schemeClr val="dk2"/>
-              </a:solidFill>
-              <a:latin typeface="Arial"/>
-              <a:ea typeface="Arial"/>
-              <a:cs typeface="Arial"/>
-            </a:endParaRPr>
-          </a:p>
-          <a:p>
-            <a:pPr marL="114299" indent="0">
-              <a:buClr>
-                <a:schemeClr val="dk2"/>
-              </a:buClr>
-              <a:buSzPts val="1800"/>
-              <a:buNone/>
-              <a:defRPr/>
-            </a:pPr>
-            <a:r>
-              <a:rPr lang="en-US" sz="1400" b="0" i="0" u="none" strike="noStrike" cap="none" spc="0">
-                <a:solidFill>
-                  <a:schemeClr val="dk2"/>
-                </a:solidFill>
-                <a:latin typeface="Arial"/>
-                <a:ea typeface="Arial"/>
-                <a:cs typeface="Arial"/>
-              </a:rPr>
-              <a:t>OUTPUT:</a:t>
-            </a:r>
-            <a:endParaRPr lang="en-US" sz="1400" b="0" i="0" u="none" strike="noStrike" cap="none" spc="0">
-              <a:solidFill>
-                <a:schemeClr val="dk2"/>
-              </a:solidFill>
-              <a:latin typeface="Arial"/>
-              <a:ea typeface="Arial"/>
-              <a:cs typeface="Arial"/>
-            </a:endParaRPr>
-          </a:p>
-          <a:p>
-            <a:pPr marL="114299" indent="0">
-              <a:buClr>
-                <a:schemeClr val="dk2"/>
-              </a:buClr>
-              <a:buSzPts val="1800"/>
-              <a:buNone/>
-              <a:defRPr/>
-            </a:pPr>
-            <a:endParaRPr lang="en-US" sz="1400" b="0" i="0" u="none" strike="noStrike" cap="none" spc="0">
-              <a:solidFill>
-                <a:schemeClr val="dk2"/>
-              </a:solidFill>
-              <a:latin typeface="Arial"/>
-              <a:ea typeface="Arial"/>
-              <a:cs typeface="Arial"/>
-            </a:endParaRPr>
-          </a:p>
-          <a:p>
-            <a:pPr marL="114299" indent="0">
-              <a:buClr>
-                <a:schemeClr val="dk2"/>
-              </a:buClr>
-              <a:buSzPts val="1800"/>
-              <a:buNone/>
-              <a:defRPr/>
-            </a:pPr>
-            <a:endParaRPr lang="en-US" sz="1400" b="0" i="0" u="none" strike="noStrike" cap="none" spc="0">
-              <a:solidFill>
-                <a:schemeClr val="dk2"/>
-              </a:solidFill>
-              <a:latin typeface="Arial"/>
-              <a:ea typeface="Arial"/>
-              <a:cs typeface="Arial"/>
-            </a:endParaRPr>
-          </a:p>
-          <a:p>
-            <a:pPr marL="114299" indent="0">
-              <a:buClr>
-                <a:schemeClr val="dk2"/>
-              </a:buClr>
-              <a:buSzPts val="1800"/>
-              <a:buNone/>
-              <a:defRPr/>
-            </a:pPr>
-            <a:r>
-              <a:rPr lang="en-US" sz="1400" b="0" i="0" u="none" strike="noStrike" cap="none" spc="0">
-                <a:solidFill>
-                  <a:schemeClr val="dk2"/>
-                </a:solidFill>
-                <a:latin typeface="Arial"/>
-                <a:ea typeface="Arial"/>
-                <a:cs typeface="Arial"/>
-              </a:rPr>
-              <a:t>avg-cpu:  %user   %nice %system %iowait  %steal   %idle</a:t>
-            </a:r>
-            <a:endParaRPr lang="en-US" sz="1400" b="0" i="0" u="none" strike="noStrike" cap="none" spc="0">
-              <a:solidFill>
-                <a:schemeClr val="dk2"/>
-              </a:solidFill>
-              <a:latin typeface="Arial"/>
-              <a:ea typeface="Arial"/>
-              <a:cs typeface="Arial"/>
-            </a:endParaRPr>
-          </a:p>
-          <a:p>
-            <a:pPr marL="114299" indent="0">
-              <a:buClr>
-                <a:schemeClr val="dk2"/>
-              </a:buClr>
-              <a:buSzPts val="1800"/>
-              <a:buNone/>
-              <a:defRPr/>
-            </a:pPr>
-            <a:r>
-              <a:rPr lang="en-US" sz="1400" b="0" i="0" u="none" strike="noStrike" cap="none" spc="0">
-                <a:solidFill>
-                  <a:schemeClr val="dk2"/>
-                </a:solidFill>
-                <a:latin typeface="Arial"/>
-                <a:ea typeface="Arial"/>
-                <a:cs typeface="Arial"/>
-              </a:rPr>
-              <a:t>        	   3.3%    0.1%    8.5%    0.1%    0.0%   88.0%</a:t>
-            </a:r>
-            <a:endParaRPr lang="en-US" sz="1400" b="0" i="0" u="none" strike="noStrike" cap="none" spc="0">
-              <a:solidFill>
-                <a:schemeClr val="dk2"/>
-              </a:solidFill>
-              <a:latin typeface="Arial"/>
-              <a:cs typeface="Arial"/>
-            </a:endParaRPr>
-          </a:p>
-          <a:p>
-            <a:pPr>
-              <a:defRPr/>
-            </a:pPr>
-            <a:endParaRPr lang="en-US" sz="1400" b="0" i="0" u="none" strike="noStrike" cap="none" spc="0">
-              <a:solidFill>
-                <a:schemeClr val="dk2"/>
-              </a:solidFill>
-              <a:latin typeface="Arial"/>
-              <a:cs typeface="Arial"/>
-            </a:endParaRPr>
-          </a:p>
-          <a:p>
-            <a:pPr marL="114299" indent="0">
-              <a:buClr>
-                <a:schemeClr val="dk2"/>
-              </a:buClr>
-              <a:buSzPts val="1800"/>
-              <a:buNone/>
-              <a:defRPr/>
-            </a:pPr>
-            <a:r>
-              <a:rPr lang="en-US" sz="1400" b="0" i="0" u="none" strike="noStrike" cap="none" spc="0">
-                <a:solidFill>
-                  <a:schemeClr val="dk2"/>
-                </a:solidFill>
-                <a:latin typeface="Arial"/>
-                <a:ea typeface="Arial"/>
-                <a:cs typeface="Arial"/>
-              </a:rPr>
-              <a:t> tps    kB_read/s    kB_wrtn/s    kB_dscd/s    kB_read    kB_wrtn    kB_dscd Device</a:t>
-            </a:r>
-            <a:endParaRPr lang="en-US" sz="1400" b="0" i="0" u="none" strike="noStrike" cap="none" spc="0">
-              <a:solidFill>
-                <a:schemeClr val="dk2"/>
-              </a:solidFill>
-              <a:latin typeface="Arial"/>
-              <a:cs typeface="Arial"/>
-            </a:endParaRPr>
-          </a:p>
-          <a:p>
-            <a:pPr marL="114299" indent="0">
-              <a:buClr>
-                <a:schemeClr val="dk2"/>
-              </a:buClr>
-              <a:buSzPts val="1800"/>
-              <a:buNone/>
-              <a:defRPr/>
-            </a:pPr>
-            <a:r>
-              <a:rPr lang="en-US" sz="1400" b="0" i="0" u="none" strike="noStrike" cap="none" spc="0">
-                <a:solidFill>
-                  <a:schemeClr val="dk2"/>
-                </a:solidFill>
-                <a:latin typeface="Arial"/>
-                <a:ea typeface="Arial"/>
-                <a:cs typeface="Arial"/>
-              </a:rPr>
-              <a:t>1.94 	   118.8k         6.7k     	    0.0k    	 784.0M      44.4M     	  0.0k 	sda</a:t>
-            </a:r>
-            <a:endParaRPr lang="en-US" sz="1400" b="0" i="0" u="none" strike="noStrike" cap="none" spc="0">
-              <a:solidFill>
-                <a:schemeClr val="dk2"/>
-              </a:solidFill>
-              <a:latin typeface="Arial"/>
-              <a:cs typeface="Arial"/>
-            </a:endParaRPr>
-          </a:p>
-          <a:p>
-            <a:pPr marL="114299" indent="0">
-              <a:buClr>
-                <a:schemeClr val="dk2"/>
-              </a:buClr>
-              <a:buSzPts val="1800"/>
-              <a:buNone/>
-              <a:defRPr/>
-            </a:pPr>
-            <a:endParaRPr lang="en-US" sz="1400" b="0" i="0" u="none" strike="noStrike" cap="none" spc="0">
-              <a:solidFill>
-                <a:schemeClr val="dk2"/>
-              </a:solidFill>
-              <a:latin typeface="Arial"/>
-              <a:cs typeface="Arial"/>
-            </a:endParaRPr>
-          </a:p>
-        </p:txBody>
-      </p:sp>
-    </p:spTree>
-  </p:cSld>
-  <p:clrMapOvr>
-    <a:masterClrMapping/>
-  </p:clrMapOvr>
-  <mc:AlternateContent xmlns:mc="http://schemas.openxmlformats.org/markup-compatibility/2006">
-    <mc:Choice xmlns:p159="http://schemas.microsoft.com/office/powerpoint/2015/09/main" xmlns:p14="http://schemas.microsoft.com/office/powerpoint/2010/main" Requires="p159">
-      <p:transition p14:dur="2000" advClick="1"/>
-    </mc:Choice>
-    <mc:Fallback>
-      <p:transition advClick="1"/>
-    </mc:Fallback>
-  </mc:AlternateContent>
-</p:sld>
-</file>
-
-<file path=ppt/slides/slide5.xml><?xml version="1.0" encoding="utf-8"?>
-<p:sld xmlns:a="http://schemas.openxmlformats.org/drawingml/2006/main" xmlns:r="http://schemas.openxmlformats.org/officeDocument/2006/relationships" xmlns:p="http://schemas.openxmlformats.org/presentationml/2006/main" xmlns:m="http://schemas.openxmlformats.org/officeDocument/2006/math" xmlns:w="http://schemas.openxmlformats.org/wordprocessingml/2006/main" xmlns:mc="http://schemas.openxmlformats.org/markup-compatibility/2006" showMasterPhAnim="0" showMasterSp="1" show="1">
-  <p:cSld name="">
-    <p:spTree>
-      <p:nvGrpSpPr>
-        <p:cNvPr id="1" name=""/>
-        <p:cNvGrpSpPr/>
-        <p:nvPr/>
-      </p:nvGrpSpPr>
-      <p:grpSpPr bwMode="auto">
-        <a:xfrm>
-          <a:off x="0" y="0"/>
-          <a:ext cx="0" cy="0"/>
-          <a:chOff x="0" y="0"/>
-          <a:chExt cx="0" cy="0"/>
-        </a:xfrm>
-      </p:grpSpPr>
-      <p:sp>
-        <p:nvSpPr>
-          <p:cNvPr id="671181108" name="Google Shape;17;p4"/>
-          <p:cNvSpPr txBox="1"/>
-          <p:nvPr>
-            <p:ph type="title"/>
-          </p:nvPr>
-        </p:nvSpPr>
-        <p:spPr bwMode="auto">
-          <a:xfrm>
-            <a:off x="311699" y="445024"/>
-            <a:ext cx="8520599" cy="572699"/>
-          </a:xfrm>
-          <a:prstGeom prst="rect">
-            <a:avLst/>
-          </a:prstGeom>
-        </p:spPr>
-        <p:txBody>
-          <a:bodyPr/>
-          <a:lstStyle>
-            <a:lvl1pPr lvl="0">
-              <a:spcBef>
-                <a:spcPts val="0"/>
-              </a:spcBef>
-              <a:spcAft>
-                <a:spcPts val="0"/>
-              </a:spcAft>
-              <a:buSzPts val="2800"/>
-              <a:buNone/>
-              <a:defRPr/>
-            </a:lvl1pPr>
-            <a:lvl2pPr lvl="1">
-              <a:spcBef>
-                <a:spcPts val="0"/>
-              </a:spcBef>
-              <a:spcAft>
-                <a:spcPts val="0"/>
-              </a:spcAft>
-              <a:buSzPts val="2800"/>
-              <a:buNone/>
-              <a:defRPr/>
-            </a:lvl2pPr>
-            <a:lvl3pPr lvl="2">
-              <a:spcBef>
-                <a:spcPts val="0"/>
-              </a:spcBef>
-              <a:spcAft>
-                <a:spcPts val="0"/>
-              </a:spcAft>
-              <a:buSzPts val="2800"/>
-              <a:buNone/>
-              <a:defRPr/>
-            </a:lvl3pPr>
-            <a:lvl4pPr lvl="3">
-              <a:spcBef>
-                <a:spcPts val="0"/>
-              </a:spcBef>
-              <a:spcAft>
-                <a:spcPts val="0"/>
-              </a:spcAft>
-              <a:buSzPts val="2800"/>
-              <a:buNone/>
-              <a:defRPr/>
-            </a:lvl4pPr>
-            <a:lvl5pPr lvl="4">
-              <a:spcBef>
-                <a:spcPts val="0"/>
-              </a:spcBef>
-              <a:spcAft>
-                <a:spcPts val="0"/>
-              </a:spcAft>
-              <a:buSzPts val="2800"/>
-              <a:buNone/>
-              <a:defRPr/>
-            </a:lvl5pPr>
-            <a:lvl6pPr lvl="5">
-              <a:spcBef>
-                <a:spcPts val="0"/>
-              </a:spcBef>
-              <a:spcAft>
-                <a:spcPts val="0"/>
-              </a:spcAft>
-              <a:buSzPts val="2800"/>
-              <a:buNone/>
-              <a:defRPr/>
-            </a:lvl6pPr>
-            <a:lvl7pPr lvl="6">
-              <a:spcBef>
-                <a:spcPts val="0"/>
-              </a:spcBef>
-              <a:spcAft>
-                <a:spcPts val="0"/>
-              </a:spcAft>
-              <a:buSzPts val="2800"/>
-              <a:buNone/>
-              <a:defRPr/>
-            </a:lvl7pPr>
-            <a:lvl8pPr lvl="7">
-              <a:spcBef>
-                <a:spcPts val="0"/>
-              </a:spcBef>
-              <a:spcAft>
-                <a:spcPts val="0"/>
-              </a:spcAft>
-              <a:buSzPts val="2800"/>
-              <a:buNone/>
-              <a:defRPr/>
-            </a:lvl8pPr>
-            <a:lvl9pPr lvl="8">
-              <a:spcBef>
-                <a:spcPts val="0"/>
-              </a:spcBef>
-              <a:spcAft>
-                <a:spcPts val="0"/>
-              </a:spcAft>
-              <a:buSzPts val="2800"/>
-              <a:buNone/>
-              <a:defRPr/>
-            </a:lvl9pPr>
-          </a:lstStyle>
-          <a:p>
-            <a:pPr>
-              <a:defRPr/>
-            </a:pPr>
-            <a:r>
-              <a:rPr sz="1800" b="1">
-                <a:solidFill>
-                  <a:srgbClr val="0000FF"/>
-                </a:solidFill>
-              </a:rPr>
-              <a:t>VDO</a:t>
-            </a:r>
-            <a:endParaRPr/>
-          </a:p>
-        </p:txBody>
-      </p:sp>
-      <p:sp>
-        <p:nvSpPr>
-          <p:cNvPr id="1867349303" name="Google Shape;18;p4"/>
-          <p:cNvSpPr txBox="1"/>
-          <p:nvPr>
-            <p:ph type="body" idx="1"/>
-          </p:nvPr>
-        </p:nvSpPr>
-        <p:spPr bwMode="auto">
-          <a:xfrm flipH="0" flipV="0">
-            <a:off x="311699" y="1152474"/>
-            <a:ext cx="8897212" cy="3748068"/>
-          </a:xfrm>
-          <a:prstGeom prst="rect">
-            <a:avLst/>
-          </a:prstGeom>
-        </p:spPr>
-        <p:txBody>
-          <a:bodyPr spcFirstLastPara="1" vertOverflow="overflow" horzOverflow="overflow" vert="horz" wrap="square" lIns="91424" tIns="91424" rIns="91424" bIns="91424" numCol="1" spcCol="0" rtlCol="0" fromWordArt="0" anchor="t" anchorCtr="0" forceAA="0" upright="0" compatLnSpc="0">
-            <a:normAutofit/>
-          </a:bodyPr>
-          <a:lstStyle>
-            <a:lvl1pPr marL="457200" lvl="0" indent="-342900">
-              <a:spcBef>
-                <a:spcPts val="0"/>
-              </a:spcBef>
-              <a:spcAft>
-                <a:spcPts val="0"/>
-              </a:spcAft>
-              <a:buSzPts val="1800"/>
-              <a:buChar char="●"/>
-              <a:defRPr/>
-            </a:lvl1pPr>
-            <a:lvl2pPr marL="914400" lvl="1" indent="-317499">
-              <a:spcBef>
-                <a:spcPts val="0"/>
-              </a:spcBef>
-              <a:spcAft>
-                <a:spcPts val="0"/>
-              </a:spcAft>
-              <a:buSzPts val="1400"/>
-              <a:buChar char="○"/>
-              <a:defRPr/>
-            </a:lvl2pPr>
-            <a:lvl3pPr marL="1371600" lvl="2" indent="-317499">
-              <a:spcBef>
-                <a:spcPts val="0"/>
-              </a:spcBef>
-              <a:spcAft>
-                <a:spcPts val="0"/>
-              </a:spcAft>
-              <a:buSzPts val="1400"/>
-              <a:buChar char="■"/>
-              <a:defRPr/>
-            </a:lvl3pPr>
-            <a:lvl4pPr marL="1828800" lvl="3" indent="-317499">
-              <a:spcBef>
-                <a:spcPts val="0"/>
-              </a:spcBef>
-              <a:spcAft>
-                <a:spcPts val="0"/>
-              </a:spcAft>
-              <a:buSzPts val="1400"/>
-              <a:buChar char="●"/>
-              <a:defRPr/>
-            </a:lvl4pPr>
-            <a:lvl5pPr marL="2286000" lvl="4" indent="-317499">
-              <a:spcBef>
-                <a:spcPts val="0"/>
-              </a:spcBef>
-              <a:spcAft>
-                <a:spcPts val="0"/>
-              </a:spcAft>
-              <a:buSzPts val="1400"/>
-              <a:buChar char="○"/>
-              <a:defRPr/>
-            </a:lvl5pPr>
-            <a:lvl6pPr marL="2743200" lvl="5" indent="-317499">
-              <a:spcBef>
-                <a:spcPts val="0"/>
-              </a:spcBef>
-              <a:spcAft>
-                <a:spcPts val="0"/>
-              </a:spcAft>
-              <a:buSzPts val="1400"/>
-              <a:buChar char="■"/>
-              <a:defRPr/>
-            </a:lvl6pPr>
-            <a:lvl7pPr marL="3200400" lvl="6" indent="-317499">
-              <a:spcBef>
-                <a:spcPts val="0"/>
-              </a:spcBef>
-              <a:spcAft>
-                <a:spcPts val="0"/>
-              </a:spcAft>
-              <a:buSzPts val="1400"/>
-              <a:buChar char="●"/>
-              <a:defRPr/>
-            </a:lvl7pPr>
-            <a:lvl8pPr marL="3657600" lvl="7" indent="-317499">
-              <a:spcBef>
-                <a:spcPts val="0"/>
-              </a:spcBef>
-              <a:spcAft>
-                <a:spcPts val="0"/>
-              </a:spcAft>
-              <a:buSzPts val="1400"/>
-              <a:buChar char="○"/>
-              <a:defRPr/>
-            </a:lvl8pPr>
-            <a:lvl9pPr marL="4114800" lvl="8" indent="-317499">
-              <a:spcBef>
-                <a:spcPts val="0"/>
-              </a:spcBef>
-              <a:spcAft>
-                <a:spcPts val="0"/>
-              </a:spcAft>
-              <a:buSzPts val="1400"/>
-              <a:buChar char="■"/>
-              <a:defRPr/>
-            </a:lvl9pPr>
-          </a:lstStyle>
-          <a:p>
-            <a:pPr marL="114299" indent="0">
-              <a:buClr>
-                <a:schemeClr val="dk2"/>
-              </a:buClr>
-              <a:buSzPts val="1800"/>
-              <a:buNone/>
-              <a:defRPr/>
-            </a:pPr>
-            <a:endParaRPr sz="1400" b="0" i="0" u="none" strike="noStrike" cap="none" spc="0">
-              <a:solidFill>
-                <a:schemeClr val="dk2"/>
-              </a:solidFill>
-              <a:latin typeface="Arial"/>
-              <a:ea typeface="Arial"/>
-              <a:cs typeface="Arial"/>
-            </a:endParaRPr>
-          </a:p>
-          <a:p>
-            <a:pPr marL="114299" indent="0">
-              <a:buClr>
-                <a:schemeClr val="dk2"/>
-              </a:buClr>
-              <a:buSzPts val="1800"/>
-              <a:buNone/>
-              <a:defRPr/>
-            </a:pPr>
-            <a:r>
-              <a:rPr lang="en-US" sz="1400" b="0" i="0" u="none" strike="noStrike" cap="none" spc="0">
-                <a:solidFill>
-                  <a:schemeClr val="dk2"/>
-                </a:solidFill>
-                <a:latin typeface="Arial"/>
-                <a:ea typeface="Arial"/>
-                <a:cs typeface="Arial"/>
-              </a:rPr>
-              <a:t>1. locate available disks with lsblk</a:t>
-            </a:r>
-            <a:endParaRPr lang="en-US" sz="1400" b="0" i="0" u="none" strike="noStrike" cap="none" spc="0">
-              <a:solidFill>
-                <a:schemeClr val="dk2"/>
-              </a:solidFill>
-              <a:latin typeface="Arial"/>
-              <a:ea typeface="Arial"/>
-              <a:cs typeface="Arial"/>
-            </a:endParaRPr>
-          </a:p>
-          <a:p>
-            <a:pPr marL="114299" indent="0">
-              <a:buClr>
-                <a:schemeClr val="dk2"/>
-              </a:buClr>
-              <a:buSzPts val="1800"/>
-              <a:buNone/>
-              <a:defRPr/>
-            </a:pPr>
-            <a:r>
-              <a:rPr lang="en-US" sz="1400" b="0" i="0" u="none" strike="noStrike" cap="none" spc="0">
-                <a:solidFill>
-                  <a:schemeClr val="dk2"/>
-                </a:solidFill>
-                <a:latin typeface="Arial"/>
-                <a:ea typeface="Arial"/>
-                <a:cs typeface="Arial"/>
-              </a:rPr>
-              <a:t>2. zoom in on 'sda' disk with generalized sudo fdisk -l command</a:t>
-            </a:r>
-            <a:endParaRPr sz="1400" b="0" i="0" u="none" strike="noStrike" cap="none" spc="0">
-              <a:solidFill>
-                <a:schemeClr val="dk2"/>
-              </a:solidFill>
-              <a:latin typeface="Arial"/>
-              <a:cs typeface="Arial"/>
-            </a:endParaRPr>
-          </a:p>
-          <a:p>
-            <a:pPr marL="114299" indent="0">
-              <a:buClr>
-                <a:schemeClr val="dk2"/>
-              </a:buClr>
-              <a:buSzPts val="1800"/>
-              <a:buNone/>
-              <a:defRPr/>
-            </a:pPr>
-            <a:r>
-              <a:rPr lang="en-US" sz="1400" b="0" i="0" u="none" strike="noStrike" cap="none" spc="0">
-                <a:solidFill>
-                  <a:schemeClr val="dk2"/>
-                </a:solidFill>
-                <a:latin typeface="Arial"/>
-                <a:ea typeface="Arial"/>
-                <a:cs typeface="Arial"/>
-              </a:rPr>
-              <a:t>3. calculate storage and memory needs</a:t>
-            </a:r>
-            <a:endParaRPr sz="1400"/>
-          </a:p>
-          <a:p>
-            <a:pPr marL="114299" indent="0">
-              <a:buClr>
-                <a:schemeClr val="dk2"/>
-              </a:buClr>
-              <a:buSzPts val="1800"/>
-              <a:buNone/>
-              <a:defRPr/>
-            </a:pPr>
-            <a:endParaRPr sz="1400"/>
-          </a:p>
-          <a:p>
-            <a:pPr marL="114299" indent="0">
-              <a:buClr>
-                <a:schemeClr val="dk2"/>
-              </a:buClr>
-              <a:buSzPts val="1800"/>
-              <a:buNone/>
-              <a:defRPr/>
-            </a:pPr>
-            <a:endParaRPr sz="1400"/>
-          </a:p>
-          <a:p>
-            <a:pPr marL="114299" indent="0">
-              <a:buClr>
-                <a:schemeClr val="dk2"/>
-              </a:buClr>
-              <a:buSzPts val="1800"/>
-              <a:buNone/>
-              <a:defRPr/>
-            </a:pPr>
-            <a:r>
-              <a:rPr lang="en-US" sz="1400" b="0" i="0" u="none" strike="noStrike" cap="none" spc="0">
-                <a:solidFill>
-                  <a:schemeClr val="dk2"/>
-                </a:solidFill>
-                <a:latin typeface="Arial"/>
-                <a:ea typeface="Arial"/>
-                <a:cs typeface="Arial"/>
-              </a:rPr>
-              <a:t>... storage space = VDO metadata + UDS dedup index --&gt; approx. 2.5 GB disk usage + 4-5 GB for dense index storage</a:t>
-            </a:r>
-            <a:endParaRPr lang="en-US" sz="1400" b="0" i="0" u="none" strike="noStrike" cap="none" spc="0">
-              <a:solidFill>
-                <a:schemeClr val="dk2"/>
-              </a:solidFill>
-              <a:latin typeface="Arial"/>
-              <a:ea typeface="Arial"/>
-              <a:cs typeface="Arial"/>
-            </a:endParaRPr>
-          </a:p>
-          <a:p>
-            <a:pPr marL="114299" indent="0">
-              <a:buClr>
-                <a:schemeClr val="dk2"/>
-              </a:buClr>
-              <a:buSzPts val="1800"/>
-              <a:buNone/>
-              <a:defRPr/>
-            </a:pPr>
-            <a:r>
-              <a:rPr lang="en-US" sz="1400" b="0" i="0" u="none" strike="noStrike" cap="none" spc="0">
-                <a:solidFill>
-                  <a:schemeClr val="dk2"/>
-                </a:solidFill>
-                <a:latin typeface="Arial"/>
-                <a:ea typeface="Arial"/>
-                <a:cs typeface="Arial"/>
-              </a:rPr>
-              <a:t>... RAM required: min. 250 + (370 + 1 * 268) MB = 888 MB</a:t>
-            </a:r>
-            <a:endParaRPr lang="en-US" sz="1400" b="0" i="0" u="none" strike="noStrike" cap="none" spc="0">
-              <a:solidFill>
-                <a:schemeClr val="dk2"/>
-              </a:solidFill>
-              <a:latin typeface="Arial"/>
-              <a:ea typeface="Arial"/>
-              <a:cs typeface="Arial"/>
-            </a:endParaRPr>
-          </a:p>
-          <a:p>
-            <a:pPr marL="114299" indent="0">
-              <a:buClr>
-                <a:schemeClr val="dk2"/>
-              </a:buClr>
-              <a:buSzPts val="1800"/>
-              <a:buNone/>
-              <a:defRPr/>
-            </a:pPr>
-            <a:r>
-              <a:rPr lang="en-US" sz="1400" b="0" i="0" u="none" strike="noStrike" cap="none" spc="0">
-                <a:solidFill>
-                  <a:schemeClr val="dk2"/>
-                </a:solidFill>
-                <a:latin typeface="Arial"/>
-                <a:ea typeface="Arial"/>
-                <a:cs typeface="Arial"/>
-              </a:rPr>
-              <a:t>// ’*1’ is because we have 1 TB or less physical storage</a:t>
-            </a:r>
-            <a:endParaRPr lang="en-US" sz="1400" b="0" i="0" u="none" strike="noStrike" cap="none" spc="0">
-              <a:solidFill>
-                <a:schemeClr val="dk2"/>
-              </a:solidFill>
-              <a:latin typeface="Arial"/>
-              <a:ea typeface="Arial"/>
-              <a:cs typeface="Arial"/>
-            </a:endParaRPr>
-          </a:p>
-          <a:p>
-            <a:pPr marL="114299" indent="0">
-              <a:buClr>
-                <a:schemeClr val="dk2"/>
-              </a:buClr>
-              <a:buSzPts val="1800"/>
-              <a:buNone/>
-              <a:defRPr/>
-            </a:pPr>
-            <a:r>
-              <a:rPr lang="en-US" sz="1400" b="0" i="0" u="none" strike="noStrike" cap="none" spc="0">
-                <a:solidFill>
-                  <a:schemeClr val="dk2"/>
-                </a:solidFill>
-                <a:latin typeface="Arial"/>
-                <a:ea typeface="Arial"/>
-                <a:cs typeface="Arial"/>
-              </a:rPr>
-              <a:t>... 1 GB RAM --&gt; 1 TB dedup window (for dense index)</a:t>
-            </a:r>
-            <a:endParaRPr/>
-          </a:p>
-          <a:p>
-            <a:pPr marL="114299" indent="0">
-              <a:buClr>
-                <a:schemeClr val="dk2"/>
-              </a:buClr>
-              <a:buSzPts val="1800"/>
-              <a:buNone/>
-              <a:defRPr/>
-            </a:pPr>
-            <a:r>
-              <a:rPr b="1">
-                <a:solidFill>
-                  <a:srgbClr val="0000FF"/>
-                </a:solidFill>
-              </a:rPr>
-              <a:t>							issues?? yup...</a:t>
-            </a:r>
-            <a:endParaRPr b="1">
-              <a:solidFill>
-                <a:srgbClr val="0000FF"/>
-              </a:solidFill>
-            </a:endParaRPr>
-          </a:p>
-          <a:p>
-            <a:pPr marL="114299" indent="0">
-              <a:buClr>
-                <a:schemeClr val="dk2"/>
-              </a:buClr>
-              <a:buSzPts val="1800"/>
-              <a:buNone/>
-              <a:defRPr/>
-            </a:pPr>
-            <a:r>
-              <a:rPr/>
-              <a:t>	</a:t>
-            </a:r>
-            <a:endParaRPr lang="en-US" sz="1800" b="0" i="0" u="none" strike="noStrike" cap="none" spc="0">
-              <a:solidFill>
-                <a:schemeClr val="dk2"/>
-              </a:solidFill>
-              <a:latin typeface="Arial"/>
-              <a:cs typeface="Arial"/>
-            </a:endParaRPr>
-          </a:p>
-        </p:txBody>
-      </p:sp>
-    </p:spTree>
-  </p:cSld>
-  <p:clrMapOvr>
-    <a:masterClrMapping/>
-  </p:clrMapOvr>
-  <mc:AlternateContent xmlns:mc="http://schemas.openxmlformats.org/markup-compatibility/2006">
-    <mc:Choice xmlns:p159="http://schemas.microsoft.com/office/powerpoint/2015/09/main" xmlns:p14="http://schemas.microsoft.com/office/powerpoint/2010/main" Requires="p159">
-      <p:transition p14:dur="2000" advClick="1"/>
-    </mc:Choice>
-    <mc:Fallback>
-      <p:transition advClick="1"/>
-    </mc:Fallback>
-  </mc:AlternateContent>
-</p:sld>
-</file>
-
-<file path=ppt/slides/slide6.xml><?xml version="1.0" encoding="utf-8"?>
-<p:sld xmlns:a="http://schemas.openxmlformats.org/drawingml/2006/main" xmlns:r="http://schemas.openxmlformats.org/officeDocument/2006/relationships" xmlns:p="http://schemas.openxmlformats.org/presentationml/2006/main" xmlns:m="http://schemas.openxmlformats.org/officeDocument/2006/math" xmlns:w="http://schemas.openxmlformats.org/wordprocessingml/2006/main" xmlns:mc="http://schemas.openxmlformats.org/markup-compatibility/2006" showMasterPhAnim="0" showMasterSp="1" show="1">
-  <p:cSld name="">
+<file path=ppt/slides/slide12.xml><?xml version="1.0" encoding="utf-8"?>
+<p:sld xmlns:a="http://schemas.openxmlformats.org/drawingml/2006/main" xmlns:r="http://schemas.openxmlformats.org/officeDocument/2006/relationships" xmlns:p="http://schemas.openxmlformats.org/presentationml/2006/main" showMasterPhAnim="0">
+  <p:cSld>
     <p:spTree>
       <p:nvGrpSpPr>
         <p:cNvPr id="1" name=""/>
@@ -9305,22 +6963,14 @@
               <a:defRPr/>
             </a:pPr>
             <a:r>
-              <a:rPr lang="sr" sz="1800" b="1">
+              <a:rPr lang="sr" sz="1800" b="1" dirty="0">
                 <a:solidFill>
                   <a:srgbClr val="0000FF"/>
                 </a:solidFill>
               </a:rPr>
-              <a:t>Comparative </a:t>
-            </a:r>
-            <a:r>
-              <a:rPr lang="sr" sz="1800" b="1">
-                <a:solidFill>
-                  <a:srgbClr val="0000FF"/>
-                </a:solidFill>
-              </a:rPr>
-              <a:t>Algorithmic Matrix</a:t>
-            </a:r>
-            <a:endParaRPr sz="1800" b="1">
+              <a:t>Comparative Algorithmic Matrix</a:t>
+            </a:r>
+            <a:endParaRPr sz="1800" b="1" dirty="0">
               <a:solidFill>
                 <a:srgbClr val="0000FF"/>
               </a:solidFill>
@@ -9332,33 +6982,69 @@
         <p:nvGraphicFramePr>
           <p:cNvPr id="2050086252" name="Google Shape;55;p13"/>
           <p:cNvGraphicFramePr>
-            <a:graphicFrameLocks xmlns:a="http://schemas.openxmlformats.org/drawingml/2006/main"/>
+            <a:graphicFrameLocks/>
           </p:cNvGraphicFramePr>
           <p:nvPr/>
         </p:nvGraphicFramePr>
-        <p:xfrm rot="0">
+        <p:xfrm>
           <a:off x="952500" y="666750"/>
-          <a:ext cx="3000000" cy="3000000"/>
+          <a:ext cx="7239000" cy="4373670"/>
         </p:xfrm>
         <a:graphic>
           <a:graphicData uri="http://schemas.openxmlformats.org/drawingml/2006/table">
             <a:tbl>
-              <a:tblPr firstRow="0" firstCol="0" lastRow="0" lastCol="0" bandRow="0" bandCol="0">
+              <a:tblPr>
                 <a:tableStyleId>{65D93888-E404-49B0-9307-86BD6E8A61ED}</a:tableStyleId>
-                <a:noFill/>
               </a:tblPr>
               <a:tblGrid>
-                <a:gridCol w="1206500"/>
-                <a:gridCol w="1206500"/>
-                <a:gridCol w="1206500"/>
-                <a:gridCol w="1206500"/>
-                <a:gridCol w="1206500"/>
-                <a:gridCol w="1206500"/>
+                <a:gridCol w="1206500">
+                  <a:extLst>
+                    <a:ext uri="{9D8B030D-6E8A-4147-A177-3AD203B41FA5}">
+                      <a16:colId xmlns:a16="http://schemas.microsoft.com/office/drawing/2014/main" val="20000"/>
+                    </a:ext>
+                  </a:extLst>
+                </a:gridCol>
+                <a:gridCol w="1206500">
+                  <a:extLst>
+                    <a:ext uri="{9D8B030D-6E8A-4147-A177-3AD203B41FA5}">
+                      <a16:colId xmlns:a16="http://schemas.microsoft.com/office/drawing/2014/main" val="20001"/>
+                    </a:ext>
+                  </a:extLst>
+                </a:gridCol>
+                <a:gridCol w="1206500">
+                  <a:extLst>
+                    <a:ext uri="{9D8B030D-6E8A-4147-A177-3AD203B41FA5}">
+                      <a16:colId xmlns:a16="http://schemas.microsoft.com/office/drawing/2014/main" val="20002"/>
+                    </a:ext>
+                  </a:extLst>
+                </a:gridCol>
+                <a:gridCol w="1206500">
+                  <a:extLst>
+                    <a:ext uri="{9D8B030D-6E8A-4147-A177-3AD203B41FA5}">
+                      <a16:colId xmlns:a16="http://schemas.microsoft.com/office/drawing/2014/main" val="20003"/>
+                    </a:ext>
+                  </a:extLst>
+                </a:gridCol>
+                <a:gridCol w="1206500">
+                  <a:extLst>
+                    <a:ext uri="{9D8B030D-6E8A-4147-A177-3AD203B41FA5}">
+                      <a16:colId xmlns:a16="http://schemas.microsoft.com/office/drawing/2014/main" val="20004"/>
+                    </a:ext>
+                  </a:extLst>
+                </a:gridCol>
+                <a:gridCol w="1206500">
+                  <a:extLst>
+                    <a:ext uri="{9D8B030D-6E8A-4147-A177-3AD203B41FA5}">
+                      <a16:colId xmlns:a16="http://schemas.microsoft.com/office/drawing/2014/main" val="20005"/>
+                    </a:ext>
+                  </a:extLst>
+                </a:gridCol>
               </a:tblGrid>
               <a:tr h="381000">
                 <a:tc>
                   <a:txBody>
                     <a:bodyPr/>
+                    <a:lstStyle/>
                     <a:p>
                       <a:pPr marL="0" lvl="0" indent="0" algn="ctr" rtl="0">
                         <a:lnSpc>
@@ -9385,6 +7071,7 @@
                 <a:tc>
                   <a:txBody>
                     <a:bodyPr/>
+                    <a:lstStyle/>
                     <a:p>
                       <a:pPr marL="0" lvl="0" indent="0" algn="ctr" rtl="0">
                         <a:lnSpc>
@@ -9411,6 +7098,7 @@
                 <a:tc>
                   <a:txBody>
                     <a:bodyPr/>
+                    <a:lstStyle/>
                     <a:p>
                       <a:pPr marL="0" lvl="0" indent="0" algn="ctr" rtl="0">
                         <a:lnSpc>
@@ -9437,6 +7125,7 @@
                 <a:tc>
                   <a:txBody>
                     <a:bodyPr/>
+                    <a:lstStyle/>
                     <a:p>
                       <a:pPr marL="0" lvl="0" indent="0" algn="ctr" rtl="0">
                         <a:lnSpc>
@@ -9463,6 +7152,7 @@
                 <a:tc>
                   <a:txBody>
                     <a:bodyPr/>
+                    <a:lstStyle/>
                     <a:p>
                       <a:pPr marL="0" lvl="0" indent="0" algn="ctr" rtl="0">
                         <a:lnSpc>
@@ -9489,6 +7179,7 @@
                 <a:tc>
                   <a:txBody>
                     <a:bodyPr/>
+                    <a:lstStyle/>
                     <a:p>
                       <a:pPr marL="0" lvl="0" indent="0" algn="ctr" rtl="0">
                         <a:lnSpc>
@@ -9512,11 +7203,17 @@
                   </a:txBody>
                   <a:tcPr marL="91425" marR="91425" marT="91425" marB="91425"/>
                 </a:tc>
+                <a:extLst>
+                  <a:ext uri="{0D108BD9-81ED-4DB2-BD59-A6C34878D82A}">
+                    <a16:rowId xmlns:a16="http://schemas.microsoft.com/office/drawing/2014/main" val="10000"/>
+                  </a:ext>
+                </a:extLst>
               </a:tr>
               <a:tr h="381000">
                 <a:tc>
                   <a:txBody>
                     <a:bodyPr/>
+                    <a:lstStyle/>
                     <a:p>
                       <a:pPr marL="0" lvl="0" indent="0" algn="l" rtl="0">
                         <a:spcBef>
@@ -9540,6 +7237,7 @@
                 <a:tc>
                   <a:txBody>
                     <a:bodyPr/>
+                    <a:lstStyle/>
                     <a:p>
                       <a:pPr marL="0" lvl="0" indent="0" algn="l" rtl="0">
                         <a:spcBef>
@@ -9563,6 +7261,7 @@
                 <a:tc>
                   <a:txBody>
                     <a:bodyPr/>
+                    <a:lstStyle/>
                     <a:p>
                       <a:pPr marL="0" lvl="0" indent="0" algn="l" rtl="0">
                         <a:spcBef>
@@ -9586,6 +7285,7 @@
                 <a:tc>
                   <a:txBody>
                     <a:bodyPr/>
+                    <a:lstStyle/>
                     <a:p>
                       <a:pPr marL="0" lvl="0" indent="0" algn="l" rtl="0">
                         <a:spcBef>
@@ -9609,6 +7309,7 @@
                 <a:tc>
                   <a:txBody>
                     <a:bodyPr/>
+                    <a:lstStyle/>
                     <a:p>
                       <a:pPr marL="0" lvl="0" indent="0" algn="l" rtl="0">
                         <a:spcBef>
@@ -9632,6 +7333,7 @@
                 <a:tc>
                   <a:txBody>
                     <a:bodyPr/>
+                    <a:lstStyle/>
                     <a:p>
                       <a:pPr marL="0" lvl="0" indent="0" algn="l" rtl="0">
                         <a:spcBef>
@@ -9652,11 +7354,17 @@
                   </a:txBody>
                   <a:tcPr marL="91425" marR="91425" marT="91425" marB="91425"/>
                 </a:tc>
+                <a:extLst>
+                  <a:ext uri="{0D108BD9-81ED-4DB2-BD59-A6C34878D82A}">
+                    <a16:rowId xmlns:a16="http://schemas.microsoft.com/office/drawing/2014/main" val="10001"/>
+                  </a:ext>
+                </a:extLst>
               </a:tr>
               <a:tr h="381000">
                 <a:tc>
                   <a:txBody>
                     <a:bodyPr/>
+                    <a:lstStyle/>
                     <a:p>
                       <a:pPr marL="0" lvl="0" indent="0" algn="l" rtl="0">
                         <a:spcBef>
@@ -9680,6 +7388,7 @@
                 <a:tc>
                   <a:txBody>
                     <a:bodyPr/>
+                    <a:lstStyle/>
                     <a:p>
                       <a:pPr marL="0" lvl="0" indent="0" algn="l" rtl="0">
                         <a:spcBef>
@@ -9703,6 +7412,7 @@
                 <a:tc>
                   <a:txBody>
                     <a:bodyPr/>
+                    <a:lstStyle/>
                     <a:p>
                       <a:pPr marL="0" lvl="0" indent="0" algn="l" rtl="0">
                         <a:spcBef>
@@ -9726,6 +7436,7 @@
                 <a:tc>
                   <a:txBody>
                     <a:bodyPr/>
+                    <a:lstStyle/>
                     <a:p>
                       <a:pPr marL="0" lvl="0" indent="0" algn="l" rtl="0">
                         <a:spcBef>
@@ -9749,6 +7460,7 @@
                 <a:tc>
                   <a:txBody>
                     <a:bodyPr/>
+                    <a:lstStyle/>
                     <a:p>
                       <a:pPr marL="0" lvl="0" indent="0" algn="l" rtl="0">
                         <a:spcBef>
@@ -9772,6 +7484,7 @@
                 <a:tc>
                   <a:txBody>
                     <a:bodyPr/>
+                    <a:lstStyle/>
                     <a:p>
                       <a:pPr marL="0" lvl="0" indent="0" algn="l" rtl="0">
                         <a:spcBef>
@@ -9792,11 +7505,17 @@
                   </a:txBody>
                   <a:tcPr marL="91425" marR="91425" marT="91425" marB="91425"/>
                 </a:tc>
+                <a:extLst>
+                  <a:ext uri="{0D108BD9-81ED-4DB2-BD59-A6C34878D82A}">
+                    <a16:rowId xmlns:a16="http://schemas.microsoft.com/office/drawing/2014/main" val="10002"/>
+                  </a:ext>
+                </a:extLst>
               </a:tr>
               <a:tr h="381000">
                 <a:tc>
                   <a:txBody>
                     <a:bodyPr/>
+                    <a:lstStyle/>
                     <a:p>
                       <a:pPr marL="0" lvl="0" indent="0" algn="l" rtl="0">
                         <a:spcBef>
@@ -9820,6 +7539,7 @@
                 <a:tc>
                   <a:txBody>
                     <a:bodyPr/>
+                    <a:lstStyle/>
                     <a:p>
                       <a:pPr marL="0" lvl="0" indent="0" algn="l" rtl="0">
                         <a:spcBef>
@@ -9843,6 +7563,7 @@
                 <a:tc>
                   <a:txBody>
                     <a:bodyPr/>
+                    <a:lstStyle/>
                     <a:p>
                       <a:pPr marL="0" lvl="0" indent="0" algn="l" rtl="0">
                         <a:spcBef>
@@ -9866,6 +7587,7 @@
                 <a:tc>
                   <a:txBody>
                     <a:bodyPr/>
+                    <a:lstStyle/>
                     <a:p>
                       <a:pPr marL="0" lvl="0" indent="0" algn="l" rtl="0">
                         <a:spcBef>
@@ -9889,6 +7611,7 @@
                 <a:tc>
                   <a:txBody>
                     <a:bodyPr/>
+                    <a:lstStyle/>
                     <a:p>
                       <a:pPr marL="0" lvl="0" indent="0" algn="l" rtl="0">
                         <a:spcBef>
@@ -9912,6 +7635,7 @@
                 <a:tc>
                   <a:txBody>
                     <a:bodyPr/>
+                    <a:lstStyle/>
                     <a:p>
                       <a:pPr marL="0" lvl="0" indent="0" algn="l" rtl="0">
                         <a:spcBef>
@@ -9932,11 +7656,17 @@
                   </a:txBody>
                   <a:tcPr marL="91425" marR="91425" marT="91425" marB="91425"/>
                 </a:tc>
+                <a:extLst>
+                  <a:ext uri="{0D108BD9-81ED-4DB2-BD59-A6C34878D82A}">
+                    <a16:rowId xmlns:a16="http://schemas.microsoft.com/office/drawing/2014/main" val="10003"/>
+                  </a:ext>
+                </a:extLst>
               </a:tr>
               <a:tr h="381000">
                 <a:tc>
                   <a:txBody>
                     <a:bodyPr/>
+                    <a:lstStyle/>
                     <a:p>
                       <a:pPr marL="0" lvl="0" indent="0" algn="l" rtl="0">
                         <a:spcBef>
@@ -9960,6 +7690,7 @@
                 <a:tc>
                   <a:txBody>
                     <a:bodyPr/>
+                    <a:lstStyle/>
                     <a:p>
                       <a:pPr marL="0" lvl="0" indent="0" algn="l" rtl="0">
                         <a:spcBef>
@@ -9983,6 +7714,7 @@
                 <a:tc>
                   <a:txBody>
                     <a:bodyPr/>
+                    <a:lstStyle/>
                     <a:p>
                       <a:pPr marL="0" lvl="0" indent="0" algn="l" rtl="0">
                         <a:spcBef>
@@ -10006,6 +7738,7 @@
                 <a:tc>
                   <a:txBody>
                     <a:bodyPr/>
+                    <a:lstStyle/>
                     <a:p>
                       <a:pPr marL="0" lvl="0" indent="0" algn="l" rtl="0">
                         <a:spcBef>
@@ -10029,6 +7762,7 @@
                 <a:tc>
                   <a:txBody>
                     <a:bodyPr/>
+                    <a:lstStyle/>
                     <a:p>
                       <a:pPr marL="0" lvl="0" indent="0" algn="l" rtl="0">
                         <a:spcBef>
@@ -10052,6 +7786,7 @@
                 <a:tc>
                   <a:txBody>
                     <a:bodyPr/>
+                    <a:lstStyle/>
                     <a:p>
                       <a:pPr marL="0" lvl="0" indent="0" algn="l" rtl="0">
                         <a:spcBef>
@@ -10072,11 +7807,17 @@
                   </a:txBody>
                   <a:tcPr marL="91425" marR="91425" marT="91425" marB="91425"/>
                 </a:tc>
+                <a:extLst>
+                  <a:ext uri="{0D108BD9-81ED-4DB2-BD59-A6C34878D82A}">
+                    <a16:rowId xmlns:a16="http://schemas.microsoft.com/office/drawing/2014/main" val="10004"/>
+                  </a:ext>
+                </a:extLst>
               </a:tr>
               <a:tr h="381000">
                 <a:tc>
                   <a:txBody>
                     <a:bodyPr/>
+                    <a:lstStyle/>
                     <a:p>
                       <a:pPr marL="0" lvl="0" indent="0" algn="l" rtl="0">
                         <a:spcBef>
@@ -10100,6 +7841,7 @@
                 <a:tc>
                   <a:txBody>
                     <a:bodyPr/>
+                    <a:lstStyle/>
                     <a:p>
                       <a:pPr marL="0" lvl="0" indent="0" algn="l" rtl="0">
                         <a:spcBef>
@@ -10123,6 +7865,7 @@
                 <a:tc>
                   <a:txBody>
                     <a:bodyPr/>
+                    <a:lstStyle/>
                     <a:p>
                       <a:pPr marL="0" lvl="0" indent="0" algn="l" rtl="0">
                         <a:spcBef>
@@ -10146,6 +7889,7 @@
                 <a:tc>
                   <a:txBody>
                     <a:bodyPr/>
+                    <a:lstStyle/>
                     <a:p>
                       <a:pPr marL="0" lvl="0" indent="0" algn="l" rtl="0">
                         <a:spcBef>
@@ -10169,6 +7913,7 @@
                 <a:tc>
                   <a:txBody>
                     <a:bodyPr/>
+                    <a:lstStyle/>
                     <a:p>
                       <a:pPr marL="0" lvl="0" indent="0" algn="l" rtl="0">
                         <a:spcBef>
@@ -10192,6 +7937,7 @@
                 <a:tc>
                   <a:txBody>
                     <a:bodyPr/>
+                    <a:lstStyle/>
                     <a:p>
                       <a:pPr marL="0" lvl="0" indent="0" algn="l" rtl="0">
                         <a:spcBef>
@@ -10212,11 +7958,17 @@
                   </a:txBody>
                   <a:tcPr marL="91425" marR="91425" marT="91425" marB="91425"/>
                 </a:tc>
+                <a:extLst>
+                  <a:ext uri="{0D108BD9-81ED-4DB2-BD59-A6C34878D82A}">
+                    <a16:rowId xmlns:a16="http://schemas.microsoft.com/office/drawing/2014/main" val="10005"/>
+                  </a:ext>
+                </a:extLst>
               </a:tr>
               <a:tr h="381000">
                 <a:tc>
                   <a:txBody>
                     <a:bodyPr/>
+                    <a:lstStyle/>
                     <a:p>
                       <a:pPr marL="0" lvl="0" indent="0" algn="l" rtl="0">
                         <a:spcBef>
@@ -10240,6 +7992,7 @@
                 <a:tc>
                   <a:txBody>
                     <a:bodyPr/>
+                    <a:lstStyle/>
                     <a:p>
                       <a:pPr marL="0" lvl="0" indent="0" algn="l" rtl="0">
                         <a:spcBef>
@@ -10263,6 +8016,7 @@
                 <a:tc>
                   <a:txBody>
                     <a:bodyPr/>
+                    <a:lstStyle/>
                     <a:p>
                       <a:pPr marL="0" lvl="0" indent="0" algn="l" rtl="0">
                         <a:spcBef>
@@ -10286,6 +8040,7 @@
                 <a:tc>
                   <a:txBody>
                     <a:bodyPr/>
+                    <a:lstStyle/>
                     <a:p>
                       <a:pPr marL="0" lvl="0" indent="0" algn="l" rtl="0">
                         <a:spcBef>
@@ -10309,6 +8064,7 @@
                 <a:tc>
                   <a:txBody>
                     <a:bodyPr/>
+                    <a:lstStyle/>
                     <a:p>
                       <a:pPr marL="0" lvl="0" indent="0" algn="l" rtl="0">
                         <a:spcBef>
@@ -10332,6 +8088,7 @@
                 <a:tc>
                   <a:txBody>
                     <a:bodyPr/>
+                    <a:lstStyle/>
                     <a:p>
                       <a:pPr marL="0" lvl="0" indent="0" algn="l" rtl="0">
                         <a:spcBef>
@@ -10352,11 +8109,17 @@
                   </a:txBody>
                   <a:tcPr marL="91425" marR="91425" marT="91425" marB="91425"/>
                 </a:tc>
+                <a:extLst>
+                  <a:ext uri="{0D108BD9-81ED-4DB2-BD59-A6C34878D82A}">
+                    <a16:rowId xmlns:a16="http://schemas.microsoft.com/office/drawing/2014/main" val="10006"/>
+                  </a:ext>
+                </a:extLst>
               </a:tr>
               <a:tr h="381000">
                 <a:tc>
                   <a:txBody>
                     <a:bodyPr/>
+                    <a:lstStyle/>
                     <a:p>
                       <a:pPr marL="0" lvl="0" indent="0" algn="l" rtl="0">
                         <a:spcBef>
@@ -10380,6 +8143,7 @@
                 <a:tc>
                   <a:txBody>
                     <a:bodyPr/>
+                    <a:lstStyle/>
                     <a:p>
                       <a:pPr marL="0" lvl="0" indent="0" algn="l" rtl="0">
                         <a:spcBef>
@@ -10403,6 +8167,7 @@
                 <a:tc>
                   <a:txBody>
                     <a:bodyPr/>
+                    <a:lstStyle/>
                     <a:p>
                       <a:pPr marL="0" lvl="0" indent="0" algn="l" rtl="0">
                         <a:spcBef>
@@ -10426,6 +8191,7 @@
                 <a:tc>
                   <a:txBody>
                     <a:bodyPr/>
+                    <a:lstStyle/>
                     <a:p>
                       <a:pPr marL="0" lvl="0" indent="0" algn="l" rtl="0">
                         <a:spcBef>
@@ -10449,6 +8215,7 @@
                 <a:tc>
                   <a:txBody>
                     <a:bodyPr/>
+                    <a:lstStyle/>
                     <a:p>
                       <a:pPr marL="0" lvl="0" indent="0" algn="l" rtl="0">
                         <a:spcBef>
@@ -10472,6 +8239,7 @@
                 <a:tc>
                   <a:txBody>
                     <a:bodyPr/>
+                    <a:lstStyle/>
                     <a:p>
                       <a:pPr marL="0" lvl="0" indent="0" algn="l" rtl="0">
                         <a:spcBef>
@@ -10492,11 +8260,17 @@
                   </a:txBody>
                   <a:tcPr marL="91425" marR="91425" marT="91425" marB="91425"/>
                 </a:tc>
+                <a:extLst>
+                  <a:ext uri="{0D108BD9-81ED-4DB2-BD59-A6C34878D82A}">
+                    <a16:rowId xmlns:a16="http://schemas.microsoft.com/office/drawing/2014/main" val="10007"/>
+                  </a:ext>
+                </a:extLst>
               </a:tr>
               <a:tr h="381000">
                 <a:tc>
                   <a:txBody>
                     <a:bodyPr/>
+                    <a:lstStyle/>
                     <a:p>
                       <a:pPr marL="0" lvl="0" indent="0" algn="l" rtl="0">
                         <a:spcBef>
@@ -10520,6 +8294,7 @@
                 <a:tc>
                   <a:txBody>
                     <a:bodyPr/>
+                    <a:lstStyle/>
                     <a:p>
                       <a:pPr marL="0" lvl="0" indent="0" algn="l" rtl="0">
                         <a:spcBef>
@@ -10543,6 +8318,7 @@
                 <a:tc>
                   <a:txBody>
                     <a:bodyPr/>
+                    <a:lstStyle/>
                     <a:p>
                       <a:pPr marL="0" lvl="0" indent="0" algn="l" rtl="0">
                         <a:spcBef>
@@ -10566,6 +8342,7 @@
                 <a:tc>
                   <a:txBody>
                     <a:bodyPr/>
+                    <a:lstStyle/>
                     <a:p>
                       <a:pPr marL="0" lvl="0" indent="0" algn="l" rtl="0">
                         <a:spcBef>
@@ -10589,6 +8366,7 @@
                 <a:tc>
                   <a:txBody>
                     <a:bodyPr/>
+                    <a:lstStyle/>
                     <a:p>
                       <a:pPr marL="0" lvl="0" indent="0" algn="l" rtl="0">
                         <a:spcBef>
@@ -10612,6 +8390,7 @@
                 <a:tc>
                   <a:txBody>
                     <a:bodyPr/>
+                    <a:lstStyle/>
                     <a:p>
                       <a:pPr marL="0" lvl="0" indent="0" algn="l" rtl="0">
                         <a:spcBef>
@@ -10632,11 +8411,17 @@
                   </a:txBody>
                   <a:tcPr marL="91425" marR="91425" marT="91425" marB="91425"/>
                 </a:tc>
+                <a:extLst>
+                  <a:ext uri="{0D108BD9-81ED-4DB2-BD59-A6C34878D82A}">
+                    <a16:rowId xmlns:a16="http://schemas.microsoft.com/office/drawing/2014/main" val="10008"/>
+                  </a:ext>
+                </a:extLst>
               </a:tr>
               <a:tr h="381000">
                 <a:tc>
                   <a:txBody>
                     <a:bodyPr/>
+                    <a:lstStyle/>
                     <a:p>
                       <a:pPr marL="0" lvl="0" indent="0" algn="l" rtl="0">
                         <a:spcBef>
@@ -10660,6 +8445,7 @@
                 <a:tc>
                   <a:txBody>
                     <a:bodyPr/>
+                    <a:lstStyle/>
                     <a:p>
                       <a:pPr marL="0" lvl="0" indent="0" algn="l" rtl="0">
                         <a:spcBef>
@@ -10683,6 +8469,7 @@
                 <a:tc>
                   <a:txBody>
                     <a:bodyPr/>
+                    <a:lstStyle/>
                     <a:p>
                       <a:pPr marL="0" lvl="0" indent="0" algn="l" rtl="0">
                         <a:spcBef>
@@ -10706,6 +8493,7 @@
                 <a:tc>
                   <a:txBody>
                     <a:bodyPr/>
+                    <a:lstStyle/>
                     <a:p>
                       <a:pPr marL="0" lvl="0" indent="0" algn="l" rtl="0">
                         <a:spcBef>
@@ -10729,6 +8517,7 @@
                 <a:tc>
                   <a:txBody>
                     <a:bodyPr/>
+                    <a:lstStyle/>
                     <a:p>
                       <a:pPr marL="0" lvl="0" indent="0" algn="l" rtl="0">
                         <a:spcBef>
@@ -10752,6 +8541,7 @@
                 <a:tc>
                   <a:txBody>
                     <a:bodyPr/>
+                    <a:lstStyle/>
                     <a:p>
                       <a:pPr marL="0" lvl="0" indent="0" algn="l" rtl="0">
                         <a:spcBef>
@@ -10772,6 +8562,11 @@
                   </a:txBody>
                   <a:tcPr marL="91425" marR="91425" marT="91425" marB="91425"/>
                 </a:tc>
+                <a:extLst>
+                  <a:ext uri="{0D108BD9-81ED-4DB2-BD59-A6C34878D82A}">
+                    <a16:rowId xmlns:a16="http://schemas.microsoft.com/office/drawing/2014/main" val="10009"/>
+                  </a:ext>
+                </a:extLst>
               </a:tr>
             </a:tbl>
           </a:graphicData>
@@ -10809,19 +8604,19 @@
     <a:masterClrMapping/>
   </p:clrMapOvr>
   <mc:AlternateContent xmlns:mc="http://schemas.openxmlformats.org/markup-compatibility/2006">
-    <mc:Choice xmlns:p159="http://schemas.microsoft.com/office/powerpoint/2015/09/main" xmlns:p14="http://schemas.microsoft.com/office/powerpoint/2010/main" Requires="p159">
+    <mc:Choice xmlns:p14="http://schemas.microsoft.com/office/powerpoint/2010/main" xmlns:p159="http://schemas.microsoft.com/office/powerpoint/2015/09/main" xmlns:w="http://schemas.openxmlformats.org/wordprocessingml/2006/main" xmlns:m="http://schemas.openxmlformats.org/officeDocument/2006/math" xmlns="" Requires="p159">
       <p:transition p14:dur="2000" advClick="1"/>
     </mc:Choice>
     <mc:Fallback>
-      <p:transition advClick="1"/>
+      <p:transition/>
     </mc:Fallback>
   </mc:AlternateContent>
 </p:sld>
 </file>
 
-<file path=ppt/slides/slide7.xml><?xml version="1.0" encoding="utf-8"?>
-<p:sld xmlns:a="http://schemas.openxmlformats.org/drawingml/2006/main" xmlns:r="http://schemas.openxmlformats.org/officeDocument/2006/relationships" xmlns:p="http://schemas.openxmlformats.org/presentationml/2006/main" xmlns:m="http://schemas.openxmlformats.org/officeDocument/2006/math" xmlns:w="http://schemas.openxmlformats.org/wordprocessingml/2006/main" xmlns:mc="http://schemas.openxmlformats.org/markup-compatibility/2006" showMasterPhAnim="0" showMasterSp="1" show="1">
-  <p:cSld name="">
+<file path=ppt/slides/slide13.xml><?xml version="1.0" encoding="utf-8"?>
+<p:sld xmlns:a="http://schemas.openxmlformats.org/drawingml/2006/main" xmlns:r="http://schemas.openxmlformats.org/officeDocument/2006/relationships" xmlns:p="http://schemas.openxmlformats.org/presentationml/2006/main" showMasterPhAnim="0">
+  <p:cSld>
     <p:spTree>
       <p:nvGrpSpPr>
         <p:cNvPr id="1" name=""/>
@@ -10839,7 +8634,9 @@
       <p:sp>
         <p:nvSpPr>
           <p:cNvPr id="398570829" name="Google Shape;61;p14"/>
-          <p:cNvSpPr txBox="1"/>
+          <p:cNvSpPr txBox="1">
+            <a:spLocks noGrp="1"/>
+          </p:cNvSpPr>
           <p:nvPr>
             <p:ph type="body" idx="1"/>
           </p:nvPr>
@@ -11203,14 +9000,14 @@
               <a:defRPr/>
             </a:pPr>
             <a:r>
-              <a:rPr lang="sr" sz="1800" b="1">
+              <a:rPr lang="sr" sz="1800" b="1" dirty="0">
                 <a:solidFill>
                   <a:srgbClr val="0000FF"/>
                 </a:solidFill>
               </a:rPr>
               <a:t>Key Architectural Differences</a:t>
             </a:r>
-            <a:endParaRPr sz="1800" b="1">
+            <a:endParaRPr sz="1800" b="1" dirty="0">
               <a:solidFill>
                 <a:srgbClr val="0000FF"/>
               </a:solidFill>
@@ -11227,7 +9024,7 @@
               <a:buNone/>
               <a:defRPr/>
             </a:pPr>
-            <a:endParaRPr sz="1800" b="1">
+            <a:endParaRPr sz="1800" b="1" dirty="0">
               <a:solidFill>
                 <a:srgbClr val="0000FF"/>
               </a:solidFill>
@@ -11267,19 +9064,19 @@
     <a:masterClrMapping/>
   </p:clrMapOvr>
   <mc:AlternateContent xmlns:mc="http://schemas.openxmlformats.org/markup-compatibility/2006">
-    <mc:Choice xmlns:p159="http://schemas.microsoft.com/office/powerpoint/2015/09/main" xmlns:p14="http://schemas.microsoft.com/office/powerpoint/2010/main" Requires="p159">
+    <mc:Choice xmlns:p14="http://schemas.microsoft.com/office/powerpoint/2010/main" xmlns:p159="http://schemas.microsoft.com/office/powerpoint/2015/09/main" xmlns:w="http://schemas.openxmlformats.org/wordprocessingml/2006/main" xmlns:m="http://schemas.openxmlformats.org/officeDocument/2006/math" xmlns="" Requires="p159">
       <p:transition p14:dur="2000" advClick="1"/>
     </mc:Choice>
     <mc:Fallback>
-      <p:transition advClick="1"/>
+      <p:transition/>
     </mc:Fallback>
   </mc:AlternateContent>
 </p:sld>
 </file>
 
-<file path=ppt/slides/slide8.xml><?xml version="1.0" encoding="utf-8"?>
-<p:sld xmlns:a="http://schemas.openxmlformats.org/drawingml/2006/main" xmlns:r="http://schemas.openxmlformats.org/officeDocument/2006/relationships" xmlns:p="http://schemas.openxmlformats.org/presentationml/2006/main" xmlns:m="http://schemas.openxmlformats.org/officeDocument/2006/math" xmlns:w="http://schemas.openxmlformats.org/wordprocessingml/2006/main" xmlns:mc="http://schemas.openxmlformats.org/markup-compatibility/2006" showMasterPhAnim="0" showMasterSp="1" show="1">
-  <p:cSld name="">
+<file path=ppt/slides/slide14.xml><?xml version="1.0" encoding="utf-8"?>
+<p:sld xmlns:a="http://schemas.openxmlformats.org/drawingml/2006/main" xmlns:r="http://schemas.openxmlformats.org/officeDocument/2006/relationships" xmlns:p="http://schemas.openxmlformats.org/presentationml/2006/main" showMasterPhAnim="0">
+  <p:cSld>
     <p:spTree>
       <p:nvGrpSpPr>
         <p:cNvPr id="1" name=""/>
@@ -11297,7 +9094,9 @@
       <p:sp>
         <p:nvSpPr>
           <p:cNvPr id="111067217" name="Google Shape;68;p15"/>
-          <p:cNvSpPr txBox="1"/>
+          <p:cNvSpPr txBox="1">
+            <a:spLocks noGrp="1"/>
+          </p:cNvSpPr>
           <p:nvPr>
             <p:ph type="body" idx="1"/>
           </p:nvPr>
@@ -11635,19 +9434,19 @@
     <a:masterClrMapping/>
   </p:clrMapOvr>
   <mc:AlternateContent xmlns:mc="http://schemas.openxmlformats.org/markup-compatibility/2006">
-    <mc:Choice xmlns:p159="http://schemas.microsoft.com/office/powerpoint/2015/09/main" xmlns:p14="http://schemas.microsoft.com/office/powerpoint/2010/main" Requires="p159">
+    <mc:Choice xmlns:p14="http://schemas.microsoft.com/office/powerpoint/2010/main" xmlns:p159="http://schemas.microsoft.com/office/powerpoint/2015/09/main" xmlns:w="http://schemas.openxmlformats.org/wordprocessingml/2006/main" xmlns:m="http://schemas.openxmlformats.org/officeDocument/2006/math" xmlns="" Requires="p159">
       <p:transition p14:dur="2000" advClick="1"/>
     </mc:Choice>
     <mc:Fallback>
-      <p:transition advClick="1"/>
+      <p:transition/>
     </mc:Fallback>
   </mc:AlternateContent>
 </p:sld>
 </file>
 
-<file path=ppt/slides/slide9.xml><?xml version="1.0" encoding="utf-8"?>
-<p:sld xmlns:a="http://schemas.openxmlformats.org/drawingml/2006/main" xmlns:r="http://schemas.openxmlformats.org/officeDocument/2006/relationships" xmlns:p="http://schemas.openxmlformats.org/presentationml/2006/main" xmlns:m="http://schemas.openxmlformats.org/officeDocument/2006/math" xmlns:w="http://schemas.openxmlformats.org/wordprocessingml/2006/main" xmlns:mc="http://schemas.openxmlformats.org/markup-compatibility/2006" showMasterPhAnim="0" showMasterSp="1" show="1">
-  <p:cSld name="">
+<file path=ppt/slides/slide15.xml><?xml version="1.0" encoding="utf-8"?>
+<p:sld xmlns:a="http://schemas.openxmlformats.org/drawingml/2006/main" xmlns:r="http://schemas.openxmlformats.org/officeDocument/2006/relationships" xmlns:p="http://schemas.openxmlformats.org/presentationml/2006/main" showMasterPhAnim="0">
+  <p:cSld>
     <p:spTree>
       <p:nvGrpSpPr>
         <p:cNvPr id="1" name=""/>
@@ -11665,7 +9464,9 @@
       <p:sp>
         <p:nvSpPr>
           <p:cNvPr id="1078199350" name="Google Shape;75;p16"/>
-          <p:cNvSpPr txBox="1"/>
+          <p:cNvSpPr txBox="1">
+            <a:spLocks noGrp="1"/>
+          </p:cNvSpPr>
           <p:nvPr>
             <p:ph type="body" idx="1"/>
           </p:nvPr>
@@ -12008,18 +9809,3495 @@
     <a:masterClrMapping/>
   </p:clrMapOvr>
   <mc:AlternateContent xmlns:mc="http://schemas.openxmlformats.org/markup-compatibility/2006">
-    <mc:Choice xmlns:p159="http://schemas.microsoft.com/office/powerpoint/2015/09/main" xmlns:p14="http://schemas.microsoft.com/office/powerpoint/2010/main" Requires="p159">
+    <mc:Choice xmlns:p14="http://schemas.microsoft.com/office/powerpoint/2010/main" xmlns:p159="http://schemas.microsoft.com/office/powerpoint/2015/09/main" xmlns:w="http://schemas.openxmlformats.org/wordprocessingml/2006/main" xmlns:m="http://schemas.openxmlformats.org/officeDocument/2006/math" xmlns="" Requires="p159">
       <p:transition p14:dur="2000" advClick="1"/>
     </mc:Choice>
     <mc:Fallback>
-      <p:transition advClick="1"/>
+      <p:transition/>
     </mc:Fallback>
   </mc:AlternateContent>
 </p:sld>
 </file>
 
+<file path=ppt/slides/slide16.xml><?xml version="1.0" encoding="utf-8"?>
+<p:sld xmlns:a="http://schemas.openxmlformats.org/drawingml/2006/main" xmlns:r="http://schemas.openxmlformats.org/officeDocument/2006/relationships" xmlns:p="http://schemas.openxmlformats.org/presentationml/2006/main" showMasterPhAnim="0">
+  <p:cSld>
+    <p:spTree>
+      <p:nvGrpSpPr>
+        <p:cNvPr id="1" name=""/>
+        <p:cNvGrpSpPr/>
+        <p:nvPr/>
+      </p:nvGrpSpPr>
+      <p:grpSpPr bwMode="auto">
+        <a:xfrm>
+          <a:off x="0" y="0"/>
+          <a:ext cx="0" cy="0"/>
+          <a:chOff x="0" y="0"/>
+          <a:chExt cx="0" cy="0"/>
+        </a:xfrm>
+      </p:grpSpPr>
+      <p:sp>
+        <p:nvSpPr>
+          <p:cNvPr id="316089224" name="Google Shape;82;p17"/>
+          <p:cNvSpPr txBox="1">
+            <a:spLocks noGrp="1"/>
+          </p:cNvSpPr>
+          <p:nvPr>
+            <p:ph type="body" idx="1"/>
+          </p:nvPr>
+        </p:nvSpPr>
+        <p:spPr bwMode="auto">
+          <a:xfrm>
+            <a:off x="311700" y="699275"/>
+            <a:ext cx="8520600" cy="4312200"/>
+          </a:xfrm>
+          <a:prstGeom prst="rect">
+            <a:avLst/>
+          </a:prstGeom>
+        </p:spPr>
+        <p:txBody>
+          <a:bodyPr spcFirstLastPara="1" wrap="square" lIns="91425" tIns="91425" rIns="91425" bIns="91425" anchor="t" anchorCtr="0">
+            <a:normAutofit/>
+          </a:bodyPr>
+          <a:lstStyle/>
+          <a:p>
+            <a:pPr marL="0" lvl="0" indent="0" algn="l" rtl="0">
+              <a:spcBef>
+                <a:spcPts val="1400"/>
+              </a:spcBef>
+              <a:spcAft>
+                <a:spcPts val="0"/>
+              </a:spcAft>
+              <a:buClr>
+                <a:schemeClr val="dk1"/>
+              </a:buClr>
+              <a:buSzPts val="1100"/>
+              <a:buFont typeface="Arial"/>
+              <a:buNone/>
+              <a:defRPr/>
+            </a:pPr>
+            <a:r>
+              <a:rPr lang="sr" sz="1300" b="1">
+                <a:solidFill>
+                  <a:schemeClr val="dk1"/>
+                </a:solidFill>
+              </a:rPr>
+              <a:t>Impact on memory usage</a:t>
+            </a:r>
+            <a:endParaRPr sz="1300" b="1">
+              <a:solidFill>
+                <a:schemeClr val="dk1"/>
+              </a:solidFill>
+            </a:endParaRPr>
+          </a:p>
+          <a:p>
+            <a:pPr marL="457200" lvl="0" indent="-298450" algn="l" rtl="0">
+              <a:spcBef>
+                <a:spcPts val="1200"/>
+              </a:spcBef>
+              <a:spcAft>
+                <a:spcPts val="0"/>
+              </a:spcAft>
+              <a:buClr>
+                <a:schemeClr val="dk1"/>
+              </a:buClr>
+              <a:buSzPts val="1100"/>
+              <a:buChar char="➢"/>
+              <a:defRPr/>
+            </a:pPr>
+            <a:r>
+              <a:rPr lang="sr" sz="1100">
+                <a:solidFill>
+                  <a:schemeClr val="dk1"/>
+                </a:solidFill>
+              </a:rPr>
+              <a:t>ZFS requires large RAM for the DDT</a:t>
+            </a:r>
+            <a:br>
+              <a:rPr lang="sr" sz="1100">
+                <a:solidFill>
+                  <a:schemeClr val="dk1"/>
+                </a:solidFill>
+              </a:rPr>
+            </a:br>
+            <a:endParaRPr sz="1100">
+              <a:solidFill>
+                <a:schemeClr val="dk1"/>
+              </a:solidFill>
+            </a:endParaRPr>
+          </a:p>
+          <a:p>
+            <a:pPr marL="457200" lvl="0" indent="-298450" algn="l" rtl="0">
+              <a:spcBef>
+                <a:spcPts val="0"/>
+              </a:spcBef>
+              <a:spcAft>
+                <a:spcPts val="0"/>
+              </a:spcAft>
+              <a:buClr>
+                <a:schemeClr val="dk1"/>
+              </a:buClr>
+              <a:buSzPts val="1100"/>
+              <a:buChar char="➢"/>
+              <a:defRPr/>
+            </a:pPr>
+            <a:r>
+              <a:rPr lang="sr" sz="1100">
+                <a:solidFill>
+                  <a:schemeClr val="dk1"/>
+                </a:solidFill>
+              </a:rPr>
+              <a:t>Other systems reduce memory footprint using caching and partitioning</a:t>
+            </a:r>
+            <a:br>
+              <a:rPr lang="sr" sz="1100">
+                <a:solidFill>
+                  <a:schemeClr val="dk1"/>
+                </a:solidFill>
+              </a:rPr>
+            </a:br>
+            <a:endParaRPr sz="1100">
+              <a:solidFill>
+                <a:schemeClr val="dk1"/>
+              </a:solidFill>
+            </a:endParaRPr>
+          </a:p>
+          <a:p>
+            <a:pPr marL="0" lvl="0" indent="0" algn="l" rtl="0">
+              <a:spcBef>
+                <a:spcPts val="1400"/>
+              </a:spcBef>
+              <a:spcAft>
+                <a:spcPts val="0"/>
+              </a:spcAft>
+              <a:buNone/>
+              <a:defRPr/>
+            </a:pPr>
+            <a:r>
+              <a:rPr lang="sr" sz="1300" b="1">
+                <a:solidFill>
+                  <a:schemeClr val="dk1"/>
+                </a:solidFill>
+              </a:rPr>
+              <a:t>Impact on storage efficiency</a:t>
+            </a:r>
+            <a:endParaRPr sz="1300" b="1">
+              <a:solidFill>
+                <a:schemeClr val="dk1"/>
+              </a:solidFill>
+            </a:endParaRPr>
+          </a:p>
+          <a:p>
+            <a:pPr marL="457200" lvl="0" indent="-298450" algn="l" rtl="0">
+              <a:spcBef>
+                <a:spcPts val="1200"/>
+              </a:spcBef>
+              <a:spcAft>
+                <a:spcPts val="0"/>
+              </a:spcAft>
+              <a:buClr>
+                <a:schemeClr val="dk1"/>
+              </a:buClr>
+              <a:buSzPts val="1100"/>
+              <a:buChar char="➢"/>
+              <a:defRPr/>
+            </a:pPr>
+            <a:r>
+              <a:rPr lang="sr" sz="1100">
+                <a:solidFill>
+                  <a:schemeClr val="dk1"/>
+                </a:solidFill>
+              </a:rPr>
+              <a:t>Deduplication + compression maximize space savings</a:t>
+            </a:r>
+            <a:br>
+              <a:rPr lang="sr" sz="1100">
+                <a:solidFill>
+                  <a:schemeClr val="dk1"/>
+                </a:solidFill>
+              </a:rPr>
+            </a:br>
+            <a:endParaRPr sz="1100">
+              <a:solidFill>
+                <a:schemeClr val="dk1"/>
+              </a:solidFill>
+            </a:endParaRPr>
+          </a:p>
+          <a:p>
+            <a:pPr marL="457200" lvl="0" indent="-298450" algn="l" rtl="0">
+              <a:spcBef>
+                <a:spcPts val="0"/>
+              </a:spcBef>
+              <a:spcAft>
+                <a:spcPts val="0"/>
+              </a:spcAft>
+              <a:buClr>
+                <a:schemeClr val="dk1"/>
+              </a:buClr>
+              <a:buSzPts val="1100"/>
+              <a:buChar char="➢"/>
+              <a:defRPr/>
+            </a:pPr>
+            <a:r>
+              <a:rPr lang="sr" sz="1100">
+                <a:solidFill>
+                  <a:schemeClr val="dk1"/>
+                </a:solidFill>
+              </a:rPr>
+              <a:t>Incorrect operation order reduces efficiency</a:t>
+            </a:r>
+            <a:endParaRPr sz="1100">
+              <a:solidFill>
+                <a:schemeClr val="dk1"/>
+              </a:solidFill>
+            </a:endParaRPr>
+          </a:p>
+          <a:p>
+            <a:pPr marL="457200" lvl="0" indent="0" algn="l" rtl="0">
+              <a:spcBef>
+                <a:spcPts val="1200"/>
+              </a:spcBef>
+              <a:spcAft>
+                <a:spcPts val="0"/>
+              </a:spcAft>
+              <a:buNone/>
+              <a:defRPr/>
+            </a:pPr>
+            <a:endParaRPr sz="1300" b="1">
+              <a:solidFill>
+                <a:schemeClr val="dk1"/>
+              </a:solidFill>
+            </a:endParaRPr>
+          </a:p>
+          <a:p>
+            <a:pPr marL="457200" lvl="0" indent="0" algn="l" rtl="0">
+              <a:spcBef>
+                <a:spcPts val="1200"/>
+              </a:spcBef>
+              <a:spcAft>
+                <a:spcPts val="0"/>
+              </a:spcAft>
+              <a:buNone/>
+              <a:defRPr/>
+            </a:pPr>
+            <a:endParaRPr sz="1300" b="1">
+              <a:solidFill>
+                <a:schemeClr val="dk1"/>
+              </a:solidFill>
+            </a:endParaRPr>
+          </a:p>
+          <a:p>
+            <a:pPr marL="0" lvl="0" indent="0" algn="l" rtl="0">
+              <a:spcBef>
+                <a:spcPts val="1200"/>
+              </a:spcBef>
+              <a:spcAft>
+                <a:spcPts val="0"/>
+              </a:spcAft>
+              <a:buNone/>
+              <a:defRPr/>
+            </a:pPr>
+            <a:endParaRPr sz="1300" b="1">
+              <a:solidFill>
+                <a:schemeClr val="dk1"/>
+              </a:solidFill>
+            </a:endParaRPr>
+          </a:p>
+          <a:p>
+            <a:pPr marL="0" lvl="0" indent="0" algn="l" rtl="0">
+              <a:spcBef>
+                <a:spcPts val="1200"/>
+              </a:spcBef>
+              <a:spcAft>
+                <a:spcPts val="1200"/>
+              </a:spcAft>
+              <a:buNone/>
+              <a:defRPr/>
+            </a:pPr>
+            <a:endParaRPr/>
+          </a:p>
+        </p:txBody>
+      </p:sp>
+      <p:sp>
+        <p:nvSpPr>
+          <p:cNvPr id="967347564" name="Google Shape;83;p17"/>
+          <p:cNvSpPr txBox="1"/>
+          <p:nvPr/>
+        </p:nvSpPr>
+        <p:spPr bwMode="auto">
+          <a:xfrm>
+            <a:off x="96599" y="51100"/>
+            <a:ext cx="4475400" cy="461700"/>
+          </a:xfrm>
+          <a:prstGeom prst="rect">
+            <a:avLst/>
+          </a:prstGeom>
+          <a:noFill/>
+          <a:ln>
+            <a:noFill/>
+          </a:ln>
+        </p:spPr>
+        <p:txBody>
+          <a:bodyPr spcFirstLastPara="1" wrap="square" lIns="91425" tIns="91425" rIns="91425" bIns="91425" anchor="t" anchorCtr="0">
+            <a:spAutoFit/>
+          </a:bodyPr>
+          <a:lstStyle/>
+          <a:p>
+            <a:pPr marL="0" lvl="0" indent="0" algn="l" rtl="0">
+              <a:spcBef>
+                <a:spcPts val="0"/>
+              </a:spcBef>
+              <a:spcAft>
+                <a:spcPts val="0"/>
+              </a:spcAft>
+              <a:buNone/>
+              <a:defRPr/>
+            </a:pPr>
+            <a:r>
+              <a:rPr lang="sr" sz="1800" b="1">
+                <a:solidFill>
+                  <a:srgbClr val="0000FF"/>
+                </a:solidFill>
+              </a:rPr>
+              <a:t>Implications for Performance</a:t>
+            </a:r>
+            <a:endParaRPr sz="1800" b="1">
+              <a:solidFill>
+                <a:srgbClr val="0000FF"/>
+              </a:solidFill>
+            </a:endParaRPr>
+          </a:p>
+        </p:txBody>
+      </p:sp>
+      <p:cxnSp>
+        <p:nvCxnSpPr>
+          <p:cNvPr id="1261197278" name="Google Shape;84;p17"/>
+          <p:cNvCxnSpPr/>
+          <p:nvPr/>
+        </p:nvCxnSpPr>
+        <p:spPr bwMode="auto">
+          <a:xfrm>
+            <a:off x="23300" y="512799"/>
+            <a:ext cx="4211100" cy="0"/>
+          </a:xfrm>
+          <a:prstGeom prst="straightConnector1">
+            <a:avLst/>
+          </a:prstGeom>
+          <a:noFill/>
+          <a:ln w="19050" cap="flat" cmpd="sng">
+            <a:solidFill>
+              <a:schemeClr val="dk1"/>
+            </a:solidFill>
+            <a:prstDash val="solid"/>
+            <a:round/>
+            <a:headEnd type="none" w="med" len="med"/>
+            <a:tailEnd type="none" w="med" len="med"/>
+          </a:ln>
+        </p:spPr>
+      </p:cxnSp>
+    </p:spTree>
+  </p:cSld>
+  <p:clrMapOvr>
+    <a:masterClrMapping/>
+  </p:clrMapOvr>
+  <mc:AlternateContent xmlns:mc="http://schemas.openxmlformats.org/markup-compatibility/2006">
+    <mc:Choice xmlns:p14="http://schemas.microsoft.com/office/powerpoint/2010/main" xmlns:p159="http://schemas.microsoft.com/office/powerpoint/2015/09/main" xmlns:w="http://schemas.openxmlformats.org/wordprocessingml/2006/main" xmlns:m="http://schemas.openxmlformats.org/officeDocument/2006/math" xmlns="" Requires="p159">
+      <p:transition p14:dur="2000" advClick="1"/>
+    </mc:Choice>
+    <mc:Fallback>
+      <p:transition/>
+    </mc:Fallback>
+  </mc:AlternateContent>
+</p:sld>
+</file>
+
+<file path=ppt/slides/slide17.xml><?xml version="1.0" encoding="utf-8"?>
+<p:sld xmlns:a="http://schemas.openxmlformats.org/drawingml/2006/main" xmlns:r="http://schemas.openxmlformats.org/officeDocument/2006/relationships" xmlns:p="http://schemas.openxmlformats.org/presentationml/2006/main" showMasterPhAnim="0">
+  <p:cSld>
+    <p:spTree>
+      <p:nvGrpSpPr>
+        <p:cNvPr id="1" name=""/>
+        <p:cNvGrpSpPr/>
+        <p:nvPr/>
+      </p:nvGrpSpPr>
+      <p:grpSpPr bwMode="auto">
+        <a:xfrm>
+          <a:off x="0" y="0"/>
+          <a:ext cx="0" cy="0"/>
+          <a:chOff x="0" y="0"/>
+          <a:chExt cx="0" cy="0"/>
+        </a:xfrm>
+      </p:grpSpPr>
+      <p:sp>
+        <p:nvSpPr>
+          <p:cNvPr id="1981261335" name="Google Shape;17;p4"/>
+          <p:cNvSpPr txBox="1">
+            <a:spLocks noGrp="1"/>
+          </p:cNvSpPr>
+          <p:nvPr>
+            <p:ph type="title"/>
+          </p:nvPr>
+        </p:nvSpPr>
+        <p:spPr bwMode="auto">
+          <a:xfrm>
+            <a:off x="311699" y="445024"/>
+            <a:ext cx="8520599" cy="572699"/>
+          </a:xfrm>
+          <a:prstGeom prst="rect">
+            <a:avLst/>
+          </a:prstGeom>
+        </p:spPr>
+        <p:txBody>
+          <a:bodyPr/>
+          <a:lstStyle>
+            <a:lvl1pPr lvl="0">
+              <a:spcBef>
+                <a:spcPts val="0"/>
+              </a:spcBef>
+              <a:spcAft>
+                <a:spcPts val="0"/>
+              </a:spcAft>
+              <a:buSzPts val="2800"/>
+              <a:buNone/>
+              <a:defRPr/>
+            </a:lvl1pPr>
+            <a:lvl2pPr lvl="1">
+              <a:spcBef>
+                <a:spcPts val="0"/>
+              </a:spcBef>
+              <a:spcAft>
+                <a:spcPts val="0"/>
+              </a:spcAft>
+              <a:buSzPts val="2800"/>
+              <a:buNone/>
+              <a:defRPr/>
+            </a:lvl2pPr>
+            <a:lvl3pPr lvl="2">
+              <a:spcBef>
+                <a:spcPts val="0"/>
+              </a:spcBef>
+              <a:spcAft>
+                <a:spcPts val="0"/>
+              </a:spcAft>
+              <a:buSzPts val="2800"/>
+              <a:buNone/>
+              <a:defRPr/>
+            </a:lvl3pPr>
+            <a:lvl4pPr lvl="3">
+              <a:spcBef>
+                <a:spcPts val="0"/>
+              </a:spcBef>
+              <a:spcAft>
+                <a:spcPts val="0"/>
+              </a:spcAft>
+              <a:buSzPts val="2800"/>
+              <a:buNone/>
+              <a:defRPr/>
+            </a:lvl4pPr>
+            <a:lvl5pPr lvl="4">
+              <a:spcBef>
+                <a:spcPts val="0"/>
+              </a:spcBef>
+              <a:spcAft>
+                <a:spcPts val="0"/>
+              </a:spcAft>
+              <a:buSzPts val="2800"/>
+              <a:buNone/>
+              <a:defRPr/>
+            </a:lvl5pPr>
+            <a:lvl6pPr lvl="5">
+              <a:spcBef>
+                <a:spcPts val="0"/>
+              </a:spcBef>
+              <a:spcAft>
+                <a:spcPts val="0"/>
+              </a:spcAft>
+              <a:buSzPts val="2800"/>
+              <a:buNone/>
+              <a:defRPr/>
+            </a:lvl6pPr>
+            <a:lvl7pPr lvl="6">
+              <a:spcBef>
+                <a:spcPts val="0"/>
+              </a:spcBef>
+              <a:spcAft>
+                <a:spcPts val="0"/>
+              </a:spcAft>
+              <a:buSzPts val="2800"/>
+              <a:buNone/>
+              <a:defRPr/>
+            </a:lvl7pPr>
+            <a:lvl8pPr lvl="7">
+              <a:spcBef>
+                <a:spcPts val="0"/>
+              </a:spcBef>
+              <a:spcAft>
+                <a:spcPts val="0"/>
+              </a:spcAft>
+              <a:buSzPts val="2800"/>
+              <a:buNone/>
+              <a:defRPr/>
+            </a:lvl8pPr>
+            <a:lvl9pPr lvl="8">
+              <a:spcBef>
+                <a:spcPts val="0"/>
+              </a:spcBef>
+              <a:spcAft>
+                <a:spcPts val="0"/>
+              </a:spcAft>
+              <a:buSzPts val="2800"/>
+              <a:buNone/>
+              <a:defRPr/>
+            </a:lvl9pPr>
+          </a:lstStyle>
+          <a:p>
+            <a:pPr>
+              <a:defRPr/>
+            </a:pPr>
+            <a:r>
+              <a:rPr sz="1800" b="1">
+                <a:solidFill>
+                  <a:srgbClr val="0000FF"/>
+                </a:solidFill>
+              </a:rPr>
+              <a:t>Resources</a:t>
+            </a:r>
+          </a:p>
+        </p:txBody>
+      </p:sp>
+      <p:sp>
+        <p:nvSpPr>
+          <p:cNvPr id="1394032093" name="Google Shape;18;p4"/>
+          <p:cNvSpPr txBox="1">
+            <a:spLocks noGrp="1"/>
+          </p:cNvSpPr>
+          <p:nvPr>
+            <p:ph type="body" idx="1"/>
+          </p:nvPr>
+        </p:nvSpPr>
+        <p:spPr bwMode="auto">
+          <a:xfrm>
+            <a:off x="311699" y="1152474"/>
+            <a:ext cx="8520599" cy="3416400"/>
+          </a:xfrm>
+          <a:prstGeom prst="rect">
+            <a:avLst/>
+          </a:prstGeom>
+        </p:spPr>
+        <p:txBody>
+          <a:bodyPr/>
+          <a:lstStyle>
+            <a:lvl1pPr marL="457200" lvl="0" indent="-342900">
+              <a:spcBef>
+                <a:spcPts val="0"/>
+              </a:spcBef>
+              <a:spcAft>
+                <a:spcPts val="0"/>
+              </a:spcAft>
+              <a:buSzPts val="1800"/>
+              <a:buChar char="●"/>
+              <a:defRPr/>
+            </a:lvl1pPr>
+            <a:lvl2pPr marL="914400" lvl="1" indent="-317499">
+              <a:spcBef>
+                <a:spcPts val="0"/>
+              </a:spcBef>
+              <a:spcAft>
+                <a:spcPts val="0"/>
+              </a:spcAft>
+              <a:buSzPts val="1400"/>
+              <a:buChar char="○"/>
+              <a:defRPr/>
+            </a:lvl2pPr>
+            <a:lvl3pPr marL="1371600" lvl="2" indent="-317499">
+              <a:spcBef>
+                <a:spcPts val="0"/>
+              </a:spcBef>
+              <a:spcAft>
+                <a:spcPts val="0"/>
+              </a:spcAft>
+              <a:buSzPts val="1400"/>
+              <a:buChar char="■"/>
+              <a:defRPr/>
+            </a:lvl3pPr>
+            <a:lvl4pPr marL="1828800" lvl="3" indent="-317499">
+              <a:spcBef>
+                <a:spcPts val="0"/>
+              </a:spcBef>
+              <a:spcAft>
+                <a:spcPts val="0"/>
+              </a:spcAft>
+              <a:buSzPts val="1400"/>
+              <a:buChar char="●"/>
+              <a:defRPr/>
+            </a:lvl4pPr>
+            <a:lvl5pPr marL="2286000" lvl="4" indent="-317499">
+              <a:spcBef>
+                <a:spcPts val="0"/>
+              </a:spcBef>
+              <a:spcAft>
+                <a:spcPts val="0"/>
+              </a:spcAft>
+              <a:buSzPts val="1400"/>
+              <a:buChar char="○"/>
+              <a:defRPr/>
+            </a:lvl5pPr>
+            <a:lvl6pPr marL="2743200" lvl="5" indent="-317499">
+              <a:spcBef>
+                <a:spcPts val="0"/>
+              </a:spcBef>
+              <a:spcAft>
+                <a:spcPts val="0"/>
+              </a:spcAft>
+              <a:buSzPts val="1400"/>
+              <a:buChar char="■"/>
+              <a:defRPr/>
+            </a:lvl6pPr>
+            <a:lvl7pPr marL="3200400" lvl="6" indent="-317499">
+              <a:spcBef>
+                <a:spcPts val="0"/>
+              </a:spcBef>
+              <a:spcAft>
+                <a:spcPts val="0"/>
+              </a:spcAft>
+              <a:buSzPts val="1400"/>
+              <a:buChar char="●"/>
+              <a:defRPr/>
+            </a:lvl7pPr>
+            <a:lvl8pPr marL="3657600" lvl="7" indent="-317499">
+              <a:spcBef>
+                <a:spcPts val="0"/>
+              </a:spcBef>
+              <a:spcAft>
+                <a:spcPts val="0"/>
+              </a:spcAft>
+              <a:buSzPts val="1400"/>
+              <a:buChar char="○"/>
+              <a:defRPr/>
+            </a:lvl8pPr>
+            <a:lvl9pPr marL="4114800" lvl="8" indent="-317499">
+              <a:spcBef>
+                <a:spcPts val="0"/>
+              </a:spcBef>
+              <a:spcAft>
+                <a:spcPts val="0"/>
+              </a:spcAft>
+              <a:buSzPts val="1400"/>
+              <a:buChar char="■"/>
+              <a:defRPr/>
+            </a:lvl9pPr>
+          </a:lstStyle>
+          <a:p>
+            <a:pPr>
+              <a:defRPr/>
+            </a:pPr>
+            <a:r>
+              <a:rPr lang="en-US" sz="1100" b="0" i="0" u="none" strike="noStrike" cap="none" spc="0">
+                <a:solidFill>
+                  <a:schemeClr val="dk2"/>
+                </a:solidFill>
+                <a:latin typeface="Arial"/>
+                <a:ea typeface="Arial"/>
+                <a:cs typeface="Arial"/>
+              </a:rPr>
+              <a:t>https://github.com/joke2k/faker</a:t>
+            </a:r>
+            <a:endParaRPr sz="1100"/>
+          </a:p>
+          <a:p>
+            <a:pPr>
+              <a:defRPr/>
+            </a:pPr>
+            <a:r>
+              <a:rPr lang="en-US" sz="1100" b="0" i="0" u="none" strike="noStrike" cap="none" spc="0">
+                <a:solidFill>
+                  <a:schemeClr val="dk2"/>
+                </a:solidFill>
+                <a:latin typeface="Arial"/>
+                <a:ea typeface="Arial"/>
+                <a:cs typeface="Arial"/>
+              </a:rPr>
+              <a:t>https://docs.redhat.com/en/documentation/red_hat_enterprise_linux/8/html/deduplicating_and_compressing_storage/deploying-vdo_deduplicating-and-compressing-storage</a:t>
+            </a:r>
+            <a:endParaRPr sz="1100"/>
+          </a:p>
+          <a:p>
+            <a:pPr>
+              <a:defRPr/>
+            </a:pPr>
+            <a:r>
+              <a:rPr lang="en-US" sz="1100" b="0" i="0" u="none" strike="noStrike" cap="none" spc="0">
+                <a:solidFill>
+                  <a:schemeClr val="dk2"/>
+                </a:solidFill>
+                <a:latin typeface="Arial"/>
+                <a:ea typeface="Arial"/>
+                <a:cs typeface="Arial"/>
+              </a:rPr>
+              <a:t>https://tecadmin.net/iostat-command-in-linux/</a:t>
+            </a:r>
+            <a:endParaRPr sz="1100"/>
+          </a:p>
+          <a:p>
+            <a:pPr>
+              <a:defRPr/>
+            </a:pPr>
+            <a:endParaRPr/>
+          </a:p>
+        </p:txBody>
+      </p:sp>
+    </p:spTree>
+  </p:cSld>
+  <p:clrMapOvr>
+    <a:masterClrMapping/>
+  </p:clrMapOvr>
+  <mc:AlternateContent xmlns:mc="http://schemas.openxmlformats.org/markup-compatibility/2006">
+    <mc:Choice xmlns:p14="http://schemas.microsoft.com/office/powerpoint/2010/main" xmlns:p159="http://schemas.microsoft.com/office/powerpoint/2015/09/main" xmlns:w="http://schemas.openxmlformats.org/wordprocessingml/2006/main" xmlns:m="http://schemas.openxmlformats.org/officeDocument/2006/math" xmlns="" Requires="p159">
+      <p:transition p14:dur="2000" advClick="1"/>
+    </mc:Choice>
+    <mc:Fallback>
+      <p:transition/>
+    </mc:Fallback>
+  </mc:AlternateContent>
+</p:sld>
+</file>
+
+<file path=ppt/slides/slide2.xml><?xml version="1.0" encoding="utf-8"?>
+<p:sld xmlns:a="http://schemas.openxmlformats.org/drawingml/2006/main" xmlns:r="http://schemas.openxmlformats.org/officeDocument/2006/relationships" xmlns:p="http://schemas.openxmlformats.org/presentationml/2006/main" showMasterPhAnim="0">
+  <p:cSld>
+    <p:spTree>
+      <p:nvGrpSpPr>
+        <p:cNvPr id="1" name=""/>
+        <p:cNvGrpSpPr/>
+        <p:nvPr/>
+      </p:nvGrpSpPr>
+      <p:grpSpPr bwMode="auto">
+        <a:xfrm>
+          <a:off x="0" y="0"/>
+          <a:ext cx="0" cy="0"/>
+          <a:chOff x="0" y="0"/>
+          <a:chExt cx="0" cy="0"/>
+        </a:xfrm>
+      </p:grpSpPr>
+      <p:sp>
+        <p:nvSpPr>
+          <p:cNvPr id="977767398" name="Google Shape;17;p4"/>
+          <p:cNvSpPr txBox="1">
+            <a:spLocks noGrp="1"/>
+          </p:cNvSpPr>
+          <p:nvPr>
+            <p:ph type="title"/>
+          </p:nvPr>
+        </p:nvSpPr>
+        <p:spPr bwMode="auto">
+          <a:xfrm>
+            <a:off x="311699" y="445024"/>
+            <a:ext cx="8520599" cy="572699"/>
+          </a:xfrm>
+          <a:prstGeom prst="rect">
+            <a:avLst/>
+          </a:prstGeom>
+        </p:spPr>
+        <p:txBody>
+          <a:bodyPr/>
+          <a:lstStyle>
+            <a:lvl1pPr lvl="0">
+              <a:spcBef>
+                <a:spcPts val="0"/>
+              </a:spcBef>
+              <a:spcAft>
+                <a:spcPts val="0"/>
+              </a:spcAft>
+              <a:buSzPts val="2800"/>
+              <a:buNone/>
+              <a:defRPr/>
+            </a:lvl1pPr>
+            <a:lvl2pPr lvl="1">
+              <a:spcBef>
+                <a:spcPts val="0"/>
+              </a:spcBef>
+              <a:spcAft>
+                <a:spcPts val="0"/>
+              </a:spcAft>
+              <a:buSzPts val="2800"/>
+              <a:buNone/>
+              <a:defRPr/>
+            </a:lvl2pPr>
+            <a:lvl3pPr lvl="2">
+              <a:spcBef>
+                <a:spcPts val="0"/>
+              </a:spcBef>
+              <a:spcAft>
+                <a:spcPts val="0"/>
+              </a:spcAft>
+              <a:buSzPts val="2800"/>
+              <a:buNone/>
+              <a:defRPr/>
+            </a:lvl3pPr>
+            <a:lvl4pPr lvl="3">
+              <a:spcBef>
+                <a:spcPts val="0"/>
+              </a:spcBef>
+              <a:spcAft>
+                <a:spcPts val="0"/>
+              </a:spcAft>
+              <a:buSzPts val="2800"/>
+              <a:buNone/>
+              <a:defRPr/>
+            </a:lvl4pPr>
+            <a:lvl5pPr lvl="4">
+              <a:spcBef>
+                <a:spcPts val="0"/>
+              </a:spcBef>
+              <a:spcAft>
+                <a:spcPts val="0"/>
+              </a:spcAft>
+              <a:buSzPts val="2800"/>
+              <a:buNone/>
+              <a:defRPr/>
+            </a:lvl5pPr>
+            <a:lvl6pPr lvl="5">
+              <a:spcBef>
+                <a:spcPts val="0"/>
+              </a:spcBef>
+              <a:spcAft>
+                <a:spcPts val="0"/>
+              </a:spcAft>
+              <a:buSzPts val="2800"/>
+              <a:buNone/>
+              <a:defRPr/>
+            </a:lvl6pPr>
+            <a:lvl7pPr lvl="6">
+              <a:spcBef>
+                <a:spcPts val="0"/>
+              </a:spcBef>
+              <a:spcAft>
+                <a:spcPts val="0"/>
+              </a:spcAft>
+              <a:buSzPts val="2800"/>
+              <a:buNone/>
+              <a:defRPr/>
+            </a:lvl7pPr>
+            <a:lvl8pPr lvl="7">
+              <a:spcBef>
+                <a:spcPts val="0"/>
+              </a:spcBef>
+              <a:spcAft>
+                <a:spcPts val="0"/>
+              </a:spcAft>
+              <a:buSzPts val="2800"/>
+              <a:buNone/>
+              <a:defRPr/>
+            </a:lvl8pPr>
+            <a:lvl9pPr lvl="8">
+              <a:spcBef>
+                <a:spcPts val="0"/>
+              </a:spcBef>
+              <a:spcAft>
+                <a:spcPts val="0"/>
+              </a:spcAft>
+              <a:buSzPts val="2800"/>
+              <a:buNone/>
+              <a:defRPr/>
+            </a:lvl9pPr>
+          </a:lstStyle>
+          <a:p>
+            <a:pPr>
+              <a:defRPr/>
+            </a:pPr>
+            <a:r>
+              <a:rPr sz="1800" b="1">
+                <a:solidFill>
+                  <a:srgbClr val="0000FF"/>
+                </a:solidFill>
+              </a:rPr>
+              <a:t>The beginning</a:t>
+            </a:r>
+            <a:endParaRPr/>
+          </a:p>
+        </p:txBody>
+      </p:sp>
+      <p:sp>
+        <p:nvSpPr>
+          <p:cNvPr id="155219487" name="Google Shape;18;p4"/>
+          <p:cNvSpPr txBox="1">
+            <a:spLocks noGrp="1"/>
+          </p:cNvSpPr>
+          <p:nvPr>
+            <p:ph type="body" idx="1"/>
+          </p:nvPr>
+        </p:nvSpPr>
+        <p:spPr bwMode="auto">
+          <a:xfrm>
+            <a:off x="311699" y="1152474"/>
+            <a:ext cx="8520599" cy="3416400"/>
+          </a:xfrm>
+          <a:prstGeom prst="rect">
+            <a:avLst/>
+          </a:prstGeom>
+        </p:spPr>
+        <p:txBody>
+          <a:bodyPr/>
+          <a:lstStyle>
+            <a:lvl1pPr marL="457200" lvl="0" indent="-342900">
+              <a:spcBef>
+                <a:spcPts val="0"/>
+              </a:spcBef>
+              <a:spcAft>
+                <a:spcPts val="0"/>
+              </a:spcAft>
+              <a:buSzPts val="1800"/>
+              <a:buChar char="●"/>
+              <a:defRPr/>
+            </a:lvl1pPr>
+            <a:lvl2pPr marL="914400" lvl="1" indent="-317499">
+              <a:spcBef>
+                <a:spcPts val="0"/>
+              </a:spcBef>
+              <a:spcAft>
+                <a:spcPts val="0"/>
+              </a:spcAft>
+              <a:buSzPts val="1400"/>
+              <a:buChar char="○"/>
+              <a:defRPr/>
+            </a:lvl2pPr>
+            <a:lvl3pPr marL="1371600" lvl="2" indent="-317499">
+              <a:spcBef>
+                <a:spcPts val="0"/>
+              </a:spcBef>
+              <a:spcAft>
+                <a:spcPts val="0"/>
+              </a:spcAft>
+              <a:buSzPts val="1400"/>
+              <a:buChar char="■"/>
+              <a:defRPr/>
+            </a:lvl3pPr>
+            <a:lvl4pPr marL="1828800" lvl="3" indent="-317499">
+              <a:spcBef>
+                <a:spcPts val="0"/>
+              </a:spcBef>
+              <a:spcAft>
+                <a:spcPts val="0"/>
+              </a:spcAft>
+              <a:buSzPts val="1400"/>
+              <a:buChar char="●"/>
+              <a:defRPr/>
+            </a:lvl4pPr>
+            <a:lvl5pPr marL="2286000" lvl="4" indent="-317499">
+              <a:spcBef>
+                <a:spcPts val="0"/>
+              </a:spcBef>
+              <a:spcAft>
+                <a:spcPts val="0"/>
+              </a:spcAft>
+              <a:buSzPts val="1400"/>
+              <a:buChar char="○"/>
+              <a:defRPr/>
+            </a:lvl5pPr>
+            <a:lvl6pPr marL="2743200" lvl="5" indent="-317499">
+              <a:spcBef>
+                <a:spcPts val="0"/>
+              </a:spcBef>
+              <a:spcAft>
+                <a:spcPts val="0"/>
+              </a:spcAft>
+              <a:buSzPts val="1400"/>
+              <a:buChar char="■"/>
+              <a:defRPr/>
+            </a:lvl6pPr>
+            <a:lvl7pPr marL="3200400" lvl="6" indent="-317499">
+              <a:spcBef>
+                <a:spcPts val="0"/>
+              </a:spcBef>
+              <a:spcAft>
+                <a:spcPts val="0"/>
+              </a:spcAft>
+              <a:buSzPts val="1400"/>
+              <a:buChar char="●"/>
+              <a:defRPr/>
+            </a:lvl7pPr>
+            <a:lvl8pPr marL="3657600" lvl="7" indent="-317499">
+              <a:spcBef>
+                <a:spcPts val="0"/>
+              </a:spcBef>
+              <a:spcAft>
+                <a:spcPts val="0"/>
+              </a:spcAft>
+              <a:buSzPts val="1400"/>
+              <a:buChar char="○"/>
+              <a:defRPr/>
+            </a:lvl8pPr>
+            <a:lvl9pPr marL="4114800" lvl="8" indent="-317499">
+              <a:spcBef>
+                <a:spcPts val="0"/>
+              </a:spcBef>
+              <a:spcAft>
+                <a:spcPts val="0"/>
+              </a:spcAft>
+              <a:buSzPts val="1400"/>
+              <a:buChar char="■"/>
+              <a:defRPr/>
+            </a:lvl9pPr>
+          </a:lstStyle>
+          <a:p>
+            <a:pPr algn="ctr">
+              <a:defRPr/>
+            </a:pPr>
+            <a:r>
+              <a:rPr sz="1600"/>
+              <a:t>How it started?</a:t>
+            </a:r>
+            <a:endParaRPr sz="1400"/>
+          </a:p>
+          <a:p>
+            <a:pPr>
+              <a:defRPr/>
+            </a:pPr>
+            <a:endParaRPr sz="1400"/>
+          </a:p>
+          <a:p>
+            <a:pPr>
+              <a:defRPr/>
+            </a:pPr>
+            <a:endParaRPr sz="1400"/>
+          </a:p>
+          <a:p>
+            <a:pPr algn="ctr">
+              <a:defRPr/>
+            </a:pPr>
+            <a:r>
+              <a:rPr sz="1600"/>
+              <a:t>Why it went this way?</a:t>
+            </a:r>
+            <a:endParaRPr sz="1400"/>
+          </a:p>
+          <a:p>
+            <a:pPr>
+              <a:defRPr/>
+            </a:pPr>
+            <a:endParaRPr sz="1400"/>
+          </a:p>
+          <a:p>
+            <a:pPr>
+              <a:defRPr/>
+            </a:pPr>
+            <a:endParaRPr sz="1400"/>
+          </a:p>
+          <a:p>
+            <a:pPr algn="ctr">
+              <a:defRPr/>
+            </a:pPr>
+            <a:r>
+              <a:rPr sz="1600"/>
+              <a:t>How it’s going?</a:t>
+            </a:r>
+            <a:endParaRPr sz="1400"/>
+          </a:p>
+          <a:p>
+            <a:pPr>
+              <a:defRPr/>
+            </a:pPr>
+            <a:endParaRPr sz="1400"/>
+          </a:p>
+          <a:p>
+            <a:pPr>
+              <a:defRPr/>
+            </a:pPr>
+            <a:endParaRPr sz="1400"/>
+          </a:p>
+          <a:p>
+            <a:pPr algn="ctr">
+              <a:defRPr/>
+            </a:pPr>
+            <a:r>
+              <a:rPr sz="1600"/>
+              <a:t>When to stop?</a:t>
+            </a:r>
+            <a:endParaRPr sz="1400"/>
+          </a:p>
+        </p:txBody>
+      </p:sp>
+    </p:spTree>
+  </p:cSld>
+  <p:clrMapOvr>
+    <a:masterClrMapping/>
+  </p:clrMapOvr>
+  <mc:AlternateContent xmlns:mc="http://schemas.openxmlformats.org/markup-compatibility/2006">
+    <mc:Choice xmlns:p14="http://schemas.microsoft.com/office/powerpoint/2010/main" xmlns:p159="http://schemas.microsoft.com/office/powerpoint/2015/09/main" xmlns:w="http://schemas.openxmlformats.org/wordprocessingml/2006/main" xmlns:m="http://schemas.openxmlformats.org/officeDocument/2006/math" xmlns="" Requires="p159">
+      <p:transition p14:dur="2000" advClick="1"/>
+    </mc:Choice>
+    <mc:Fallback>
+      <p:transition/>
+    </mc:Fallback>
+  </mc:AlternateContent>
+</p:sld>
+</file>
+
+<file path=ppt/slides/slide3.xml><?xml version="1.0" encoding="utf-8"?>
+<p:sld xmlns:a="http://schemas.openxmlformats.org/drawingml/2006/main" xmlns:r="http://schemas.openxmlformats.org/officeDocument/2006/relationships" xmlns:p="http://schemas.openxmlformats.org/presentationml/2006/main" showMasterPhAnim="0">
+  <p:cSld>
+    <p:spTree>
+      <p:nvGrpSpPr>
+        <p:cNvPr id="1" name=""/>
+        <p:cNvGrpSpPr/>
+        <p:nvPr/>
+      </p:nvGrpSpPr>
+      <p:grpSpPr bwMode="auto">
+        <a:xfrm>
+          <a:off x="0" y="0"/>
+          <a:ext cx="0" cy="0"/>
+          <a:chOff x="0" y="0"/>
+          <a:chExt cx="0" cy="0"/>
+        </a:xfrm>
+      </p:grpSpPr>
+      <p:sp>
+        <p:nvSpPr>
+          <p:cNvPr id="2047084280" name="Google Shape;17;p4"/>
+          <p:cNvSpPr txBox="1">
+            <a:spLocks noGrp="1"/>
+          </p:cNvSpPr>
+          <p:nvPr>
+            <p:ph type="title"/>
+          </p:nvPr>
+        </p:nvSpPr>
+        <p:spPr bwMode="auto">
+          <a:xfrm>
+            <a:off x="311699" y="445024"/>
+            <a:ext cx="8520599" cy="572699"/>
+          </a:xfrm>
+          <a:prstGeom prst="rect">
+            <a:avLst/>
+          </a:prstGeom>
+        </p:spPr>
+        <p:txBody>
+          <a:bodyPr/>
+          <a:lstStyle>
+            <a:lvl1pPr lvl="0">
+              <a:spcBef>
+                <a:spcPts val="0"/>
+              </a:spcBef>
+              <a:spcAft>
+                <a:spcPts val="0"/>
+              </a:spcAft>
+              <a:buSzPts val="2800"/>
+              <a:buNone/>
+              <a:defRPr/>
+            </a:lvl1pPr>
+            <a:lvl2pPr lvl="1">
+              <a:spcBef>
+                <a:spcPts val="0"/>
+              </a:spcBef>
+              <a:spcAft>
+                <a:spcPts val="0"/>
+              </a:spcAft>
+              <a:buSzPts val="2800"/>
+              <a:buNone/>
+              <a:defRPr/>
+            </a:lvl2pPr>
+            <a:lvl3pPr lvl="2">
+              <a:spcBef>
+                <a:spcPts val="0"/>
+              </a:spcBef>
+              <a:spcAft>
+                <a:spcPts val="0"/>
+              </a:spcAft>
+              <a:buSzPts val="2800"/>
+              <a:buNone/>
+              <a:defRPr/>
+            </a:lvl3pPr>
+            <a:lvl4pPr lvl="3">
+              <a:spcBef>
+                <a:spcPts val="0"/>
+              </a:spcBef>
+              <a:spcAft>
+                <a:spcPts val="0"/>
+              </a:spcAft>
+              <a:buSzPts val="2800"/>
+              <a:buNone/>
+              <a:defRPr/>
+            </a:lvl4pPr>
+            <a:lvl5pPr lvl="4">
+              <a:spcBef>
+                <a:spcPts val="0"/>
+              </a:spcBef>
+              <a:spcAft>
+                <a:spcPts val="0"/>
+              </a:spcAft>
+              <a:buSzPts val="2800"/>
+              <a:buNone/>
+              <a:defRPr/>
+            </a:lvl5pPr>
+            <a:lvl6pPr lvl="5">
+              <a:spcBef>
+                <a:spcPts val="0"/>
+              </a:spcBef>
+              <a:spcAft>
+                <a:spcPts val="0"/>
+              </a:spcAft>
+              <a:buSzPts val="2800"/>
+              <a:buNone/>
+              <a:defRPr/>
+            </a:lvl6pPr>
+            <a:lvl7pPr lvl="6">
+              <a:spcBef>
+                <a:spcPts val="0"/>
+              </a:spcBef>
+              <a:spcAft>
+                <a:spcPts val="0"/>
+              </a:spcAft>
+              <a:buSzPts val="2800"/>
+              <a:buNone/>
+              <a:defRPr/>
+            </a:lvl7pPr>
+            <a:lvl8pPr lvl="7">
+              <a:spcBef>
+                <a:spcPts val="0"/>
+              </a:spcBef>
+              <a:spcAft>
+                <a:spcPts val="0"/>
+              </a:spcAft>
+              <a:buSzPts val="2800"/>
+              <a:buNone/>
+              <a:defRPr/>
+            </a:lvl8pPr>
+            <a:lvl9pPr lvl="8">
+              <a:spcBef>
+                <a:spcPts val="0"/>
+              </a:spcBef>
+              <a:spcAft>
+                <a:spcPts val="0"/>
+              </a:spcAft>
+              <a:buSzPts val="2800"/>
+              <a:buNone/>
+              <a:defRPr/>
+            </a:lvl9pPr>
+          </a:lstStyle>
+          <a:p>
+            <a:pPr>
+              <a:defRPr/>
+            </a:pPr>
+            <a:r>
+              <a:rPr sz="1800" b="1">
+                <a:solidFill>
+                  <a:srgbClr val="0000FF"/>
+                </a:solidFill>
+              </a:rPr>
+              <a:t>Database design(s)</a:t>
+            </a:r>
+          </a:p>
+        </p:txBody>
+      </p:sp>
+      <p:sp>
+        <p:nvSpPr>
+          <p:cNvPr id="1983166034" name="Google Shape;18;p4"/>
+          <p:cNvSpPr txBox="1">
+            <a:spLocks noGrp="1"/>
+          </p:cNvSpPr>
+          <p:nvPr>
+            <p:ph type="body" idx="1"/>
+          </p:nvPr>
+        </p:nvSpPr>
+        <p:spPr bwMode="auto">
+          <a:xfrm>
+            <a:off x="311699" y="1152474"/>
+            <a:ext cx="8520599" cy="3416400"/>
+          </a:xfrm>
+          <a:prstGeom prst="rect">
+            <a:avLst/>
+          </a:prstGeom>
+        </p:spPr>
+        <p:txBody>
+          <a:bodyPr/>
+          <a:lstStyle>
+            <a:lvl1pPr marL="457200" lvl="0" indent="-342900">
+              <a:spcBef>
+                <a:spcPts val="0"/>
+              </a:spcBef>
+              <a:spcAft>
+                <a:spcPts val="0"/>
+              </a:spcAft>
+              <a:buSzPts val="1800"/>
+              <a:buChar char="●"/>
+              <a:defRPr/>
+            </a:lvl1pPr>
+            <a:lvl2pPr marL="914400" lvl="1" indent="-317499">
+              <a:spcBef>
+                <a:spcPts val="0"/>
+              </a:spcBef>
+              <a:spcAft>
+                <a:spcPts val="0"/>
+              </a:spcAft>
+              <a:buSzPts val="1400"/>
+              <a:buChar char="○"/>
+              <a:defRPr/>
+            </a:lvl2pPr>
+            <a:lvl3pPr marL="1371600" lvl="2" indent="-317499">
+              <a:spcBef>
+                <a:spcPts val="0"/>
+              </a:spcBef>
+              <a:spcAft>
+                <a:spcPts val="0"/>
+              </a:spcAft>
+              <a:buSzPts val="1400"/>
+              <a:buChar char="■"/>
+              <a:defRPr/>
+            </a:lvl3pPr>
+            <a:lvl4pPr marL="1828800" lvl="3" indent="-317499">
+              <a:spcBef>
+                <a:spcPts val="0"/>
+              </a:spcBef>
+              <a:spcAft>
+                <a:spcPts val="0"/>
+              </a:spcAft>
+              <a:buSzPts val="1400"/>
+              <a:buChar char="●"/>
+              <a:defRPr/>
+            </a:lvl4pPr>
+            <a:lvl5pPr marL="2286000" lvl="4" indent="-317499">
+              <a:spcBef>
+                <a:spcPts val="0"/>
+              </a:spcBef>
+              <a:spcAft>
+                <a:spcPts val="0"/>
+              </a:spcAft>
+              <a:buSzPts val="1400"/>
+              <a:buChar char="○"/>
+              <a:defRPr/>
+            </a:lvl5pPr>
+            <a:lvl6pPr marL="2743200" lvl="5" indent="-317499">
+              <a:spcBef>
+                <a:spcPts val="0"/>
+              </a:spcBef>
+              <a:spcAft>
+                <a:spcPts val="0"/>
+              </a:spcAft>
+              <a:buSzPts val="1400"/>
+              <a:buChar char="■"/>
+              <a:defRPr/>
+            </a:lvl6pPr>
+            <a:lvl7pPr marL="3200400" lvl="6" indent="-317499">
+              <a:spcBef>
+                <a:spcPts val="0"/>
+              </a:spcBef>
+              <a:spcAft>
+                <a:spcPts val="0"/>
+              </a:spcAft>
+              <a:buSzPts val="1400"/>
+              <a:buChar char="●"/>
+              <a:defRPr/>
+            </a:lvl7pPr>
+            <a:lvl8pPr marL="3657600" lvl="7" indent="-317499">
+              <a:spcBef>
+                <a:spcPts val="0"/>
+              </a:spcBef>
+              <a:spcAft>
+                <a:spcPts val="0"/>
+              </a:spcAft>
+              <a:buSzPts val="1400"/>
+              <a:buChar char="○"/>
+              <a:defRPr/>
+            </a:lvl8pPr>
+            <a:lvl9pPr marL="4114800" lvl="8" indent="-317499">
+              <a:spcBef>
+                <a:spcPts val="0"/>
+              </a:spcBef>
+              <a:spcAft>
+                <a:spcPts val="0"/>
+              </a:spcAft>
+              <a:buSzPts val="1400"/>
+              <a:buChar char="■"/>
+              <a:defRPr/>
+            </a:lvl9pPr>
+          </a:lstStyle>
+          <a:p>
+            <a:pPr>
+              <a:defRPr/>
+            </a:pPr>
+            <a:r>
+              <a:rPr lang="en-US" sz="1400" b="0" i="0" u="none" strike="noStrike" cap="none" spc="0">
+                <a:solidFill>
+                  <a:schemeClr val="dk2"/>
+                </a:solidFill>
+                <a:latin typeface="Arial"/>
+                <a:ea typeface="Arial"/>
+                <a:cs typeface="Arial"/>
+              </a:rPr>
+              <a:t>DB 1 ~ 100 GB</a:t>
+            </a:r>
+            <a:endParaRPr sz="1400" b="0" i="0" u="none" strike="noStrike" cap="none" spc="0">
+              <a:solidFill>
+                <a:schemeClr val="dk2"/>
+              </a:solidFill>
+              <a:latin typeface="Arial"/>
+              <a:cs typeface="Arial"/>
+            </a:endParaRPr>
+          </a:p>
+          <a:p>
+            <a:pPr>
+              <a:defRPr/>
+            </a:pPr>
+            <a:endParaRPr sz="1400" b="0" i="0" u="none" strike="noStrike" cap="none" spc="0">
+              <a:solidFill>
+                <a:schemeClr val="dk2"/>
+              </a:solidFill>
+              <a:latin typeface="Arial"/>
+              <a:cs typeface="Arial"/>
+            </a:endParaRPr>
+          </a:p>
+          <a:p>
+            <a:pPr marL="114299" indent="0">
+              <a:buClr>
+                <a:schemeClr val="dk2"/>
+              </a:buClr>
+              <a:buSzPts val="1800"/>
+              <a:buNone/>
+              <a:defRPr/>
+            </a:pPr>
+            <a:r>
+              <a:rPr lang="en-US" sz="1400" b="0" i="0" u="none" strike="noStrike" cap="none" spc="0">
+                <a:solidFill>
+                  <a:schemeClr val="dk2"/>
+                </a:solidFill>
+                <a:latin typeface="Arial"/>
+                <a:ea typeface="Arial"/>
+                <a:cs typeface="Arial"/>
+              </a:rPr>
+              <a:t>~ 30 GB iso files</a:t>
+            </a:r>
+            <a:endParaRPr sz="1400" b="0" i="0" u="none" strike="noStrike" cap="none" spc="0">
+              <a:solidFill>
+                <a:schemeClr val="dk2"/>
+              </a:solidFill>
+              <a:latin typeface="Arial"/>
+              <a:cs typeface="Arial"/>
+            </a:endParaRPr>
+          </a:p>
+          <a:p>
+            <a:pPr marL="114299" indent="0">
+              <a:buClr>
+                <a:schemeClr val="dk2"/>
+              </a:buClr>
+              <a:buSzPts val="1800"/>
+              <a:buNone/>
+              <a:defRPr/>
+            </a:pPr>
+            <a:r>
+              <a:rPr lang="en-US" sz="1400" b="0" i="0" u="none" strike="noStrike" cap="none" spc="0">
+                <a:solidFill>
+                  <a:schemeClr val="dk2"/>
+                </a:solidFill>
+                <a:latin typeface="Arial"/>
+                <a:ea typeface="Arial"/>
+                <a:cs typeface="Arial"/>
+              </a:rPr>
+              <a:t>~ 50+ GB data/text/audio</a:t>
+            </a:r>
+            <a:endParaRPr sz="1400" b="0" i="0" u="none" strike="noStrike" cap="none" spc="0">
+              <a:solidFill>
+                <a:schemeClr val="dk2"/>
+              </a:solidFill>
+              <a:latin typeface="Arial"/>
+              <a:cs typeface="Arial"/>
+            </a:endParaRPr>
+          </a:p>
+          <a:p>
+            <a:pPr marL="114299" indent="0">
+              <a:buClr>
+                <a:schemeClr val="dk2"/>
+              </a:buClr>
+              <a:buSzPts val="1800"/>
+              <a:buNone/>
+              <a:defRPr/>
+            </a:pPr>
+            <a:r>
+              <a:rPr lang="en-US" sz="1400" b="0" i="0" u="none" strike="noStrike" cap="none" spc="0">
+                <a:solidFill>
+                  <a:schemeClr val="dk2"/>
+                </a:solidFill>
+                <a:latin typeface="Arial"/>
+                <a:ea typeface="Arial"/>
+                <a:cs typeface="Arial"/>
+              </a:rPr>
+              <a:t>~ 20 GB image/video</a:t>
+            </a:r>
+            <a:endParaRPr sz="1400" b="0" i="0" u="none" strike="noStrike" cap="none" spc="0">
+              <a:solidFill>
+                <a:schemeClr val="dk2"/>
+              </a:solidFill>
+              <a:latin typeface="Arial"/>
+              <a:cs typeface="Arial"/>
+            </a:endParaRPr>
+          </a:p>
+          <a:p>
+            <a:pPr marL="114299" indent="0">
+              <a:buClr>
+                <a:schemeClr val="dk2"/>
+              </a:buClr>
+              <a:buSzPts val="1800"/>
+              <a:buNone/>
+              <a:defRPr/>
+            </a:pPr>
+            <a:r>
+              <a:rPr lang="en-US" sz="1400" b="0" i="0" u="none" strike="noStrike" cap="none" spc="0">
+                <a:solidFill>
+                  <a:schemeClr val="dk2"/>
+                </a:solidFill>
+                <a:latin typeface="Arial"/>
+                <a:ea typeface="Arial"/>
+                <a:cs typeface="Arial"/>
+              </a:rPr>
+              <a:t>NOTE: mostly non-synthetic data, synthetic was created using Faker</a:t>
+            </a:r>
+            <a:endParaRPr sz="1400" b="0" i="0" u="none" strike="noStrike" cap="none" spc="0">
+              <a:solidFill>
+                <a:schemeClr val="dk2"/>
+              </a:solidFill>
+              <a:latin typeface="Arial"/>
+              <a:ea typeface="Arial"/>
+              <a:cs typeface="Arial"/>
+            </a:endParaRPr>
+          </a:p>
+        </p:txBody>
+      </p:sp>
+    </p:spTree>
+  </p:cSld>
+  <p:clrMapOvr>
+    <a:masterClrMapping/>
+  </p:clrMapOvr>
+  <mc:AlternateContent xmlns:mc="http://schemas.openxmlformats.org/markup-compatibility/2006">
+    <mc:Choice xmlns:p14="http://schemas.microsoft.com/office/powerpoint/2010/main" xmlns:p159="http://schemas.microsoft.com/office/powerpoint/2015/09/main" xmlns:w="http://schemas.openxmlformats.org/wordprocessingml/2006/main" xmlns:m="http://schemas.openxmlformats.org/officeDocument/2006/math" xmlns="" Requires="p159">
+      <p:transition p14:dur="2000" advClick="1"/>
+    </mc:Choice>
+    <mc:Fallback>
+      <p:transition/>
+    </mc:Fallback>
+  </mc:AlternateContent>
+</p:sld>
+</file>
+
+<file path=ppt/slides/slide4.xml><?xml version="1.0" encoding="utf-8"?>
+<p:sld xmlns:a="http://schemas.openxmlformats.org/drawingml/2006/main" xmlns:r="http://schemas.openxmlformats.org/officeDocument/2006/relationships" xmlns:p="http://schemas.openxmlformats.org/presentationml/2006/main" showMasterPhAnim="0">
+  <p:cSld>
+    <p:spTree>
+      <p:nvGrpSpPr>
+        <p:cNvPr id="1" name=""/>
+        <p:cNvGrpSpPr/>
+        <p:nvPr/>
+      </p:nvGrpSpPr>
+      <p:grpSpPr bwMode="auto">
+        <a:xfrm>
+          <a:off x="0" y="0"/>
+          <a:ext cx="0" cy="0"/>
+          <a:chOff x="0" y="0"/>
+          <a:chExt cx="0" cy="0"/>
+        </a:xfrm>
+      </p:grpSpPr>
+      <p:sp>
+        <p:nvSpPr>
+          <p:cNvPr id="1866367265" name="Google Shape;17;p4"/>
+          <p:cNvSpPr txBox="1">
+            <a:spLocks noGrp="1"/>
+          </p:cNvSpPr>
+          <p:nvPr>
+            <p:ph type="title"/>
+          </p:nvPr>
+        </p:nvSpPr>
+        <p:spPr bwMode="auto">
+          <a:xfrm>
+            <a:off x="311699" y="445024"/>
+            <a:ext cx="8520599" cy="572699"/>
+          </a:xfrm>
+          <a:prstGeom prst="rect">
+            <a:avLst/>
+          </a:prstGeom>
+        </p:spPr>
+        <p:txBody>
+          <a:bodyPr/>
+          <a:lstStyle>
+            <a:lvl1pPr lvl="0">
+              <a:spcBef>
+                <a:spcPts val="0"/>
+              </a:spcBef>
+              <a:spcAft>
+                <a:spcPts val="0"/>
+              </a:spcAft>
+              <a:buSzPts val="2800"/>
+              <a:buNone/>
+              <a:defRPr/>
+            </a:lvl1pPr>
+            <a:lvl2pPr lvl="1">
+              <a:spcBef>
+                <a:spcPts val="0"/>
+              </a:spcBef>
+              <a:spcAft>
+                <a:spcPts val="0"/>
+              </a:spcAft>
+              <a:buSzPts val="2800"/>
+              <a:buNone/>
+              <a:defRPr/>
+            </a:lvl2pPr>
+            <a:lvl3pPr lvl="2">
+              <a:spcBef>
+                <a:spcPts val="0"/>
+              </a:spcBef>
+              <a:spcAft>
+                <a:spcPts val="0"/>
+              </a:spcAft>
+              <a:buSzPts val="2800"/>
+              <a:buNone/>
+              <a:defRPr/>
+            </a:lvl3pPr>
+            <a:lvl4pPr lvl="3">
+              <a:spcBef>
+                <a:spcPts val="0"/>
+              </a:spcBef>
+              <a:spcAft>
+                <a:spcPts val="0"/>
+              </a:spcAft>
+              <a:buSzPts val="2800"/>
+              <a:buNone/>
+              <a:defRPr/>
+            </a:lvl4pPr>
+            <a:lvl5pPr lvl="4">
+              <a:spcBef>
+                <a:spcPts val="0"/>
+              </a:spcBef>
+              <a:spcAft>
+                <a:spcPts val="0"/>
+              </a:spcAft>
+              <a:buSzPts val="2800"/>
+              <a:buNone/>
+              <a:defRPr/>
+            </a:lvl5pPr>
+            <a:lvl6pPr lvl="5">
+              <a:spcBef>
+                <a:spcPts val="0"/>
+              </a:spcBef>
+              <a:spcAft>
+                <a:spcPts val="0"/>
+              </a:spcAft>
+              <a:buSzPts val="2800"/>
+              <a:buNone/>
+              <a:defRPr/>
+            </a:lvl6pPr>
+            <a:lvl7pPr lvl="6">
+              <a:spcBef>
+                <a:spcPts val="0"/>
+              </a:spcBef>
+              <a:spcAft>
+                <a:spcPts val="0"/>
+              </a:spcAft>
+              <a:buSzPts val="2800"/>
+              <a:buNone/>
+              <a:defRPr/>
+            </a:lvl7pPr>
+            <a:lvl8pPr lvl="7">
+              <a:spcBef>
+                <a:spcPts val="0"/>
+              </a:spcBef>
+              <a:spcAft>
+                <a:spcPts val="0"/>
+              </a:spcAft>
+              <a:buSzPts val="2800"/>
+              <a:buNone/>
+              <a:defRPr/>
+            </a:lvl8pPr>
+            <a:lvl9pPr lvl="8">
+              <a:spcBef>
+                <a:spcPts val="0"/>
+              </a:spcBef>
+              <a:spcAft>
+                <a:spcPts val="0"/>
+              </a:spcAft>
+              <a:buSzPts val="2800"/>
+              <a:buNone/>
+              <a:defRPr/>
+            </a:lvl9pPr>
+          </a:lstStyle>
+          <a:p>
+            <a:pPr>
+              <a:defRPr/>
+            </a:pPr>
+            <a:r>
+              <a:rPr sz="1800" b="1">
+                <a:solidFill>
+                  <a:srgbClr val="0000FF"/>
+                </a:solidFill>
+              </a:rPr>
+              <a:t>iostat</a:t>
+            </a:r>
+            <a:endParaRPr/>
+          </a:p>
+        </p:txBody>
+      </p:sp>
+      <p:sp>
+        <p:nvSpPr>
+          <p:cNvPr id="1697380923" name="Google Shape;18;p4"/>
+          <p:cNvSpPr txBox="1">
+            <a:spLocks noGrp="1"/>
+          </p:cNvSpPr>
+          <p:nvPr>
+            <p:ph type="body" idx="1"/>
+          </p:nvPr>
+        </p:nvSpPr>
+        <p:spPr bwMode="auto">
+          <a:xfrm>
+            <a:off x="311699" y="1152474"/>
+            <a:ext cx="8520599" cy="3623829"/>
+          </a:xfrm>
+          <a:prstGeom prst="rect">
+            <a:avLst/>
+          </a:prstGeom>
+        </p:spPr>
+        <p:txBody>
+          <a:bodyPr spcFirstLastPara="1" vertOverflow="overflow" horzOverflow="overflow" vert="horz" wrap="square" lIns="91424" tIns="91424" rIns="91424" bIns="91424" numCol="1" spcCol="0" rtlCol="0" fromWordArt="0" anchor="t" anchorCtr="0" forceAA="0" compatLnSpc="0">
+            <a:normAutofit/>
+          </a:bodyPr>
+          <a:lstStyle>
+            <a:lvl1pPr marL="457200" lvl="0" indent="-342900">
+              <a:spcBef>
+                <a:spcPts val="0"/>
+              </a:spcBef>
+              <a:spcAft>
+                <a:spcPts val="0"/>
+              </a:spcAft>
+              <a:buSzPts val="1800"/>
+              <a:buChar char="●"/>
+              <a:defRPr/>
+            </a:lvl1pPr>
+            <a:lvl2pPr marL="914400" lvl="1" indent="-317499">
+              <a:spcBef>
+                <a:spcPts val="0"/>
+              </a:spcBef>
+              <a:spcAft>
+                <a:spcPts val="0"/>
+              </a:spcAft>
+              <a:buSzPts val="1400"/>
+              <a:buChar char="○"/>
+              <a:defRPr/>
+            </a:lvl2pPr>
+            <a:lvl3pPr marL="1371600" lvl="2" indent="-317499">
+              <a:spcBef>
+                <a:spcPts val="0"/>
+              </a:spcBef>
+              <a:spcAft>
+                <a:spcPts val="0"/>
+              </a:spcAft>
+              <a:buSzPts val="1400"/>
+              <a:buChar char="■"/>
+              <a:defRPr/>
+            </a:lvl3pPr>
+            <a:lvl4pPr marL="1828800" lvl="3" indent="-317499">
+              <a:spcBef>
+                <a:spcPts val="0"/>
+              </a:spcBef>
+              <a:spcAft>
+                <a:spcPts val="0"/>
+              </a:spcAft>
+              <a:buSzPts val="1400"/>
+              <a:buChar char="●"/>
+              <a:defRPr/>
+            </a:lvl4pPr>
+            <a:lvl5pPr marL="2286000" lvl="4" indent="-317499">
+              <a:spcBef>
+                <a:spcPts val="0"/>
+              </a:spcBef>
+              <a:spcAft>
+                <a:spcPts val="0"/>
+              </a:spcAft>
+              <a:buSzPts val="1400"/>
+              <a:buChar char="○"/>
+              <a:defRPr/>
+            </a:lvl5pPr>
+            <a:lvl6pPr marL="2743200" lvl="5" indent="-317499">
+              <a:spcBef>
+                <a:spcPts val="0"/>
+              </a:spcBef>
+              <a:spcAft>
+                <a:spcPts val="0"/>
+              </a:spcAft>
+              <a:buSzPts val="1400"/>
+              <a:buChar char="■"/>
+              <a:defRPr/>
+            </a:lvl6pPr>
+            <a:lvl7pPr marL="3200400" lvl="6" indent="-317499">
+              <a:spcBef>
+                <a:spcPts val="0"/>
+              </a:spcBef>
+              <a:spcAft>
+                <a:spcPts val="0"/>
+              </a:spcAft>
+              <a:buSzPts val="1400"/>
+              <a:buChar char="●"/>
+              <a:defRPr/>
+            </a:lvl7pPr>
+            <a:lvl8pPr marL="3657600" lvl="7" indent="-317499">
+              <a:spcBef>
+                <a:spcPts val="0"/>
+              </a:spcBef>
+              <a:spcAft>
+                <a:spcPts val="0"/>
+              </a:spcAft>
+              <a:buSzPts val="1400"/>
+              <a:buChar char="○"/>
+              <a:defRPr/>
+            </a:lvl8pPr>
+            <a:lvl9pPr marL="4114800" lvl="8" indent="-317499">
+              <a:spcBef>
+                <a:spcPts val="0"/>
+              </a:spcBef>
+              <a:spcAft>
+                <a:spcPts val="0"/>
+              </a:spcAft>
+              <a:buSzPts val="1400"/>
+              <a:buChar char="■"/>
+              <a:defRPr/>
+            </a:lvl9pPr>
+          </a:lstStyle>
+          <a:p>
+            <a:pPr marL="114299" indent="0">
+              <a:buClr>
+                <a:schemeClr val="dk2"/>
+              </a:buClr>
+              <a:buSzPts val="1800"/>
+              <a:buNone/>
+              <a:defRPr/>
+            </a:pPr>
+            <a:r>
+              <a:rPr lang="en-US" sz="1400" b="0" i="0" u="none" strike="noStrike" cap="none" spc="0">
+                <a:solidFill>
+                  <a:schemeClr val="dk2"/>
+                </a:solidFill>
+                <a:latin typeface="Arial"/>
+                <a:ea typeface="Arial"/>
+                <a:cs typeface="Arial"/>
+              </a:rPr>
+              <a:t>COMMAND:</a:t>
+            </a:r>
+          </a:p>
+          <a:p>
+            <a:pPr marL="114299" indent="0">
+              <a:buClr>
+                <a:schemeClr val="dk2"/>
+              </a:buClr>
+              <a:buSzPts val="1800"/>
+              <a:buNone/>
+              <a:defRPr/>
+            </a:pPr>
+            <a:endParaRPr lang="en-US" sz="1400" b="0" i="0" u="none" strike="noStrike" cap="none" spc="0">
+              <a:solidFill>
+                <a:schemeClr val="dk2"/>
+              </a:solidFill>
+              <a:latin typeface="Arial"/>
+              <a:cs typeface="Arial"/>
+            </a:endParaRPr>
+          </a:p>
+          <a:p>
+            <a:pPr marL="114299" indent="0">
+              <a:buClr>
+                <a:schemeClr val="dk2"/>
+              </a:buClr>
+              <a:buSzPts val="1800"/>
+              <a:buNone/>
+              <a:defRPr/>
+            </a:pPr>
+            <a:r>
+              <a:rPr lang="en-US" sz="1400" b="0" i="0" u="none" strike="noStrike" cap="none" spc="0">
+                <a:solidFill>
+                  <a:schemeClr val="dk2"/>
+                </a:solidFill>
+                <a:latin typeface="Arial"/>
+                <a:ea typeface="Arial"/>
+                <a:cs typeface="Arial"/>
+              </a:rPr>
+              <a:t>iostat -cdh sda 2 &gt; sample.txt</a:t>
+            </a:r>
+          </a:p>
+          <a:p>
+            <a:pPr marL="114299" indent="0">
+              <a:buClr>
+                <a:schemeClr val="dk2"/>
+              </a:buClr>
+              <a:buSzPts val="1800"/>
+              <a:buNone/>
+              <a:defRPr/>
+            </a:pPr>
+            <a:endParaRPr lang="en-US" sz="1400" b="0" i="0" u="none" strike="noStrike" cap="none" spc="0">
+              <a:solidFill>
+                <a:schemeClr val="dk2"/>
+              </a:solidFill>
+              <a:latin typeface="Arial"/>
+              <a:ea typeface="Arial"/>
+              <a:cs typeface="Arial"/>
+            </a:endParaRPr>
+          </a:p>
+          <a:p>
+            <a:pPr marL="114299" indent="0">
+              <a:buClr>
+                <a:schemeClr val="dk2"/>
+              </a:buClr>
+              <a:buSzPts val="1800"/>
+              <a:buNone/>
+              <a:defRPr/>
+            </a:pPr>
+            <a:r>
+              <a:rPr lang="en-US" sz="1400" b="0" i="0" u="none" strike="noStrike" cap="none" spc="0">
+                <a:solidFill>
+                  <a:schemeClr val="dk2"/>
+                </a:solidFill>
+                <a:latin typeface="Arial"/>
+                <a:ea typeface="Arial"/>
+                <a:cs typeface="Arial"/>
+              </a:rPr>
+              <a:t>—————————————————————————————————————————————</a:t>
+            </a:r>
+          </a:p>
+          <a:p>
+            <a:pPr marL="114299" indent="0">
+              <a:buClr>
+                <a:schemeClr val="dk2"/>
+              </a:buClr>
+              <a:buSzPts val="1800"/>
+              <a:buNone/>
+              <a:defRPr/>
+            </a:pPr>
+            <a:r>
+              <a:rPr lang="en-US" sz="1400" b="0" i="0" u="none" strike="noStrike" cap="none" spc="0">
+                <a:solidFill>
+                  <a:schemeClr val="dk2"/>
+                </a:solidFill>
+                <a:latin typeface="Arial"/>
+                <a:ea typeface="Arial"/>
+                <a:cs typeface="Arial"/>
+              </a:rPr>
+              <a:t>OUTPUT:</a:t>
+            </a:r>
+          </a:p>
+          <a:p>
+            <a:pPr marL="114299" indent="0">
+              <a:buClr>
+                <a:schemeClr val="dk2"/>
+              </a:buClr>
+              <a:buSzPts val="1800"/>
+              <a:buNone/>
+              <a:defRPr/>
+            </a:pPr>
+            <a:endParaRPr lang="en-US" sz="1400" b="0" i="0" u="none" strike="noStrike" cap="none" spc="0">
+              <a:solidFill>
+                <a:schemeClr val="dk2"/>
+              </a:solidFill>
+              <a:latin typeface="Arial"/>
+              <a:ea typeface="Arial"/>
+              <a:cs typeface="Arial"/>
+            </a:endParaRPr>
+          </a:p>
+          <a:p>
+            <a:pPr marL="114299" indent="0">
+              <a:buClr>
+                <a:schemeClr val="dk2"/>
+              </a:buClr>
+              <a:buSzPts val="1800"/>
+              <a:buNone/>
+              <a:defRPr/>
+            </a:pPr>
+            <a:endParaRPr lang="en-US" sz="1400" b="0" i="0" u="none" strike="noStrike" cap="none" spc="0">
+              <a:solidFill>
+                <a:schemeClr val="dk2"/>
+              </a:solidFill>
+              <a:latin typeface="Arial"/>
+              <a:ea typeface="Arial"/>
+              <a:cs typeface="Arial"/>
+            </a:endParaRPr>
+          </a:p>
+          <a:p>
+            <a:pPr marL="114299" indent="0">
+              <a:buClr>
+                <a:schemeClr val="dk2"/>
+              </a:buClr>
+              <a:buSzPts val="1800"/>
+              <a:buNone/>
+              <a:defRPr/>
+            </a:pPr>
+            <a:r>
+              <a:rPr lang="en-US" sz="1400" b="0" i="0" u="none" strike="noStrike" cap="none" spc="0">
+                <a:solidFill>
+                  <a:schemeClr val="dk2"/>
+                </a:solidFill>
+                <a:latin typeface="Arial"/>
+                <a:ea typeface="Arial"/>
+                <a:cs typeface="Arial"/>
+              </a:rPr>
+              <a:t>avg-cpu:  %user   %nice %system %iowait  %steal   %idle</a:t>
+            </a:r>
+          </a:p>
+          <a:p>
+            <a:pPr marL="114299" indent="0">
+              <a:buClr>
+                <a:schemeClr val="dk2"/>
+              </a:buClr>
+              <a:buSzPts val="1800"/>
+              <a:buNone/>
+              <a:defRPr/>
+            </a:pPr>
+            <a:r>
+              <a:rPr lang="en-US" sz="1400" b="0" i="0" u="none" strike="noStrike" cap="none" spc="0">
+                <a:solidFill>
+                  <a:schemeClr val="dk2"/>
+                </a:solidFill>
+                <a:latin typeface="Arial"/>
+                <a:ea typeface="Arial"/>
+                <a:cs typeface="Arial"/>
+              </a:rPr>
+              <a:t>        	   3.3%    0.1%    8.5%    0.1%    0.0%   88.0%</a:t>
+            </a:r>
+            <a:endParaRPr lang="en-US" sz="1400" b="0" i="0" u="none" strike="noStrike" cap="none" spc="0">
+              <a:solidFill>
+                <a:schemeClr val="dk2"/>
+              </a:solidFill>
+              <a:latin typeface="Arial"/>
+              <a:cs typeface="Arial"/>
+            </a:endParaRPr>
+          </a:p>
+          <a:p>
+            <a:pPr>
+              <a:defRPr/>
+            </a:pPr>
+            <a:endParaRPr lang="en-US" sz="1400" b="0" i="0" u="none" strike="noStrike" cap="none" spc="0">
+              <a:solidFill>
+                <a:schemeClr val="dk2"/>
+              </a:solidFill>
+              <a:latin typeface="Arial"/>
+              <a:cs typeface="Arial"/>
+            </a:endParaRPr>
+          </a:p>
+          <a:p>
+            <a:pPr marL="114299" indent="0">
+              <a:buClr>
+                <a:schemeClr val="dk2"/>
+              </a:buClr>
+              <a:buSzPts val="1800"/>
+              <a:buNone/>
+              <a:defRPr/>
+            </a:pPr>
+            <a:r>
+              <a:rPr lang="en-US" sz="1400" b="0" i="0" u="none" strike="noStrike" cap="none" spc="0">
+                <a:solidFill>
+                  <a:schemeClr val="dk2"/>
+                </a:solidFill>
+                <a:latin typeface="Arial"/>
+                <a:ea typeface="Arial"/>
+                <a:cs typeface="Arial"/>
+              </a:rPr>
+              <a:t> tps    kB_read/s    kB_wrtn/s    kB_dscd/s    kB_read    kB_wrtn    kB_dscd Device</a:t>
+            </a:r>
+            <a:endParaRPr lang="en-US" sz="1400" b="0" i="0" u="none" strike="noStrike" cap="none" spc="0">
+              <a:solidFill>
+                <a:schemeClr val="dk2"/>
+              </a:solidFill>
+              <a:latin typeface="Arial"/>
+              <a:cs typeface="Arial"/>
+            </a:endParaRPr>
+          </a:p>
+          <a:p>
+            <a:pPr marL="114299" indent="0">
+              <a:buClr>
+                <a:schemeClr val="dk2"/>
+              </a:buClr>
+              <a:buSzPts val="1800"/>
+              <a:buNone/>
+              <a:defRPr/>
+            </a:pPr>
+            <a:r>
+              <a:rPr lang="en-US" sz="1400" b="0" i="0" u="none" strike="noStrike" cap="none" spc="0">
+                <a:solidFill>
+                  <a:schemeClr val="dk2"/>
+                </a:solidFill>
+                <a:latin typeface="Arial"/>
+                <a:ea typeface="Arial"/>
+                <a:cs typeface="Arial"/>
+              </a:rPr>
+              <a:t>1.94 	   118.8k         6.7k     	    0.0k    	 784.0M      44.4M     	  0.0k 	sda</a:t>
+            </a:r>
+            <a:endParaRPr lang="en-US" sz="1400" b="0" i="0" u="none" strike="noStrike" cap="none" spc="0">
+              <a:solidFill>
+                <a:schemeClr val="dk2"/>
+              </a:solidFill>
+              <a:latin typeface="Arial"/>
+              <a:cs typeface="Arial"/>
+            </a:endParaRPr>
+          </a:p>
+          <a:p>
+            <a:pPr marL="114299" indent="0">
+              <a:buClr>
+                <a:schemeClr val="dk2"/>
+              </a:buClr>
+              <a:buSzPts val="1800"/>
+              <a:buNone/>
+              <a:defRPr/>
+            </a:pPr>
+            <a:endParaRPr lang="en-US" sz="1400" b="0" i="0" u="none" strike="noStrike" cap="none" spc="0">
+              <a:solidFill>
+                <a:schemeClr val="dk2"/>
+              </a:solidFill>
+              <a:latin typeface="Arial"/>
+              <a:cs typeface="Arial"/>
+            </a:endParaRPr>
+          </a:p>
+        </p:txBody>
+      </p:sp>
+    </p:spTree>
+  </p:cSld>
+  <p:clrMapOvr>
+    <a:masterClrMapping/>
+  </p:clrMapOvr>
+  <mc:AlternateContent xmlns:mc="http://schemas.openxmlformats.org/markup-compatibility/2006">
+    <mc:Choice xmlns:p14="http://schemas.microsoft.com/office/powerpoint/2010/main" xmlns:p159="http://schemas.microsoft.com/office/powerpoint/2015/09/main" xmlns:w="http://schemas.openxmlformats.org/wordprocessingml/2006/main" xmlns:m="http://schemas.openxmlformats.org/officeDocument/2006/math" xmlns="" Requires="p159">
+      <p:transition p14:dur="2000" advClick="1"/>
+    </mc:Choice>
+    <mc:Fallback>
+      <p:transition/>
+    </mc:Fallback>
+  </mc:AlternateContent>
+</p:sld>
+</file>
+
+<file path=ppt/slides/slide5.xml><?xml version="1.0" encoding="utf-8"?>
+<p:sld xmlns:a="http://schemas.openxmlformats.org/drawingml/2006/main" xmlns:r="http://schemas.openxmlformats.org/officeDocument/2006/relationships" xmlns:p="http://schemas.openxmlformats.org/presentationml/2006/main" showMasterPhAnim="0">
+  <p:cSld>
+    <p:spTree>
+      <p:nvGrpSpPr>
+        <p:cNvPr id="1" name=""/>
+        <p:cNvGrpSpPr/>
+        <p:nvPr/>
+      </p:nvGrpSpPr>
+      <p:grpSpPr bwMode="auto">
+        <a:xfrm>
+          <a:off x="0" y="0"/>
+          <a:ext cx="0" cy="0"/>
+          <a:chOff x="0" y="0"/>
+          <a:chExt cx="0" cy="0"/>
+        </a:xfrm>
+      </p:grpSpPr>
+      <p:sp>
+        <p:nvSpPr>
+          <p:cNvPr id="671181108" name="Google Shape;17;p4"/>
+          <p:cNvSpPr txBox="1">
+            <a:spLocks noGrp="1"/>
+          </p:cNvSpPr>
+          <p:nvPr>
+            <p:ph type="title"/>
+          </p:nvPr>
+        </p:nvSpPr>
+        <p:spPr bwMode="auto">
+          <a:xfrm>
+            <a:off x="311699" y="445024"/>
+            <a:ext cx="8520599" cy="572699"/>
+          </a:xfrm>
+          <a:prstGeom prst="rect">
+            <a:avLst/>
+          </a:prstGeom>
+        </p:spPr>
+        <p:txBody>
+          <a:bodyPr/>
+          <a:lstStyle>
+            <a:lvl1pPr lvl="0">
+              <a:spcBef>
+                <a:spcPts val="0"/>
+              </a:spcBef>
+              <a:spcAft>
+                <a:spcPts val="0"/>
+              </a:spcAft>
+              <a:buSzPts val="2800"/>
+              <a:buNone/>
+              <a:defRPr/>
+            </a:lvl1pPr>
+            <a:lvl2pPr lvl="1">
+              <a:spcBef>
+                <a:spcPts val="0"/>
+              </a:spcBef>
+              <a:spcAft>
+                <a:spcPts val="0"/>
+              </a:spcAft>
+              <a:buSzPts val="2800"/>
+              <a:buNone/>
+              <a:defRPr/>
+            </a:lvl2pPr>
+            <a:lvl3pPr lvl="2">
+              <a:spcBef>
+                <a:spcPts val="0"/>
+              </a:spcBef>
+              <a:spcAft>
+                <a:spcPts val="0"/>
+              </a:spcAft>
+              <a:buSzPts val="2800"/>
+              <a:buNone/>
+              <a:defRPr/>
+            </a:lvl3pPr>
+            <a:lvl4pPr lvl="3">
+              <a:spcBef>
+                <a:spcPts val="0"/>
+              </a:spcBef>
+              <a:spcAft>
+                <a:spcPts val="0"/>
+              </a:spcAft>
+              <a:buSzPts val="2800"/>
+              <a:buNone/>
+              <a:defRPr/>
+            </a:lvl4pPr>
+            <a:lvl5pPr lvl="4">
+              <a:spcBef>
+                <a:spcPts val="0"/>
+              </a:spcBef>
+              <a:spcAft>
+                <a:spcPts val="0"/>
+              </a:spcAft>
+              <a:buSzPts val="2800"/>
+              <a:buNone/>
+              <a:defRPr/>
+            </a:lvl5pPr>
+            <a:lvl6pPr lvl="5">
+              <a:spcBef>
+                <a:spcPts val="0"/>
+              </a:spcBef>
+              <a:spcAft>
+                <a:spcPts val="0"/>
+              </a:spcAft>
+              <a:buSzPts val="2800"/>
+              <a:buNone/>
+              <a:defRPr/>
+            </a:lvl6pPr>
+            <a:lvl7pPr lvl="6">
+              <a:spcBef>
+                <a:spcPts val="0"/>
+              </a:spcBef>
+              <a:spcAft>
+                <a:spcPts val="0"/>
+              </a:spcAft>
+              <a:buSzPts val="2800"/>
+              <a:buNone/>
+              <a:defRPr/>
+            </a:lvl7pPr>
+            <a:lvl8pPr lvl="7">
+              <a:spcBef>
+                <a:spcPts val="0"/>
+              </a:spcBef>
+              <a:spcAft>
+                <a:spcPts val="0"/>
+              </a:spcAft>
+              <a:buSzPts val="2800"/>
+              <a:buNone/>
+              <a:defRPr/>
+            </a:lvl8pPr>
+            <a:lvl9pPr lvl="8">
+              <a:spcBef>
+                <a:spcPts val="0"/>
+              </a:spcBef>
+              <a:spcAft>
+                <a:spcPts val="0"/>
+              </a:spcAft>
+              <a:buSzPts val="2800"/>
+              <a:buNone/>
+              <a:defRPr/>
+            </a:lvl9pPr>
+          </a:lstStyle>
+          <a:p>
+            <a:pPr>
+              <a:defRPr/>
+            </a:pPr>
+            <a:r>
+              <a:rPr sz="1800" b="1">
+                <a:solidFill>
+                  <a:srgbClr val="0000FF"/>
+                </a:solidFill>
+              </a:rPr>
+              <a:t>VDO</a:t>
+            </a:r>
+            <a:endParaRPr/>
+          </a:p>
+        </p:txBody>
+      </p:sp>
+      <p:sp>
+        <p:nvSpPr>
+          <p:cNvPr id="1867349303" name="Google Shape;18;p4"/>
+          <p:cNvSpPr txBox="1">
+            <a:spLocks noGrp="1"/>
+          </p:cNvSpPr>
+          <p:nvPr>
+            <p:ph type="body" idx="1"/>
+          </p:nvPr>
+        </p:nvSpPr>
+        <p:spPr bwMode="auto">
+          <a:xfrm>
+            <a:off x="311699" y="1152474"/>
+            <a:ext cx="8897212" cy="3748068"/>
+          </a:xfrm>
+          <a:prstGeom prst="rect">
+            <a:avLst/>
+          </a:prstGeom>
+        </p:spPr>
+        <p:txBody>
+          <a:bodyPr spcFirstLastPara="1" vertOverflow="overflow" horzOverflow="overflow" vert="horz" wrap="square" lIns="91424" tIns="91424" rIns="91424" bIns="91424" numCol="1" spcCol="0" rtlCol="0" fromWordArt="0" anchor="t" anchorCtr="0" forceAA="0" compatLnSpc="0">
+            <a:normAutofit/>
+          </a:bodyPr>
+          <a:lstStyle>
+            <a:lvl1pPr marL="457200" lvl="0" indent="-342900">
+              <a:spcBef>
+                <a:spcPts val="0"/>
+              </a:spcBef>
+              <a:spcAft>
+                <a:spcPts val="0"/>
+              </a:spcAft>
+              <a:buSzPts val="1800"/>
+              <a:buChar char="●"/>
+              <a:defRPr/>
+            </a:lvl1pPr>
+            <a:lvl2pPr marL="914400" lvl="1" indent="-317499">
+              <a:spcBef>
+                <a:spcPts val="0"/>
+              </a:spcBef>
+              <a:spcAft>
+                <a:spcPts val="0"/>
+              </a:spcAft>
+              <a:buSzPts val="1400"/>
+              <a:buChar char="○"/>
+              <a:defRPr/>
+            </a:lvl2pPr>
+            <a:lvl3pPr marL="1371600" lvl="2" indent="-317499">
+              <a:spcBef>
+                <a:spcPts val="0"/>
+              </a:spcBef>
+              <a:spcAft>
+                <a:spcPts val="0"/>
+              </a:spcAft>
+              <a:buSzPts val="1400"/>
+              <a:buChar char="■"/>
+              <a:defRPr/>
+            </a:lvl3pPr>
+            <a:lvl4pPr marL="1828800" lvl="3" indent="-317499">
+              <a:spcBef>
+                <a:spcPts val="0"/>
+              </a:spcBef>
+              <a:spcAft>
+                <a:spcPts val="0"/>
+              </a:spcAft>
+              <a:buSzPts val="1400"/>
+              <a:buChar char="●"/>
+              <a:defRPr/>
+            </a:lvl4pPr>
+            <a:lvl5pPr marL="2286000" lvl="4" indent="-317499">
+              <a:spcBef>
+                <a:spcPts val="0"/>
+              </a:spcBef>
+              <a:spcAft>
+                <a:spcPts val="0"/>
+              </a:spcAft>
+              <a:buSzPts val="1400"/>
+              <a:buChar char="○"/>
+              <a:defRPr/>
+            </a:lvl5pPr>
+            <a:lvl6pPr marL="2743200" lvl="5" indent="-317499">
+              <a:spcBef>
+                <a:spcPts val="0"/>
+              </a:spcBef>
+              <a:spcAft>
+                <a:spcPts val="0"/>
+              </a:spcAft>
+              <a:buSzPts val="1400"/>
+              <a:buChar char="■"/>
+              <a:defRPr/>
+            </a:lvl6pPr>
+            <a:lvl7pPr marL="3200400" lvl="6" indent="-317499">
+              <a:spcBef>
+                <a:spcPts val="0"/>
+              </a:spcBef>
+              <a:spcAft>
+                <a:spcPts val="0"/>
+              </a:spcAft>
+              <a:buSzPts val="1400"/>
+              <a:buChar char="●"/>
+              <a:defRPr/>
+            </a:lvl7pPr>
+            <a:lvl8pPr marL="3657600" lvl="7" indent="-317499">
+              <a:spcBef>
+                <a:spcPts val="0"/>
+              </a:spcBef>
+              <a:spcAft>
+                <a:spcPts val="0"/>
+              </a:spcAft>
+              <a:buSzPts val="1400"/>
+              <a:buChar char="○"/>
+              <a:defRPr/>
+            </a:lvl8pPr>
+            <a:lvl9pPr marL="4114800" lvl="8" indent="-317499">
+              <a:spcBef>
+                <a:spcPts val="0"/>
+              </a:spcBef>
+              <a:spcAft>
+                <a:spcPts val="0"/>
+              </a:spcAft>
+              <a:buSzPts val="1400"/>
+              <a:buChar char="■"/>
+              <a:defRPr/>
+            </a:lvl9pPr>
+          </a:lstStyle>
+          <a:p>
+            <a:pPr marL="114299" indent="0">
+              <a:buClr>
+                <a:schemeClr val="dk2"/>
+              </a:buClr>
+              <a:buSzPts val="1800"/>
+              <a:buNone/>
+              <a:defRPr/>
+            </a:pPr>
+            <a:endParaRPr sz="1400" b="0" i="0" u="none" strike="noStrike" cap="none" spc="0">
+              <a:solidFill>
+                <a:schemeClr val="dk2"/>
+              </a:solidFill>
+              <a:latin typeface="Arial"/>
+              <a:ea typeface="Arial"/>
+              <a:cs typeface="Arial"/>
+            </a:endParaRPr>
+          </a:p>
+          <a:p>
+            <a:pPr marL="114299" indent="0">
+              <a:buClr>
+                <a:schemeClr val="dk2"/>
+              </a:buClr>
+              <a:buSzPts val="1800"/>
+              <a:buNone/>
+              <a:defRPr/>
+            </a:pPr>
+            <a:r>
+              <a:rPr lang="en-US" sz="1400" b="0" i="0" u="none" strike="noStrike" cap="none" spc="0">
+                <a:solidFill>
+                  <a:schemeClr val="dk2"/>
+                </a:solidFill>
+                <a:latin typeface="Arial"/>
+                <a:ea typeface="Arial"/>
+                <a:cs typeface="Arial"/>
+              </a:rPr>
+              <a:t>1. locate available disks with lsblk</a:t>
+            </a:r>
+          </a:p>
+          <a:p>
+            <a:pPr marL="114299" indent="0">
+              <a:buClr>
+                <a:schemeClr val="dk2"/>
+              </a:buClr>
+              <a:buSzPts val="1800"/>
+              <a:buNone/>
+              <a:defRPr/>
+            </a:pPr>
+            <a:r>
+              <a:rPr lang="en-US" sz="1400" b="0" i="0" u="none" strike="noStrike" cap="none" spc="0">
+                <a:solidFill>
+                  <a:schemeClr val="dk2"/>
+                </a:solidFill>
+                <a:latin typeface="Arial"/>
+                <a:ea typeface="Arial"/>
+                <a:cs typeface="Arial"/>
+              </a:rPr>
+              <a:t>2. zoom in on 'sda' disk with generalized sudo fdisk -l command</a:t>
+            </a:r>
+            <a:endParaRPr sz="1400" b="0" i="0" u="none" strike="noStrike" cap="none" spc="0">
+              <a:solidFill>
+                <a:schemeClr val="dk2"/>
+              </a:solidFill>
+              <a:latin typeface="Arial"/>
+              <a:cs typeface="Arial"/>
+            </a:endParaRPr>
+          </a:p>
+          <a:p>
+            <a:pPr marL="114299" indent="0">
+              <a:buClr>
+                <a:schemeClr val="dk2"/>
+              </a:buClr>
+              <a:buSzPts val="1800"/>
+              <a:buNone/>
+              <a:defRPr/>
+            </a:pPr>
+            <a:r>
+              <a:rPr lang="en-US" sz="1400" b="0" i="0" u="none" strike="noStrike" cap="none" spc="0">
+                <a:solidFill>
+                  <a:schemeClr val="dk2"/>
+                </a:solidFill>
+                <a:latin typeface="Arial"/>
+                <a:ea typeface="Arial"/>
+                <a:cs typeface="Arial"/>
+              </a:rPr>
+              <a:t>3. calculate storage and memory needs</a:t>
+            </a:r>
+            <a:endParaRPr sz="1400"/>
+          </a:p>
+          <a:p>
+            <a:pPr marL="114299" indent="0">
+              <a:buClr>
+                <a:schemeClr val="dk2"/>
+              </a:buClr>
+              <a:buSzPts val="1800"/>
+              <a:buNone/>
+              <a:defRPr/>
+            </a:pPr>
+            <a:endParaRPr sz="1400"/>
+          </a:p>
+          <a:p>
+            <a:pPr marL="114299" indent="0">
+              <a:buClr>
+                <a:schemeClr val="dk2"/>
+              </a:buClr>
+              <a:buSzPts val="1800"/>
+              <a:buNone/>
+              <a:defRPr/>
+            </a:pPr>
+            <a:endParaRPr sz="1400"/>
+          </a:p>
+          <a:p>
+            <a:pPr marL="114299" indent="0">
+              <a:buClr>
+                <a:schemeClr val="dk2"/>
+              </a:buClr>
+              <a:buSzPts val="1800"/>
+              <a:buNone/>
+              <a:defRPr/>
+            </a:pPr>
+            <a:r>
+              <a:rPr lang="en-US" sz="1400" b="0" i="0" u="none" strike="noStrike" cap="none" spc="0">
+                <a:solidFill>
+                  <a:schemeClr val="dk2"/>
+                </a:solidFill>
+                <a:latin typeface="Arial"/>
+                <a:ea typeface="Arial"/>
+                <a:cs typeface="Arial"/>
+              </a:rPr>
+              <a:t>... storage space = VDO metadata + UDS dedup index --&gt; approx. 2.5 GB disk usage + 4-5 GB for dense index storage</a:t>
+            </a:r>
+          </a:p>
+          <a:p>
+            <a:pPr marL="114299" indent="0">
+              <a:buClr>
+                <a:schemeClr val="dk2"/>
+              </a:buClr>
+              <a:buSzPts val="1800"/>
+              <a:buNone/>
+              <a:defRPr/>
+            </a:pPr>
+            <a:r>
+              <a:rPr lang="en-US" sz="1400" b="0" i="0" u="none" strike="noStrike" cap="none" spc="0">
+                <a:solidFill>
+                  <a:schemeClr val="dk2"/>
+                </a:solidFill>
+                <a:latin typeface="Arial"/>
+                <a:ea typeface="Arial"/>
+                <a:cs typeface="Arial"/>
+              </a:rPr>
+              <a:t>... RAM required: min. 250 + (370 + 1 * 268) MB = 888 MB</a:t>
+            </a:r>
+          </a:p>
+          <a:p>
+            <a:pPr marL="114299" indent="0">
+              <a:buClr>
+                <a:schemeClr val="dk2"/>
+              </a:buClr>
+              <a:buSzPts val="1800"/>
+              <a:buNone/>
+              <a:defRPr/>
+            </a:pPr>
+            <a:r>
+              <a:rPr lang="en-US" sz="1400" b="0" i="0" u="none" strike="noStrike" cap="none" spc="0">
+                <a:solidFill>
+                  <a:schemeClr val="dk2"/>
+                </a:solidFill>
+                <a:latin typeface="Arial"/>
+                <a:ea typeface="Arial"/>
+                <a:cs typeface="Arial"/>
+              </a:rPr>
+              <a:t>// ’*1’ is because we have 1 TB or less physical storage</a:t>
+            </a:r>
+          </a:p>
+          <a:p>
+            <a:pPr marL="114299" indent="0">
+              <a:buClr>
+                <a:schemeClr val="dk2"/>
+              </a:buClr>
+              <a:buSzPts val="1800"/>
+              <a:buNone/>
+              <a:defRPr/>
+            </a:pPr>
+            <a:r>
+              <a:rPr lang="en-US" sz="1400" b="0" i="0" u="none" strike="noStrike" cap="none" spc="0">
+                <a:solidFill>
+                  <a:schemeClr val="dk2"/>
+                </a:solidFill>
+                <a:latin typeface="Arial"/>
+                <a:ea typeface="Arial"/>
+                <a:cs typeface="Arial"/>
+              </a:rPr>
+              <a:t>... 1 GB RAM --&gt; 1 TB dedup window (for dense index)</a:t>
+            </a:r>
+            <a:endParaRPr/>
+          </a:p>
+          <a:p>
+            <a:pPr marL="114299" indent="0">
+              <a:buClr>
+                <a:schemeClr val="dk2"/>
+              </a:buClr>
+              <a:buSzPts val="1800"/>
+              <a:buNone/>
+              <a:defRPr/>
+            </a:pPr>
+            <a:r>
+              <a:rPr b="1">
+                <a:solidFill>
+                  <a:srgbClr val="0000FF"/>
+                </a:solidFill>
+              </a:rPr>
+              <a:t>							issues?? yup...</a:t>
+            </a:r>
+          </a:p>
+          <a:p>
+            <a:pPr marL="114299" indent="0">
+              <a:buClr>
+                <a:schemeClr val="dk2"/>
+              </a:buClr>
+              <a:buSzPts val="1800"/>
+              <a:buNone/>
+              <a:defRPr/>
+            </a:pPr>
+            <a:r>
+              <a:rPr/>
+              <a:t>	</a:t>
+            </a:r>
+            <a:endParaRPr lang="en-US" sz="1800" b="0" i="0" u="none" strike="noStrike" cap="none" spc="0">
+              <a:solidFill>
+                <a:schemeClr val="dk2"/>
+              </a:solidFill>
+              <a:latin typeface="Arial"/>
+              <a:cs typeface="Arial"/>
+            </a:endParaRPr>
+          </a:p>
+        </p:txBody>
+      </p:sp>
+    </p:spTree>
+  </p:cSld>
+  <p:clrMapOvr>
+    <a:masterClrMapping/>
+  </p:clrMapOvr>
+  <mc:AlternateContent xmlns:mc="http://schemas.openxmlformats.org/markup-compatibility/2006">
+    <mc:Choice xmlns:p14="http://schemas.microsoft.com/office/powerpoint/2010/main" xmlns:p159="http://schemas.microsoft.com/office/powerpoint/2015/09/main" xmlns:w="http://schemas.openxmlformats.org/wordprocessingml/2006/main" xmlns:m="http://schemas.openxmlformats.org/officeDocument/2006/math" xmlns="" Requires="p159">
+      <p:transition p14:dur="2000" advClick="1"/>
+    </mc:Choice>
+    <mc:Fallback>
+      <p:transition/>
+    </mc:Fallback>
+  </mc:AlternateContent>
+</p:sld>
+</file>
+
+<file path=ppt/slides/slide6.xml><?xml version="1.0" encoding="utf-8"?>
+<p:sld xmlns:a="http://schemas.openxmlformats.org/drawingml/2006/main" xmlns:r="http://schemas.openxmlformats.org/officeDocument/2006/relationships" xmlns:p="http://schemas.openxmlformats.org/presentationml/2006/main">
+  <p:cSld>
+    <p:spTree>
+      <p:nvGrpSpPr>
+        <p:cNvPr id="1" name=""/>
+        <p:cNvGrpSpPr/>
+        <p:nvPr/>
+      </p:nvGrpSpPr>
+      <p:grpSpPr>
+        <a:xfrm>
+          <a:off x="0" y="0"/>
+          <a:ext cx="0" cy="0"/>
+          <a:chOff x="0" y="0"/>
+          <a:chExt cx="0" cy="0"/>
+        </a:xfrm>
+      </p:grpSpPr>
+      <p:sp>
+        <p:nvSpPr>
+          <p:cNvPr id="3" name="Naslov 2"/>
+          <p:cNvSpPr>
+            <a:spLocks noGrp="1"/>
+          </p:cNvSpPr>
+          <p:nvPr>
+            <p:ph type="title"/>
+          </p:nvPr>
+        </p:nvSpPr>
+        <p:spPr/>
+        <p:txBody>
+          <a:bodyPr>
+            <a:normAutofit fontScale="90000"/>
+          </a:bodyPr>
+          <a:lstStyle/>
+          <a:p>
+            <a:r>
+              <a:rPr lang="sl-SI" b="1" dirty="0" err="1" smtClean="0">
+                <a:solidFill>
+                  <a:schemeClr val="accent1">
+                    <a:lumMod val="75000"/>
+                  </a:schemeClr>
+                </a:solidFill>
+              </a:rPr>
+              <a:t>Generating</a:t>
+            </a:r>
+            <a:r>
+              <a:rPr lang="sl-SI" b="1" dirty="0" smtClean="0">
+                <a:solidFill>
+                  <a:schemeClr val="accent1">
+                    <a:lumMod val="75000"/>
+                  </a:schemeClr>
+                </a:solidFill>
+              </a:rPr>
+              <a:t> </a:t>
+            </a:r>
+            <a:r>
+              <a:rPr lang="sl-SI" b="1" dirty="0" err="1" smtClean="0">
+                <a:solidFill>
+                  <a:schemeClr val="accent1">
+                    <a:lumMod val="75000"/>
+                  </a:schemeClr>
+                </a:solidFill>
+              </a:rPr>
+              <a:t>databases</a:t>
+            </a:r>
+            <a:endParaRPr lang="sl-SI" dirty="0"/>
+          </a:p>
+        </p:txBody>
+      </p:sp>
+      <p:sp>
+        <p:nvSpPr>
+          <p:cNvPr id="4" name="Označba mesta besedila 3"/>
+          <p:cNvSpPr>
+            <a:spLocks noGrp="1"/>
+          </p:cNvSpPr>
+          <p:nvPr>
+            <p:ph type="body" idx="1"/>
+          </p:nvPr>
+        </p:nvSpPr>
+        <p:spPr/>
+        <p:txBody>
+          <a:bodyPr/>
+          <a:lstStyle/>
+          <a:p>
+            <a:r>
+              <a:rPr lang="sl-SI" dirty="0" err="1" smtClean="0"/>
+              <a:t>Generating</a:t>
+            </a:r>
+            <a:r>
+              <a:rPr lang="sl-SI" dirty="0" smtClean="0"/>
+              <a:t> </a:t>
+            </a:r>
+            <a:r>
+              <a:rPr lang="sl-SI" dirty="0" err="1" smtClean="0"/>
+              <a:t>images</a:t>
+            </a:r>
+            <a:r>
+              <a:rPr lang="sl-SI" dirty="0" smtClean="0"/>
+              <a:t> </a:t>
+            </a:r>
+            <a:r>
+              <a:rPr lang="sl-SI" dirty="0" err="1" smtClean="0"/>
+              <a:t>and</a:t>
+            </a:r>
+            <a:r>
+              <a:rPr lang="sl-SI" dirty="0" smtClean="0"/>
+              <a:t> </a:t>
+            </a:r>
+            <a:r>
+              <a:rPr lang="sl-SI" dirty="0" err="1" smtClean="0"/>
+              <a:t>audio</a:t>
+            </a:r>
+            <a:endParaRPr lang="sl-SI" dirty="0" smtClean="0"/>
+          </a:p>
+          <a:p>
+            <a:r>
+              <a:rPr lang="sl-SI" dirty="0" err="1"/>
+              <a:t>G</a:t>
+            </a:r>
+            <a:r>
+              <a:rPr lang="sl-SI" dirty="0" err="1" smtClean="0"/>
+              <a:t>enerating</a:t>
+            </a:r>
+            <a:r>
+              <a:rPr lang="sl-SI" dirty="0" smtClean="0"/>
+              <a:t> data </a:t>
+            </a:r>
+            <a:r>
+              <a:rPr lang="sl-SI" dirty="0" err="1" smtClean="0"/>
+              <a:t>with</a:t>
+            </a:r>
+            <a:r>
+              <a:rPr lang="sl-SI" dirty="0" smtClean="0"/>
+              <a:t> </a:t>
+            </a:r>
+            <a:r>
+              <a:rPr lang="sl-SI" dirty="0" err="1" smtClean="0"/>
+              <a:t>Faker</a:t>
+            </a:r>
+            <a:r>
+              <a:rPr lang="sl-SI" dirty="0" smtClean="0"/>
+              <a:t> </a:t>
+            </a:r>
+            <a:r>
+              <a:rPr lang="sl-SI" dirty="0" err="1" smtClean="0"/>
+              <a:t>package</a:t>
+            </a:r>
+            <a:endParaRPr lang="sl-SI" dirty="0" smtClean="0"/>
+          </a:p>
+          <a:p>
+            <a:r>
+              <a:rPr lang="sl-SI" dirty="0"/>
+              <a:t>2</a:t>
+            </a:r>
+            <a:r>
+              <a:rPr lang="sl-SI" dirty="0" smtClean="0"/>
+              <a:t> </a:t>
+            </a:r>
+            <a:r>
+              <a:rPr lang="sl-SI" dirty="0" err="1" smtClean="0"/>
+              <a:t>days</a:t>
+            </a:r>
+            <a:r>
+              <a:rPr lang="sl-SI" dirty="0" smtClean="0"/>
+              <a:t> </a:t>
+            </a:r>
+            <a:r>
+              <a:rPr lang="sl-SI" dirty="0" err="1" smtClean="0"/>
+              <a:t>with</a:t>
+            </a:r>
+            <a:r>
+              <a:rPr lang="sl-SI" dirty="0" smtClean="0"/>
+              <a:t> </a:t>
+            </a:r>
+            <a:r>
+              <a:rPr lang="sl-SI" dirty="0" err="1"/>
+              <a:t>F</a:t>
+            </a:r>
+            <a:r>
+              <a:rPr lang="sl-SI" dirty="0" err="1" smtClean="0"/>
+              <a:t>aker</a:t>
+            </a:r>
+            <a:r>
+              <a:rPr lang="sl-SI" dirty="0" smtClean="0"/>
+              <a:t> </a:t>
+            </a:r>
+            <a:r>
+              <a:rPr lang="sl-SI" dirty="0" err="1" smtClean="0"/>
+              <a:t>and</a:t>
+            </a:r>
+            <a:r>
+              <a:rPr lang="sl-SI" dirty="0" smtClean="0"/>
+              <a:t> </a:t>
+            </a:r>
+            <a:r>
+              <a:rPr lang="sl-SI" dirty="0" err="1" smtClean="0"/>
+              <a:t>pre-generated</a:t>
+            </a:r>
+            <a:r>
+              <a:rPr lang="sl-SI" dirty="0" smtClean="0"/>
+              <a:t> </a:t>
+            </a:r>
+            <a:r>
+              <a:rPr lang="sl-SI" dirty="0" err="1" smtClean="0"/>
+              <a:t>images</a:t>
+            </a:r>
+            <a:r>
+              <a:rPr lang="sl-SI" dirty="0" smtClean="0"/>
+              <a:t> </a:t>
+            </a:r>
+            <a:r>
+              <a:rPr lang="sl-SI" dirty="0" err="1" smtClean="0"/>
+              <a:t>for</a:t>
+            </a:r>
+            <a:r>
+              <a:rPr lang="sl-SI" dirty="0" smtClean="0"/>
+              <a:t> 100 GB</a:t>
+            </a:r>
+          </a:p>
+        </p:txBody>
+      </p:sp>
+    </p:spTree>
+    <p:extLst>
+      <p:ext uri="{BB962C8B-B14F-4D97-AF65-F5344CB8AC3E}">
+        <p14:creationId xmlns:p14="http://schemas.microsoft.com/office/powerpoint/2010/main" val="1411212546"/>
+      </p:ext>
+    </p:extLst>
+  </p:cSld>
+  <p:clrMapOvr>
+    <a:masterClrMapping/>
+  </p:clrMapOvr>
+</p:sld>
+</file>
+
+<file path=ppt/slides/slide7.xml><?xml version="1.0" encoding="utf-8"?>
+<p:sld xmlns:a="http://schemas.openxmlformats.org/drawingml/2006/main" xmlns:r="http://schemas.openxmlformats.org/officeDocument/2006/relationships" xmlns:p="http://schemas.openxmlformats.org/presentationml/2006/main">
+  <p:cSld>
+    <p:spTree>
+      <p:nvGrpSpPr>
+        <p:cNvPr id="1" name=""/>
+        <p:cNvGrpSpPr/>
+        <p:nvPr/>
+      </p:nvGrpSpPr>
+      <p:grpSpPr>
+        <a:xfrm>
+          <a:off x="0" y="0"/>
+          <a:ext cx="0" cy="0"/>
+          <a:chOff x="0" y="0"/>
+          <a:chExt cx="0" cy="0"/>
+        </a:xfrm>
+      </p:grpSpPr>
+      <p:sp>
+        <p:nvSpPr>
+          <p:cNvPr id="2" name="Naslov 1"/>
+          <p:cNvSpPr>
+            <a:spLocks noGrp="1"/>
+          </p:cNvSpPr>
+          <p:nvPr>
+            <p:ph type="title"/>
+          </p:nvPr>
+        </p:nvSpPr>
+        <p:spPr/>
+        <p:txBody>
+          <a:bodyPr>
+            <a:normAutofit fontScale="90000"/>
+          </a:bodyPr>
+          <a:lstStyle/>
+          <a:p>
+            <a:r>
+              <a:rPr lang="sl-SI" b="1" dirty="0" err="1" smtClean="0">
+                <a:solidFill>
+                  <a:schemeClr val="accent1">
+                    <a:lumMod val="75000"/>
+                  </a:schemeClr>
+                </a:solidFill>
+              </a:rPr>
+              <a:t>Solving</a:t>
+            </a:r>
+            <a:r>
+              <a:rPr lang="sl-SI" b="1" dirty="0" smtClean="0">
+                <a:solidFill>
+                  <a:schemeClr val="accent1">
+                    <a:lumMod val="75000"/>
+                  </a:schemeClr>
+                </a:solidFill>
+              </a:rPr>
+              <a:t> RAM </a:t>
+            </a:r>
+            <a:r>
+              <a:rPr lang="sl-SI" b="1" dirty="0" err="1" smtClean="0">
+                <a:solidFill>
+                  <a:schemeClr val="accent1">
+                    <a:lumMod val="75000"/>
+                  </a:schemeClr>
+                </a:solidFill>
+              </a:rPr>
+              <a:t>issues</a:t>
+            </a:r>
+            <a:endParaRPr lang="sl-SI" dirty="0"/>
+          </a:p>
+        </p:txBody>
+      </p:sp>
+      <p:sp>
+        <p:nvSpPr>
+          <p:cNvPr id="3" name="Označba mesta besedila 2"/>
+          <p:cNvSpPr>
+            <a:spLocks noGrp="1"/>
+          </p:cNvSpPr>
+          <p:nvPr>
+            <p:ph type="body" idx="1"/>
+          </p:nvPr>
+        </p:nvSpPr>
+        <p:spPr/>
+        <p:txBody>
+          <a:bodyPr/>
+          <a:lstStyle/>
+          <a:p>
+            <a:r>
+              <a:rPr lang="sl-SI" dirty="0" err="1"/>
+              <a:t>def</a:t>
+            </a:r>
+            <a:r>
+              <a:rPr lang="sl-SI" dirty="0"/>
+              <a:t> </a:t>
+            </a:r>
+            <a:r>
+              <a:rPr lang="sl-SI" dirty="0" err="1"/>
+              <a:t>measure_full_scan_throughput</a:t>
+            </a:r>
+            <a:r>
+              <a:rPr lang="sl-SI" dirty="0"/>
+              <a:t>(</a:t>
+            </a:r>
+            <a:r>
+              <a:rPr lang="sl-SI" dirty="0" err="1"/>
+              <a:t>dataset</a:t>
+            </a:r>
+            <a:r>
+              <a:rPr lang="sl-SI" dirty="0"/>
+              <a:t>, </a:t>
+            </a:r>
+            <a:r>
+              <a:rPr lang="sl-SI" dirty="0" err="1"/>
+              <a:t>total_mb</a:t>
+            </a:r>
+            <a:r>
+              <a:rPr lang="sl-SI" dirty="0"/>
+              <a:t>):</a:t>
+            </a:r>
+          </a:p>
+          <a:p>
+            <a:r>
+              <a:rPr lang="sl-SI" dirty="0"/>
+              <a:t>    </a:t>
+            </a:r>
+            <a:r>
+              <a:rPr lang="sl-SI" dirty="0" err="1"/>
+              <a:t>scanner</a:t>
+            </a:r>
+            <a:r>
+              <a:rPr lang="sl-SI" dirty="0"/>
+              <a:t> = </a:t>
+            </a:r>
+            <a:r>
+              <a:rPr lang="sl-SI" dirty="0" err="1"/>
+              <a:t>dataset.scanner</a:t>
+            </a:r>
+            <a:r>
+              <a:rPr lang="sl-SI" dirty="0" smtClean="0"/>
+              <a:t>()</a:t>
+            </a:r>
+          </a:p>
+          <a:p>
+            <a:r>
+              <a:rPr lang="sl-SI" dirty="0" smtClean="0"/>
+              <a:t>    start = </a:t>
+            </a:r>
+            <a:r>
+              <a:rPr lang="sl-SI" dirty="0" err="1" smtClean="0"/>
+              <a:t>time.time</a:t>
+            </a:r>
+            <a:r>
+              <a:rPr lang="sl-SI" dirty="0" smtClean="0"/>
+              <a:t>()</a:t>
+            </a:r>
+          </a:p>
+          <a:p>
+            <a:endParaRPr lang="sl-SI" dirty="0"/>
+          </a:p>
+          <a:p>
+            <a:r>
+              <a:rPr lang="sl-SI" dirty="0"/>
+              <a:t>    </a:t>
+            </a:r>
+            <a:r>
+              <a:rPr lang="sl-SI" dirty="0" err="1"/>
+              <a:t>for</a:t>
+            </a:r>
+            <a:r>
+              <a:rPr lang="sl-SI" dirty="0"/>
+              <a:t> </a:t>
+            </a:r>
+            <a:r>
+              <a:rPr lang="sl-SI" dirty="0" err="1"/>
+              <a:t>batch</a:t>
+            </a:r>
+            <a:r>
+              <a:rPr lang="sl-SI" dirty="0"/>
+              <a:t> in </a:t>
+            </a:r>
+            <a:r>
+              <a:rPr lang="sl-SI" dirty="0" err="1"/>
+              <a:t>scanner.to_batches</a:t>
+            </a:r>
+            <a:r>
+              <a:rPr lang="sl-SI" dirty="0"/>
+              <a:t>():</a:t>
+            </a:r>
+          </a:p>
+          <a:p>
+            <a:r>
+              <a:rPr lang="sl-SI" dirty="0"/>
+              <a:t>        </a:t>
+            </a:r>
+            <a:r>
+              <a:rPr lang="sl-SI" dirty="0" err="1" smtClean="0"/>
+              <a:t>pass</a:t>
+            </a:r>
+            <a:endParaRPr lang="sl-SI" dirty="0"/>
+          </a:p>
+          <a:p>
+            <a:r>
+              <a:rPr lang="sl-SI" dirty="0"/>
+              <a:t>    </a:t>
+            </a:r>
+            <a:r>
+              <a:rPr lang="sl-SI" dirty="0" err="1"/>
+              <a:t>elapsed</a:t>
+            </a:r>
+            <a:r>
+              <a:rPr lang="sl-SI" dirty="0"/>
+              <a:t> = </a:t>
+            </a:r>
+            <a:r>
+              <a:rPr lang="sl-SI" dirty="0" err="1"/>
+              <a:t>time.time</a:t>
+            </a:r>
+            <a:r>
+              <a:rPr lang="sl-SI" dirty="0"/>
+              <a:t>() - start</a:t>
+            </a:r>
+          </a:p>
+          <a:p>
+            <a:r>
+              <a:rPr lang="sl-SI" dirty="0"/>
+              <a:t>    </a:t>
+            </a:r>
+            <a:r>
+              <a:rPr lang="sl-SI" dirty="0" err="1"/>
+              <a:t>return</a:t>
+            </a:r>
+            <a:r>
+              <a:rPr lang="sl-SI" dirty="0"/>
+              <a:t> </a:t>
+            </a:r>
+            <a:r>
+              <a:rPr lang="sl-SI" dirty="0" err="1"/>
+              <a:t>total_mb</a:t>
+            </a:r>
+            <a:r>
+              <a:rPr lang="sl-SI" dirty="0"/>
+              <a:t> / </a:t>
+            </a:r>
+            <a:r>
+              <a:rPr lang="sl-SI" dirty="0" err="1"/>
+              <a:t>elapsed</a:t>
+            </a:r>
+            <a:r>
+              <a:rPr lang="sl-SI" dirty="0"/>
+              <a:t> </a:t>
+            </a:r>
+            <a:r>
+              <a:rPr lang="sl-SI" dirty="0" err="1"/>
+              <a:t>if</a:t>
+            </a:r>
+            <a:r>
+              <a:rPr lang="sl-SI" dirty="0"/>
+              <a:t> </a:t>
+            </a:r>
+            <a:r>
+              <a:rPr lang="sl-SI" dirty="0" err="1"/>
+              <a:t>elapsed</a:t>
+            </a:r>
+            <a:r>
+              <a:rPr lang="sl-SI" dirty="0"/>
+              <a:t> &gt; 0 </a:t>
+            </a:r>
+            <a:r>
+              <a:rPr lang="sl-SI" dirty="0" err="1"/>
+              <a:t>else</a:t>
+            </a:r>
+            <a:r>
+              <a:rPr lang="sl-SI" dirty="0"/>
+              <a:t> 0</a:t>
+            </a:r>
+          </a:p>
+        </p:txBody>
+      </p:sp>
+    </p:spTree>
+    <p:extLst>
+      <p:ext uri="{BB962C8B-B14F-4D97-AF65-F5344CB8AC3E}">
+        <p14:creationId xmlns:p14="http://schemas.microsoft.com/office/powerpoint/2010/main" val="1144621313"/>
+      </p:ext>
+    </p:extLst>
+  </p:cSld>
+  <p:clrMapOvr>
+    <a:masterClrMapping/>
+  </p:clrMapOvr>
+</p:sld>
+</file>
+
+<file path=ppt/slides/slide8.xml><?xml version="1.0" encoding="utf-8"?>
+<p:sld xmlns:a="http://schemas.openxmlformats.org/drawingml/2006/main" xmlns:r="http://schemas.openxmlformats.org/officeDocument/2006/relationships" xmlns:p="http://schemas.openxmlformats.org/presentationml/2006/main">
+  <p:cSld>
+    <p:spTree>
+      <p:nvGrpSpPr>
+        <p:cNvPr id="1" name=""/>
+        <p:cNvGrpSpPr/>
+        <p:nvPr/>
+      </p:nvGrpSpPr>
+      <p:grpSpPr>
+        <a:xfrm>
+          <a:off x="0" y="0"/>
+          <a:ext cx="0" cy="0"/>
+          <a:chOff x="0" y="0"/>
+          <a:chExt cx="0" cy="0"/>
+        </a:xfrm>
+      </p:grpSpPr>
+      <p:sp>
+        <p:nvSpPr>
+          <p:cNvPr id="2" name="Naslov 1"/>
+          <p:cNvSpPr>
+            <a:spLocks noGrp="1"/>
+          </p:cNvSpPr>
+          <p:nvPr>
+            <p:ph type="title"/>
+          </p:nvPr>
+        </p:nvSpPr>
+        <p:spPr/>
+        <p:txBody>
+          <a:bodyPr>
+            <a:normAutofit fontScale="90000"/>
+          </a:bodyPr>
+          <a:lstStyle/>
+          <a:p>
+            <a:r>
+              <a:rPr lang="sl-SI" b="1" dirty="0" err="1">
+                <a:solidFill>
+                  <a:schemeClr val="accent1">
+                    <a:lumMod val="75000"/>
+                  </a:schemeClr>
+                </a:solidFill>
+              </a:rPr>
+              <a:t>Benchmarking</a:t>
+            </a:r>
+            <a:r>
+              <a:rPr lang="sl-SI" b="1" dirty="0">
+                <a:solidFill>
+                  <a:schemeClr val="accent1">
+                    <a:lumMod val="75000"/>
+                  </a:schemeClr>
+                </a:solidFill>
+              </a:rPr>
+              <a:t> </a:t>
+            </a:r>
+            <a:r>
+              <a:rPr lang="sl-SI" b="1" dirty="0" err="1">
+                <a:solidFill>
+                  <a:schemeClr val="accent1">
+                    <a:lumMod val="75000"/>
+                  </a:schemeClr>
+                </a:solidFill>
+              </a:rPr>
+              <a:t>of</a:t>
+            </a:r>
+            <a:r>
+              <a:rPr lang="sl-SI" b="1" dirty="0">
+                <a:solidFill>
+                  <a:schemeClr val="accent1">
+                    <a:lumMod val="75000"/>
+                  </a:schemeClr>
+                </a:solidFill>
+              </a:rPr>
+              <a:t> </a:t>
+            </a:r>
+            <a:r>
+              <a:rPr lang="sl-SI" b="1" dirty="0" smtClean="0">
+                <a:solidFill>
+                  <a:schemeClr val="accent1">
+                    <a:lumMod val="75000"/>
+                  </a:schemeClr>
+                </a:solidFill>
+              </a:rPr>
+              <a:t>1.3MB </a:t>
+            </a:r>
+            <a:r>
+              <a:rPr lang="sl-SI" b="1" dirty="0" err="1">
+                <a:solidFill>
+                  <a:schemeClr val="accent1">
+                    <a:lumMod val="75000"/>
+                  </a:schemeClr>
+                </a:solidFill>
+              </a:rPr>
+              <a:t>Database</a:t>
+            </a:r>
+            <a:endParaRPr lang="sl-SI" dirty="0"/>
+          </a:p>
+        </p:txBody>
+      </p:sp>
+      <p:pic>
+        <p:nvPicPr>
+          <p:cNvPr id="3" name="Slika 2"/>
+          <p:cNvPicPr>
+            <a:picLocks noChangeAspect="1"/>
+          </p:cNvPicPr>
+          <p:nvPr/>
+        </p:nvPicPr>
+        <p:blipFill>
+          <a:blip r:embed="rId2">
+            <a:extLst>
+              <a:ext uri="{28A0092B-C50C-407E-A947-70E740481C1C}">
+                <a14:useLocalDpi xmlns:a14="http://schemas.microsoft.com/office/drawing/2010/main" val="0"/>
+              </a:ext>
+            </a:extLst>
+          </a:blip>
+          <a:stretch>
+            <a:fillRect/>
+          </a:stretch>
+        </p:blipFill>
+        <p:spPr>
+          <a:xfrm>
+            <a:off x="79512" y="981489"/>
+            <a:ext cx="6936685" cy="4162011"/>
+          </a:xfrm>
+          <a:prstGeom prst="rect">
+            <a:avLst/>
+          </a:prstGeom>
+        </p:spPr>
+      </p:pic>
+    </p:spTree>
+    <p:extLst>
+      <p:ext uri="{BB962C8B-B14F-4D97-AF65-F5344CB8AC3E}">
+        <p14:creationId xmlns:p14="http://schemas.microsoft.com/office/powerpoint/2010/main" val="2757271982"/>
+      </p:ext>
+    </p:extLst>
+  </p:cSld>
+  <p:clrMapOvr>
+    <a:masterClrMapping/>
+  </p:clrMapOvr>
+</p:sld>
+</file>
+
+<file path=ppt/slides/slide9.xml><?xml version="1.0" encoding="utf-8"?>
+<p:sld xmlns:a="http://schemas.openxmlformats.org/drawingml/2006/main" xmlns:r="http://schemas.openxmlformats.org/officeDocument/2006/relationships" xmlns:p="http://schemas.openxmlformats.org/presentationml/2006/main">
+  <p:cSld>
+    <p:spTree>
+      <p:nvGrpSpPr>
+        <p:cNvPr id="1" name=""/>
+        <p:cNvGrpSpPr/>
+        <p:nvPr/>
+      </p:nvGrpSpPr>
+      <p:grpSpPr>
+        <a:xfrm>
+          <a:off x="0" y="0"/>
+          <a:ext cx="0" cy="0"/>
+          <a:chOff x="0" y="0"/>
+          <a:chExt cx="0" cy="0"/>
+        </a:xfrm>
+      </p:grpSpPr>
+      <p:sp>
+        <p:nvSpPr>
+          <p:cNvPr id="2" name="Naslov 1"/>
+          <p:cNvSpPr>
+            <a:spLocks noGrp="1"/>
+          </p:cNvSpPr>
+          <p:nvPr>
+            <p:ph type="title"/>
+          </p:nvPr>
+        </p:nvSpPr>
+        <p:spPr/>
+        <p:txBody>
+          <a:bodyPr>
+            <a:normAutofit fontScale="90000"/>
+          </a:bodyPr>
+          <a:lstStyle/>
+          <a:p>
+            <a:r>
+              <a:rPr lang="sl-SI" sz="2000" b="1" dirty="0" err="1" smtClean="0">
+                <a:solidFill>
+                  <a:schemeClr val="accent1">
+                    <a:lumMod val="75000"/>
+                  </a:schemeClr>
+                </a:solidFill>
+              </a:rPr>
+              <a:t>Benchmarking</a:t>
+            </a:r>
+            <a:r>
+              <a:rPr lang="sl-SI" sz="2000" b="1" dirty="0" smtClean="0">
+                <a:solidFill>
+                  <a:schemeClr val="accent1">
+                    <a:lumMod val="75000"/>
+                  </a:schemeClr>
+                </a:solidFill>
+              </a:rPr>
+              <a:t> </a:t>
+            </a:r>
+            <a:r>
+              <a:rPr lang="sl-SI" sz="2000" b="1" dirty="0" err="1" smtClean="0">
+                <a:solidFill>
+                  <a:schemeClr val="accent1">
+                    <a:lumMod val="75000"/>
+                  </a:schemeClr>
+                </a:solidFill>
+              </a:rPr>
+              <a:t>of</a:t>
+            </a:r>
+            <a:r>
+              <a:rPr lang="sl-SI" sz="2000" b="1" dirty="0" smtClean="0">
+                <a:solidFill>
+                  <a:schemeClr val="accent1">
+                    <a:lumMod val="75000"/>
+                  </a:schemeClr>
+                </a:solidFill>
+              </a:rPr>
+              <a:t> 50GB </a:t>
+            </a:r>
+            <a:r>
+              <a:rPr lang="sl-SI" sz="2000" b="1" dirty="0" err="1" smtClean="0">
+                <a:solidFill>
+                  <a:schemeClr val="accent1">
+                    <a:lumMod val="75000"/>
+                  </a:schemeClr>
+                </a:solidFill>
+              </a:rPr>
+              <a:t>Database</a:t>
+            </a:r>
+            <a:r>
+              <a:rPr lang="sl-SI" sz="2000" b="1" dirty="0" smtClean="0">
+                <a:solidFill>
+                  <a:schemeClr val="accent1">
+                    <a:lumMod val="75000"/>
+                  </a:schemeClr>
+                </a:solidFill>
+              </a:rPr>
+              <a:t> </a:t>
+            </a:r>
+            <a:r>
+              <a:rPr lang="sl-SI" dirty="0" smtClean="0"/>
+              <a:t/>
+            </a:r>
+            <a:br>
+              <a:rPr lang="sl-SI" dirty="0" smtClean="0"/>
+            </a:br>
+            <a:endParaRPr lang="sl-SI" dirty="0"/>
+          </a:p>
+        </p:txBody>
+      </p:sp>
+      <p:pic>
+        <p:nvPicPr>
+          <p:cNvPr id="4" name="Slika 3"/>
+          <p:cNvPicPr>
+            <a:picLocks noChangeAspect="1"/>
+          </p:cNvPicPr>
+          <p:nvPr/>
+        </p:nvPicPr>
+        <p:blipFill>
+          <a:blip r:embed="rId2"/>
+          <a:stretch>
+            <a:fillRect/>
+          </a:stretch>
+        </p:blipFill>
+        <p:spPr>
+          <a:xfrm>
+            <a:off x="0" y="960318"/>
+            <a:ext cx="7360478" cy="4416287"/>
+          </a:xfrm>
+          <a:prstGeom prst="rect">
+            <a:avLst/>
+          </a:prstGeom>
+        </p:spPr>
+      </p:pic>
+    </p:spTree>
+    <p:extLst>
+      <p:ext uri="{BB962C8B-B14F-4D97-AF65-F5344CB8AC3E}">
+        <p14:creationId xmlns:p14="http://schemas.microsoft.com/office/powerpoint/2010/main" val="2400371872"/>
+      </p:ext>
+    </p:extLst>
+  </p:cSld>
+  <p:clrMapOvr>
+    <a:masterClrMapping/>
+  </p:clrMapOvr>
+</p:sld>
+</file>
+
 <file path=ppt/theme/theme1.xml><?xml version="1.0" encoding="utf-8"?>
-<a:theme xmlns:a="http://schemas.openxmlformats.org/drawingml/2006/main" xmlns:r="http://schemas.openxmlformats.org/officeDocument/2006/relationships" xmlns:p="http://schemas.openxmlformats.org/presentationml/2006/main" name="Simple Light">
+<a:theme xmlns:a="http://schemas.openxmlformats.org/drawingml/2006/main" name="Simple Light">
   <a:themeElements>
     <a:clrScheme name="Simple Light">
       <a:dk1>
@@ -12231,11 +13509,12 @@
     </a:fmtScheme>
   </a:themeElements>
   <a:objectDefaults/>
+  <a:extraClrSchemeLst/>
 </a:theme>
 </file>
 
 <file path=ppt/theme/theme2.xml><?xml version="1.0" encoding="utf-8"?>
-<a:theme xmlns:a="http://schemas.openxmlformats.org/drawingml/2006/main" xmlns:r="http://schemas.openxmlformats.org/officeDocument/2006/relationships" xmlns:p="http://schemas.openxmlformats.org/presentationml/2006/main" name="">
+<a:theme xmlns:a="http://schemas.openxmlformats.org/drawingml/2006/main">
   <a:themeElements>
     <a:clrScheme name="Default">
       <a:dk1>
@@ -12447,5 +13726,6 @@
     </a:fmtScheme>
   </a:themeElements>
   <a:objectDefaults/>
+  <a:extraClrSchemeLst/>
 </a:theme>
 </file>
--- a/presentation/Architectural and Algorithmic Analysis.pptx
+++ b/presentation/Architectural and Algorithmic Analysis.pptx
@@ -6618,7 +6618,7 @@
     <a:masterClrMapping/>
   </p:clrMapOvr>
   <mc:AlternateContent xmlns:mc="http://schemas.openxmlformats.org/markup-compatibility/2006">
-    <mc:Choice xmlns:p14="http://schemas.microsoft.com/office/powerpoint/2010/main" xmlns:p159="http://schemas.microsoft.com/office/powerpoint/2015/09/main" xmlns:w="http://schemas.openxmlformats.org/wordprocessingml/2006/main" xmlns:m="http://schemas.openxmlformats.org/officeDocument/2006/math" xmlns="" Requires="p159">
+    <mc:Choice xmlns="" xmlns:m="http://schemas.openxmlformats.org/officeDocument/2006/math" xmlns:w="http://schemas.openxmlformats.org/wordprocessingml/2006/main" xmlns:p159="http://schemas.microsoft.com/office/powerpoint/2015/09/main" xmlns:p14="http://schemas.microsoft.com/office/powerpoint/2010/main" Requires="p159">
       <p:transition p14:dur="2000" advClick="1"/>
     </mc:Choice>
     <mc:Fallback>
@@ -8604,7 +8604,7 @@
     <a:masterClrMapping/>
   </p:clrMapOvr>
   <mc:AlternateContent xmlns:mc="http://schemas.openxmlformats.org/markup-compatibility/2006">
-    <mc:Choice xmlns:p14="http://schemas.microsoft.com/office/powerpoint/2010/main" xmlns:p159="http://schemas.microsoft.com/office/powerpoint/2015/09/main" xmlns:w="http://schemas.openxmlformats.org/wordprocessingml/2006/main" xmlns:m="http://schemas.openxmlformats.org/officeDocument/2006/math" xmlns="" Requires="p159">
+    <mc:Choice xmlns="" xmlns:m="http://schemas.openxmlformats.org/officeDocument/2006/math" xmlns:w="http://schemas.openxmlformats.org/wordprocessingml/2006/main" xmlns:p159="http://schemas.microsoft.com/office/powerpoint/2015/09/main" xmlns:p14="http://schemas.microsoft.com/office/powerpoint/2010/main" Requires="p159">
       <p:transition p14:dur="2000" advClick="1"/>
     </mc:Choice>
     <mc:Fallback>
@@ -9064,7 +9064,7 @@
     <a:masterClrMapping/>
   </p:clrMapOvr>
   <mc:AlternateContent xmlns:mc="http://schemas.openxmlformats.org/markup-compatibility/2006">
-    <mc:Choice xmlns:p14="http://schemas.microsoft.com/office/powerpoint/2010/main" xmlns:p159="http://schemas.microsoft.com/office/powerpoint/2015/09/main" xmlns:w="http://schemas.openxmlformats.org/wordprocessingml/2006/main" xmlns:m="http://schemas.openxmlformats.org/officeDocument/2006/math" xmlns="" Requires="p159">
+    <mc:Choice xmlns="" xmlns:m="http://schemas.openxmlformats.org/officeDocument/2006/math" xmlns:w="http://schemas.openxmlformats.org/wordprocessingml/2006/main" xmlns:p159="http://schemas.microsoft.com/office/powerpoint/2015/09/main" xmlns:p14="http://schemas.microsoft.com/office/powerpoint/2010/main" Requires="p159">
       <p:transition p14:dur="2000" advClick="1"/>
     </mc:Choice>
     <mc:Fallback>
@@ -9434,7 +9434,7 @@
     <a:masterClrMapping/>
   </p:clrMapOvr>
   <mc:AlternateContent xmlns:mc="http://schemas.openxmlformats.org/markup-compatibility/2006">
-    <mc:Choice xmlns:p14="http://schemas.microsoft.com/office/powerpoint/2010/main" xmlns:p159="http://schemas.microsoft.com/office/powerpoint/2015/09/main" xmlns:w="http://schemas.openxmlformats.org/wordprocessingml/2006/main" xmlns:m="http://schemas.openxmlformats.org/officeDocument/2006/math" xmlns="" Requires="p159">
+    <mc:Choice xmlns="" xmlns:m="http://schemas.openxmlformats.org/officeDocument/2006/math" xmlns:w="http://schemas.openxmlformats.org/wordprocessingml/2006/main" xmlns:p159="http://schemas.microsoft.com/office/powerpoint/2015/09/main" xmlns:p14="http://schemas.microsoft.com/office/powerpoint/2010/main" Requires="p159">
       <p:transition p14:dur="2000" advClick="1"/>
     </mc:Choice>
     <mc:Fallback>
@@ -9809,7 +9809,7 @@
     <a:masterClrMapping/>
   </p:clrMapOvr>
   <mc:AlternateContent xmlns:mc="http://schemas.openxmlformats.org/markup-compatibility/2006">
-    <mc:Choice xmlns:p14="http://schemas.microsoft.com/office/powerpoint/2010/main" xmlns:p159="http://schemas.microsoft.com/office/powerpoint/2015/09/main" xmlns:w="http://schemas.openxmlformats.org/wordprocessingml/2006/main" xmlns:m="http://schemas.openxmlformats.org/officeDocument/2006/math" xmlns="" Requires="p159">
+    <mc:Choice xmlns="" xmlns:m="http://schemas.openxmlformats.org/officeDocument/2006/math" xmlns:w="http://schemas.openxmlformats.org/wordprocessingml/2006/main" xmlns:p159="http://schemas.microsoft.com/office/powerpoint/2015/09/main" xmlns:p14="http://schemas.microsoft.com/office/powerpoint/2010/main" Requires="p159">
       <p:transition p14:dur="2000" advClick="1"/>
     </mc:Choice>
     <mc:Fallback>
@@ -10201,7 +10201,7 @@
     <a:masterClrMapping/>
   </p:clrMapOvr>
   <mc:AlternateContent xmlns:mc="http://schemas.openxmlformats.org/markup-compatibility/2006">
-    <mc:Choice xmlns:p14="http://schemas.microsoft.com/office/powerpoint/2010/main" xmlns:p159="http://schemas.microsoft.com/office/powerpoint/2015/09/main" xmlns:w="http://schemas.openxmlformats.org/wordprocessingml/2006/main" xmlns:m="http://schemas.openxmlformats.org/officeDocument/2006/math" xmlns="" Requires="p159">
+    <mc:Choice xmlns="" xmlns:m="http://schemas.openxmlformats.org/officeDocument/2006/math" xmlns:w="http://schemas.openxmlformats.org/wordprocessingml/2006/main" xmlns:p159="http://schemas.microsoft.com/office/powerpoint/2015/09/main" xmlns:p14="http://schemas.microsoft.com/office/powerpoint/2010/main" Requires="p159">
       <p:transition p14:dur="2000" advClick="1"/>
     </mc:Choice>
     <mc:Fallback>
@@ -10552,7 +10552,7 @@
     <a:masterClrMapping/>
   </p:clrMapOvr>
   <mc:AlternateContent xmlns:mc="http://schemas.openxmlformats.org/markup-compatibility/2006">
-    <mc:Choice xmlns:p14="http://schemas.microsoft.com/office/powerpoint/2010/main" xmlns:p159="http://schemas.microsoft.com/office/powerpoint/2015/09/main" xmlns:w="http://schemas.openxmlformats.org/wordprocessingml/2006/main" xmlns:m="http://schemas.openxmlformats.org/officeDocument/2006/math" xmlns="" Requires="p159">
+    <mc:Choice xmlns="" xmlns:m="http://schemas.openxmlformats.org/officeDocument/2006/math" xmlns:w="http://schemas.openxmlformats.org/wordprocessingml/2006/main" xmlns:p159="http://schemas.microsoft.com/office/powerpoint/2015/09/main" xmlns:p14="http://schemas.microsoft.com/office/powerpoint/2010/main" Requires="p159">
       <p:transition p14:dur="2000" advClick="1"/>
     </mc:Choice>
     <mc:Fallback>
@@ -10923,7 +10923,7 @@
     <a:masterClrMapping/>
   </p:clrMapOvr>
   <mc:AlternateContent xmlns:mc="http://schemas.openxmlformats.org/markup-compatibility/2006">
-    <mc:Choice xmlns:p14="http://schemas.microsoft.com/office/powerpoint/2010/main" xmlns:p159="http://schemas.microsoft.com/office/powerpoint/2015/09/main" xmlns:w="http://schemas.openxmlformats.org/wordprocessingml/2006/main" xmlns:m="http://schemas.openxmlformats.org/officeDocument/2006/math" xmlns="" Requires="p159">
+    <mc:Choice xmlns="" xmlns:m="http://schemas.openxmlformats.org/officeDocument/2006/math" xmlns:w="http://schemas.openxmlformats.org/wordprocessingml/2006/main" xmlns:p159="http://schemas.microsoft.com/office/powerpoint/2015/09/main" xmlns:p14="http://schemas.microsoft.com/office/powerpoint/2010/main" Requires="p159">
       <p:transition p14:dur="2000" advClick="1"/>
     </mc:Choice>
     <mc:Fallback>
@@ -11365,7 +11365,7 @@
     <a:masterClrMapping/>
   </p:clrMapOvr>
   <mc:AlternateContent xmlns:mc="http://schemas.openxmlformats.org/markup-compatibility/2006">
-    <mc:Choice xmlns:p14="http://schemas.microsoft.com/office/powerpoint/2010/main" xmlns:p159="http://schemas.microsoft.com/office/powerpoint/2015/09/main" xmlns:w="http://schemas.openxmlformats.org/wordprocessingml/2006/main" xmlns:m="http://schemas.openxmlformats.org/officeDocument/2006/math" xmlns="" Requires="p159">
+    <mc:Choice xmlns="" xmlns:m="http://schemas.openxmlformats.org/officeDocument/2006/math" xmlns:w="http://schemas.openxmlformats.org/wordprocessingml/2006/main" xmlns:p159="http://schemas.microsoft.com/office/powerpoint/2015/09/main" xmlns:p14="http://schemas.microsoft.com/office/powerpoint/2010/main" Requires="p159">
       <p:transition p14:dur="2000" advClick="1"/>
     </mc:Choice>
     <mc:Fallback>
@@ -11951,7 +11951,7 @@
     <a:masterClrMapping/>
   </p:clrMapOvr>
   <mc:AlternateContent xmlns:mc="http://schemas.openxmlformats.org/markup-compatibility/2006">
-    <mc:Choice xmlns:p14="http://schemas.microsoft.com/office/powerpoint/2010/main" xmlns:p159="http://schemas.microsoft.com/office/powerpoint/2015/09/main" xmlns:w="http://schemas.openxmlformats.org/wordprocessingml/2006/main" xmlns:m="http://schemas.openxmlformats.org/officeDocument/2006/math" xmlns="" Requires="p159">
+    <mc:Choice xmlns="" xmlns:m="http://schemas.openxmlformats.org/officeDocument/2006/math" xmlns:w="http://schemas.openxmlformats.org/wordprocessingml/2006/main" xmlns:p159="http://schemas.microsoft.com/office/powerpoint/2015/09/main" xmlns:p14="http://schemas.microsoft.com/office/powerpoint/2010/main" Requires="p159">
       <p:transition p14:dur="2000" advClick="1"/>
     </mc:Choice>
     <mc:Fallback>
@@ -12483,7 +12483,7 @@
     <a:masterClrMapping/>
   </p:clrMapOvr>
   <mc:AlternateContent xmlns:mc="http://schemas.openxmlformats.org/markup-compatibility/2006">
-    <mc:Choice xmlns:p14="http://schemas.microsoft.com/office/powerpoint/2010/main" xmlns:p159="http://schemas.microsoft.com/office/powerpoint/2015/09/main" xmlns:w="http://schemas.openxmlformats.org/wordprocessingml/2006/main" xmlns:m="http://schemas.openxmlformats.org/officeDocument/2006/math" xmlns="" Requires="p159">
+    <mc:Choice xmlns="" xmlns:m="http://schemas.openxmlformats.org/officeDocument/2006/math" xmlns:w="http://schemas.openxmlformats.org/wordprocessingml/2006/main" xmlns:p159="http://schemas.microsoft.com/office/powerpoint/2015/09/main" xmlns:p14="http://schemas.microsoft.com/office/powerpoint/2010/main" Requires="p159">
       <p:transition p14:dur="2000" advClick="1"/>
     </mc:Choice>
     <mc:Fallback>
@@ -13098,14 +13098,14 @@
               <a:t>1.3MB </a:t>
             </a:r>
             <a:r>
-              <a:rPr lang="sl-SI" b="1" dirty="0" err="1">
+              <a:rPr lang="sl-SI" b="1" smtClean="0">
                 <a:solidFill>
                   <a:schemeClr val="accent1">
                     <a:lumMod val="75000"/>
                   </a:schemeClr>
                 </a:solidFill>
               </a:rPr>
-              <a:t>Database</a:t>
+              <a:t>Dataset</a:t>
             </a:r>
             <a:endParaRPr lang="sl-SI" dirty="0"/>
           </a:p>
@@ -13236,17 +13236,7 @@
                   </a:schemeClr>
                 </a:solidFill>
               </a:rPr>
-              <a:t>Database</a:t>
-            </a:r>
-            <a:r>
-              <a:rPr lang="sl-SI" sz="2000" b="1" dirty="0" smtClean="0">
-                <a:solidFill>
-                  <a:schemeClr val="accent1">
-                    <a:lumMod val="75000"/>
-                  </a:schemeClr>
-                </a:solidFill>
-              </a:rPr>
-              <a:t> </a:t>
+              <a:t>Dataset</a:t>
             </a:r>
             <a:r>
               <a:rPr lang="sl-SI" dirty="0" smtClean="0"/>
